--- a/Documents/Ivanti Sprint 2.pptx
+++ b/Documents/Ivanti Sprint 2.pptx
@@ -1,34 +1,34 @@
 
 <file path=ppt/presentation.xml><?xml version="1.0" encoding="utf-8"?>
-<p:presentation xmlns:a="http://schemas.openxmlformats.org/drawingml/2006/main" xmlns:r="http://schemas.openxmlformats.org/officeDocument/2006/relationships" xmlns:mc="http://schemas.openxmlformats.org/markup-compatibility/2006" xmlns:mv="urn:schemas-microsoft-com:mac:vml" xmlns:p="http://schemas.openxmlformats.org/presentationml/2006/main" xmlns:c="http://schemas.openxmlformats.org/drawingml/2006/chart" xmlns:dgm="http://schemas.openxmlformats.org/drawingml/2006/diagram" xmlns:o="urn:schemas-microsoft-com:office:office" xmlns:v="urn:schemas-microsoft-com:vml" xmlns:pvml="urn:schemas-microsoft-com:office:powerpoint" xmlns:com="http://schemas.openxmlformats.org/drawingml/2006/compatibility" xmlns:p14="http://schemas.microsoft.com/office/powerpoint/2010/main" xmlns:p15="http://schemas.microsoft.com/office/powerpoint/2012/main" xmlns:ahyp="http://schemas.microsoft.com/office/drawing/2018/hyperlinkcolor" autoCompressPictures="0" embedTrueTypeFonts="1" strictFirstAndLastChars="0" saveSubsetFonts="1" showSpecialPlsOnTitleSld="0">
+<p:presentation xmlns:a="http://schemas.openxmlformats.org/drawingml/2006/main" xmlns:r="http://schemas.openxmlformats.org/officeDocument/2006/relationships" xmlns:p="http://schemas.openxmlformats.org/presentationml/2006/main" showSpecialPlsOnTitleSld="0" strictFirstAndLastChars="0" embedTrueTypeFonts="1" saveSubsetFonts="1" autoCompressPictures="0">
   <p:sldMasterIdLst>
-    <p:sldMasterId id="2147483654" r:id="rId3"/>
+    <p:sldMasterId id="2147483654" r:id="rId1"/>
   </p:sldMasterIdLst>
   <p:notesMasterIdLst>
-    <p:notesMasterId r:id="rId4"/>
+    <p:notesMasterId r:id="rId9"/>
   </p:notesMasterIdLst>
   <p:sldIdLst>
-    <p:sldId id="256" r:id="rId5"/>
-    <p:sldId id="257" r:id="rId6"/>
-    <p:sldId id="258" r:id="rId7"/>
-    <p:sldId id="259" r:id="rId8"/>
-    <p:sldId id="260" r:id="rId9"/>
-    <p:sldId id="261" r:id="rId10"/>
-    <p:sldId id="262" r:id="rId11"/>
+    <p:sldId id="256" r:id="rId2"/>
+    <p:sldId id="257" r:id="rId3"/>
+    <p:sldId id="258" r:id="rId4"/>
+    <p:sldId id="259" r:id="rId5"/>
+    <p:sldId id="260" r:id="rId6"/>
+    <p:sldId id="261" r:id="rId7"/>
+    <p:sldId id="262" r:id="rId8"/>
   </p:sldIdLst>
-  <p:sldSz cy="5143500" cx="9144000"/>
+  <p:sldSz cx="9144000" cy="5143500" type="screen16x9"/>
   <p:notesSz cx="6858000" cy="9144000"/>
   <p:embeddedFontLst>
     <p:embeddedFont>
-      <p:font typeface="Raleway Thin"/>
-      <p:regular r:id="rId12"/>
-      <p:bold r:id="rId13"/>
-      <p:italic r:id="rId14"/>
-      <p:boldItalic r:id="rId15"/>
+      <p:font typeface="Raleway Thin" pitchFamily="2" charset="0"/>
+      <p:regular r:id="rId10"/>
+      <p:bold r:id="rId11"/>
+      <p:italic r:id="rId12"/>
+      <p:boldItalic r:id="rId13"/>
     </p:embeddedFont>
   </p:embeddedFontLst>
   <p:defaultTextStyle>
-    <a:defPPr lvl="0" marR="0" rtl="0" algn="l">
+    <a:defPPr marR="0" lvl="0" algn="l" rtl="0">
       <a:lnSpc>
         <a:spcPct val="100000"/>
       </a:lnSpc>
@@ -39,7 +39,7 @@
         <a:spcPts val="0"/>
       </a:spcAft>
     </a:defPPr>
-    <a:lvl1pPr lvl="0" marR="0" rtl="0" algn="l">
+    <a:lvl1pPr marR="0" lvl="0" algn="l" rtl="0">
       <a:lnSpc>
         <a:spcPct val="100000"/>
       </a:lnSpc>
@@ -53,7 +53,7 @@
         <a:srgbClr val="000000"/>
       </a:buClr>
       <a:buFont typeface="Arial"/>
-      <a:defRPr b="0" i="0" sz="1400" u="none" cap="none" strike="noStrike">
+      <a:defRPr sz="1400" b="0" i="0" u="none" strike="noStrike" cap="none">
         <a:solidFill>
           <a:srgbClr val="000000"/>
         </a:solidFill>
@@ -63,7 +63,7 @@
         <a:sym typeface="Arial"/>
       </a:defRPr>
     </a:lvl1pPr>
-    <a:lvl2pPr lvl="1" marR="0" rtl="0" algn="l">
+    <a:lvl2pPr marR="0" lvl="1" algn="l" rtl="0">
       <a:lnSpc>
         <a:spcPct val="100000"/>
       </a:lnSpc>
@@ -77,7 +77,7 @@
         <a:srgbClr val="000000"/>
       </a:buClr>
       <a:buFont typeface="Arial"/>
-      <a:defRPr b="0" i="0" sz="1400" u="none" cap="none" strike="noStrike">
+      <a:defRPr sz="1400" b="0" i="0" u="none" strike="noStrike" cap="none">
         <a:solidFill>
           <a:srgbClr val="000000"/>
         </a:solidFill>
@@ -87,7 +87,7 @@
         <a:sym typeface="Arial"/>
       </a:defRPr>
     </a:lvl2pPr>
-    <a:lvl3pPr lvl="2" marR="0" rtl="0" algn="l">
+    <a:lvl3pPr marR="0" lvl="2" algn="l" rtl="0">
       <a:lnSpc>
         <a:spcPct val="100000"/>
       </a:lnSpc>
@@ -101,7 +101,7 @@
         <a:srgbClr val="000000"/>
       </a:buClr>
       <a:buFont typeface="Arial"/>
-      <a:defRPr b="0" i="0" sz="1400" u="none" cap="none" strike="noStrike">
+      <a:defRPr sz="1400" b="0" i="0" u="none" strike="noStrike" cap="none">
         <a:solidFill>
           <a:srgbClr val="000000"/>
         </a:solidFill>
@@ -111,7 +111,7 @@
         <a:sym typeface="Arial"/>
       </a:defRPr>
     </a:lvl3pPr>
-    <a:lvl4pPr lvl="3" marR="0" rtl="0" algn="l">
+    <a:lvl4pPr marR="0" lvl="3" algn="l" rtl="0">
       <a:lnSpc>
         <a:spcPct val="100000"/>
       </a:lnSpc>
@@ -125,7 +125,7 @@
         <a:srgbClr val="000000"/>
       </a:buClr>
       <a:buFont typeface="Arial"/>
-      <a:defRPr b="0" i="0" sz="1400" u="none" cap="none" strike="noStrike">
+      <a:defRPr sz="1400" b="0" i="0" u="none" strike="noStrike" cap="none">
         <a:solidFill>
           <a:srgbClr val="000000"/>
         </a:solidFill>
@@ -135,7 +135,7 @@
         <a:sym typeface="Arial"/>
       </a:defRPr>
     </a:lvl4pPr>
-    <a:lvl5pPr lvl="4" marR="0" rtl="0" algn="l">
+    <a:lvl5pPr marR="0" lvl="4" algn="l" rtl="0">
       <a:lnSpc>
         <a:spcPct val="100000"/>
       </a:lnSpc>
@@ -149,7 +149,7 @@
         <a:srgbClr val="000000"/>
       </a:buClr>
       <a:buFont typeface="Arial"/>
-      <a:defRPr b="0" i="0" sz="1400" u="none" cap="none" strike="noStrike">
+      <a:defRPr sz="1400" b="0" i="0" u="none" strike="noStrike" cap="none">
         <a:solidFill>
           <a:srgbClr val="000000"/>
         </a:solidFill>
@@ -159,7 +159,7 @@
         <a:sym typeface="Arial"/>
       </a:defRPr>
     </a:lvl5pPr>
-    <a:lvl6pPr lvl="5" marR="0" rtl="0" algn="l">
+    <a:lvl6pPr marR="0" lvl="5" algn="l" rtl="0">
       <a:lnSpc>
         <a:spcPct val="100000"/>
       </a:lnSpc>
@@ -173,7 +173,7 @@
         <a:srgbClr val="000000"/>
       </a:buClr>
       <a:buFont typeface="Arial"/>
-      <a:defRPr b="0" i="0" sz="1400" u="none" cap="none" strike="noStrike">
+      <a:defRPr sz="1400" b="0" i="0" u="none" strike="noStrike" cap="none">
         <a:solidFill>
           <a:srgbClr val="000000"/>
         </a:solidFill>
@@ -183,7 +183,7 @@
         <a:sym typeface="Arial"/>
       </a:defRPr>
     </a:lvl6pPr>
-    <a:lvl7pPr lvl="6" marR="0" rtl="0" algn="l">
+    <a:lvl7pPr marR="0" lvl="6" algn="l" rtl="0">
       <a:lnSpc>
         <a:spcPct val="100000"/>
       </a:lnSpc>
@@ -197,7 +197,7 @@
         <a:srgbClr val="000000"/>
       </a:buClr>
       <a:buFont typeface="Arial"/>
-      <a:defRPr b="0" i="0" sz="1400" u="none" cap="none" strike="noStrike">
+      <a:defRPr sz="1400" b="0" i="0" u="none" strike="noStrike" cap="none">
         <a:solidFill>
           <a:srgbClr val="000000"/>
         </a:solidFill>
@@ -207,7 +207,7 @@
         <a:sym typeface="Arial"/>
       </a:defRPr>
     </a:lvl7pPr>
-    <a:lvl8pPr lvl="7" marR="0" rtl="0" algn="l">
+    <a:lvl8pPr marR="0" lvl="7" algn="l" rtl="0">
       <a:lnSpc>
         <a:spcPct val="100000"/>
       </a:lnSpc>
@@ -221,7 +221,7 @@
         <a:srgbClr val="000000"/>
       </a:buClr>
       <a:buFont typeface="Arial"/>
-      <a:defRPr b="0" i="0" sz="1400" u="none" cap="none" strike="noStrike">
+      <a:defRPr sz="1400" b="0" i="0" u="none" strike="noStrike" cap="none">
         <a:solidFill>
           <a:srgbClr val="000000"/>
         </a:solidFill>
@@ -231,7 +231,7 @@
         <a:sym typeface="Arial"/>
       </a:defRPr>
     </a:lvl8pPr>
-    <a:lvl9pPr lvl="8" marR="0" rtl="0" algn="l">
+    <a:lvl9pPr marR="0" lvl="8" algn="l" rtl="0">
       <a:lnSpc>
         <a:spcPct val="100000"/>
       </a:lnSpc>
@@ -245,7 +245,7 @@
         <a:srgbClr val="000000"/>
       </a:buClr>
       <a:buFont typeface="Arial"/>
-      <a:defRPr b="0" i="0" sz="1400" u="none" cap="none" strike="noStrike">
+      <a:defRPr sz="1400" b="0" i="0" u="none" strike="noStrike" cap="none">
         <a:solidFill>
           <a:srgbClr val="000000"/>
         </a:solidFill>
@@ -260,18 +260,19 @@
 </file>
 
 <file path=ppt/notesMasters/notesMaster1.xml><?xml version="1.0" encoding="utf-8"?>
-<p:notesMaster xmlns:a="http://schemas.openxmlformats.org/drawingml/2006/main" xmlns:r="http://schemas.openxmlformats.org/officeDocument/2006/relationships" xmlns:mc="http://schemas.openxmlformats.org/markup-compatibility/2006" xmlns:mv="urn:schemas-microsoft-com:mac:vml" xmlns:p="http://schemas.openxmlformats.org/presentationml/2006/main" xmlns:c="http://schemas.openxmlformats.org/drawingml/2006/chart" xmlns:dgm="http://schemas.openxmlformats.org/drawingml/2006/diagram" xmlns:o="urn:schemas-microsoft-com:office:office" xmlns:v="urn:schemas-microsoft-com:vml" xmlns:pvml="urn:schemas-microsoft-com:office:powerpoint" xmlns:com="http://schemas.openxmlformats.org/drawingml/2006/compatibility" xmlns:p14="http://schemas.microsoft.com/office/powerpoint/2010/main" xmlns:p15="http://schemas.microsoft.com/office/powerpoint/2012/main" xmlns:ahyp="http://schemas.microsoft.com/office/drawing/2018/hyperlinkcolor">
+<p:notesMaster xmlns:a="http://schemas.openxmlformats.org/drawingml/2006/main" xmlns:r="http://schemas.openxmlformats.org/officeDocument/2006/relationships" xmlns:p="http://schemas.openxmlformats.org/presentationml/2006/main">
   <p:cSld>
     <p:bg>
       <p:bgPr>
         <a:solidFill>
           <a:schemeClr val="lt1"/>
         </a:solidFill>
+        <a:effectLst/>
       </p:bgPr>
     </p:bg>
     <p:spTree>
       <p:nvGrpSpPr>
-        <p:cNvPr id="2" name="Shape 2"/>
+        <p:cNvPr id="1" name="Shape 2"/>
         <p:cNvGrpSpPr/>
         <p:nvPr/>
       </p:nvGrpSpPr>
@@ -286,9 +287,11 @@
       <p:sp>
         <p:nvSpPr>
           <p:cNvPr id="3" name="Google Shape;3;n"/>
-          <p:cNvSpPr/>
+          <p:cNvSpPr>
+            <a:spLocks noGrp="1" noRot="1" noChangeAspect="1"/>
+          </p:cNvSpPr>
           <p:nvPr>
-            <p:ph idx="2" type="sldImg"/>
+            <p:ph type="sldImg" idx="2"/>
           </p:nvPr>
         </p:nvSpPr>
         <p:spPr>
@@ -297,9 +300,13 @@
             <a:ext cx="6096300" cy="3429000"/>
           </a:xfrm>
           <a:custGeom>
-            <a:rect b="b" l="l" r="r" t="t"/>
+            <a:avLst/>
+            <a:gdLst/>
+            <a:ahLst/>
+            <a:cxnLst/>
+            <a:rect l="l" t="t" r="r" b="b"/>
             <a:pathLst>
-              <a:path extrusionOk="0" h="120000" w="120000">
+              <a:path w="120000" h="120000" extrusionOk="0">
                 <a:moveTo>
                   <a:pt x="0" y="0"/>
                 </a:moveTo>
@@ -317,23 +324,25 @@
             </a:pathLst>
           </a:custGeom>
           <a:noFill/>
-          <a:ln cap="flat" cmpd="sng" w="9525">
+          <a:ln w="9525" cap="flat" cmpd="sng">
             <a:solidFill>
               <a:srgbClr val="000000"/>
             </a:solidFill>
             <a:prstDash val="solid"/>
             <a:round/>
-            <a:headEnd len="sm" w="sm" type="none"/>
-            <a:tailEnd len="sm" w="sm" type="none"/>
+            <a:headEnd type="none" w="sm" len="sm"/>
+            <a:tailEnd type="none" w="sm" len="sm"/>
           </a:ln>
         </p:spPr>
       </p:sp>
       <p:sp>
         <p:nvSpPr>
           <p:cNvPr id="4" name="Google Shape;4;n"/>
-          <p:cNvSpPr txBox="1"/>
+          <p:cNvSpPr txBox="1">
+            <a:spLocks noGrp="1"/>
+          </p:cNvSpPr>
           <p:nvPr>
-            <p:ph idx="1" type="body"/>
+            <p:ph type="body" idx="1"/>
           </p:nvPr>
         </p:nvSpPr>
         <p:spPr>
@@ -350,11 +359,11 @@
           </a:ln>
         </p:spPr>
         <p:txBody>
-          <a:bodyPr anchorCtr="0" anchor="t" bIns="91425" lIns="91425" spcFirstLastPara="1" rIns="91425" wrap="square" tIns="91425">
+          <a:bodyPr spcFirstLastPara="1" wrap="square" lIns="91425" tIns="91425" rIns="91425" bIns="91425" anchor="t" anchorCtr="0">
             <a:noAutofit/>
           </a:bodyPr>
           <a:lstStyle>
-            <a:lvl1pPr indent="-317500" lvl="0" marL="457200" marR="0" rtl="0" algn="l">
+            <a:lvl1pPr marL="457200" marR="0" lvl="0" indent="-317500" algn="l" rtl="0">
               <a:lnSpc>
                 <a:spcPct val="100000"/>
               </a:lnSpc>
@@ -370,7 +379,7 @@
               <a:buSzPts val="1400"/>
               <a:buFont typeface="Arial"/>
               <a:buChar char="●"/>
-              <a:defRPr b="0" i="0" sz="1100" u="none" cap="none" strike="noStrike">
+              <a:defRPr sz="1100" b="0" i="0" u="none" strike="noStrike" cap="none">
                 <a:solidFill>
                   <a:srgbClr val="000000"/>
                 </a:solidFill>
@@ -380,7 +389,7 @@
                 <a:sym typeface="Arial"/>
               </a:defRPr>
             </a:lvl1pPr>
-            <a:lvl2pPr indent="-317500" lvl="1" marL="914400" marR="0" rtl="0" algn="l">
+            <a:lvl2pPr marL="914400" marR="0" lvl="1" indent="-317500" algn="l" rtl="0">
               <a:lnSpc>
                 <a:spcPct val="100000"/>
               </a:lnSpc>
@@ -396,7 +405,7 @@
               <a:buSzPts val="1400"/>
               <a:buFont typeface="Arial"/>
               <a:buChar char="○"/>
-              <a:defRPr b="0" i="0" sz="1100" u="none" cap="none" strike="noStrike">
+              <a:defRPr sz="1100" b="0" i="0" u="none" strike="noStrike" cap="none">
                 <a:solidFill>
                   <a:srgbClr val="000000"/>
                 </a:solidFill>
@@ -406,7 +415,7 @@
                 <a:sym typeface="Arial"/>
               </a:defRPr>
             </a:lvl2pPr>
-            <a:lvl3pPr indent="-317500" lvl="2" marL="1371600" marR="0" rtl="0" algn="l">
+            <a:lvl3pPr marL="1371600" marR="0" lvl="2" indent="-317500" algn="l" rtl="0">
               <a:lnSpc>
                 <a:spcPct val="100000"/>
               </a:lnSpc>
@@ -422,7 +431,7 @@
               <a:buSzPts val="1400"/>
               <a:buFont typeface="Arial"/>
               <a:buChar char="■"/>
-              <a:defRPr b="0" i="0" sz="1100" u="none" cap="none" strike="noStrike">
+              <a:defRPr sz="1100" b="0" i="0" u="none" strike="noStrike" cap="none">
                 <a:solidFill>
                   <a:srgbClr val="000000"/>
                 </a:solidFill>
@@ -432,7 +441,7 @@
                 <a:sym typeface="Arial"/>
               </a:defRPr>
             </a:lvl3pPr>
-            <a:lvl4pPr indent="-317500" lvl="3" marL="1828800" marR="0" rtl="0" algn="l">
+            <a:lvl4pPr marL="1828800" marR="0" lvl="3" indent="-317500" algn="l" rtl="0">
               <a:lnSpc>
                 <a:spcPct val="100000"/>
               </a:lnSpc>
@@ -448,7 +457,7 @@
               <a:buSzPts val="1400"/>
               <a:buFont typeface="Arial"/>
               <a:buChar char="●"/>
-              <a:defRPr b="0" i="0" sz="1100" u="none" cap="none" strike="noStrike">
+              <a:defRPr sz="1100" b="0" i="0" u="none" strike="noStrike" cap="none">
                 <a:solidFill>
                   <a:srgbClr val="000000"/>
                 </a:solidFill>
@@ -458,7 +467,7 @@
                 <a:sym typeface="Arial"/>
               </a:defRPr>
             </a:lvl4pPr>
-            <a:lvl5pPr indent="-317500" lvl="4" marL="2286000" marR="0" rtl="0" algn="l">
+            <a:lvl5pPr marL="2286000" marR="0" lvl="4" indent="-317500" algn="l" rtl="0">
               <a:lnSpc>
                 <a:spcPct val="100000"/>
               </a:lnSpc>
@@ -474,7 +483,7 @@
               <a:buSzPts val="1400"/>
               <a:buFont typeface="Arial"/>
               <a:buChar char="○"/>
-              <a:defRPr b="0" i="0" sz="1100" u="none" cap="none" strike="noStrike">
+              <a:defRPr sz="1100" b="0" i="0" u="none" strike="noStrike" cap="none">
                 <a:solidFill>
                   <a:srgbClr val="000000"/>
                 </a:solidFill>
@@ -484,7 +493,7 @@
                 <a:sym typeface="Arial"/>
               </a:defRPr>
             </a:lvl5pPr>
-            <a:lvl6pPr indent="-317500" lvl="5" marL="2743200" marR="0" rtl="0" algn="l">
+            <a:lvl6pPr marL="2743200" marR="0" lvl="5" indent="-317500" algn="l" rtl="0">
               <a:lnSpc>
                 <a:spcPct val="100000"/>
               </a:lnSpc>
@@ -500,7 +509,7 @@
               <a:buSzPts val="1400"/>
               <a:buFont typeface="Arial"/>
               <a:buChar char="■"/>
-              <a:defRPr b="0" i="0" sz="1100" u="none" cap="none" strike="noStrike">
+              <a:defRPr sz="1100" b="0" i="0" u="none" strike="noStrike" cap="none">
                 <a:solidFill>
                   <a:srgbClr val="000000"/>
                 </a:solidFill>
@@ -510,7 +519,7 @@
                 <a:sym typeface="Arial"/>
               </a:defRPr>
             </a:lvl6pPr>
-            <a:lvl7pPr indent="-317500" lvl="6" marL="3200400" marR="0" rtl="0" algn="l">
+            <a:lvl7pPr marL="3200400" marR="0" lvl="6" indent="-317500" algn="l" rtl="0">
               <a:lnSpc>
                 <a:spcPct val="100000"/>
               </a:lnSpc>
@@ -526,7 +535,7 @@
               <a:buSzPts val="1400"/>
               <a:buFont typeface="Arial"/>
               <a:buChar char="●"/>
-              <a:defRPr b="0" i="0" sz="1100" u="none" cap="none" strike="noStrike">
+              <a:defRPr sz="1100" b="0" i="0" u="none" strike="noStrike" cap="none">
                 <a:solidFill>
                   <a:srgbClr val="000000"/>
                 </a:solidFill>
@@ -536,7 +545,7 @@
                 <a:sym typeface="Arial"/>
               </a:defRPr>
             </a:lvl7pPr>
-            <a:lvl8pPr indent="-317500" lvl="7" marL="3657600" marR="0" rtl="0" algn="l">
+            <a:lvl8pPr marL="3657600" marR="0" lvl="7" indent="-317500" algn="l" rtl="0">
               <a:lnSpc>
                 <a:spcPct val="100000"/>
               </a:lnSpc>
@@ -552,7 +561,7 @@
               <a:buSzPts val="1400"/>
               <a:buFont typeface="Arial"/>
               <a:buChar char="○"/>
-              <a:defRPr b="0" i="0" sz="1100" u="none" cap="none" strike="noStrike">
+              <a:defRPr sz="1100" b="0" i="0" u="none" strike="noStrike" cap="none">
                 <a:solidFill>
                   <a:srgbClr val="000000"/>
                 </a:solidFill>
@@ -562,7 +571,7 @@
                 <a:sym typeface="Arial"/>
               </a:defRPr>
             </a:lvl8pPr>
-            <a:lvl9pPr indent="-317500" lvl="8" marL="4114800" marR="0" rtl="0" algn="l">
+            <a:lvl9pPr marL="4114800" marR="0" lvl="8" indent="-317500" algn="l" rtl="0">
               <a:lnSpc>
                 <a:spcPct val="100000"/>
               </a:lnSpc>
@@ -578,7 +587,7 @@
               <a:buSzPts val="1400"/>
               <a:buFont typeface="Arial"/>
               <a:buChar char="■"/>
-              <a:defRPr b="0" i="0" sz="1100" u="none" cap="none" strike="noStrike">
+              <a:defRPr sz="1100" b="0" i="0" u="none" strike="noStrike" cap="none">
                 <a:solidFill>
                   <a:srgbClr val="000000"/>
                 </a:solidFill>
@@ -589,14 +598,16 @@
               </a:defRPr>
             </a:lvl9pPr>
           </a:lstStyle>
-          <a:p/>
+          <a:p>
+            <a:endParaRPr/>
+          </a:p>
         </p:txBody>
       </p:sp>
     </p:spTree>
   </p:cSld>
-  <p:clrMap accent1="accent1" accent2="accent2" accent3="accent3" accent4="accent4" accent5="accent5" accent6="accent6" bg1="lt1" bg2="dk2" tx1="dk1" tx2="lt2" folHlink="folHlink" hlink="hlink"/>
+  <p:clrMap bg1="lt1" tx1="dk1" bg2="dk2" tx2="lt2" accent1="accent1" accent2="accent2" accent3="accent3" accent4="accent4" accent5="accent5" accent6="accent6" hlink="hlink" folHlink="folHlink"/>
   <p:notesStyle>
-    <a:defPPr lvl="0" marR="0" rtl="0" algn="l">
+    <a:defPPr marR="0" lvl="0" algn="l" rtl="0">
       <a:lnSpc>
         <a:spcPct val="100000"/>
       </a:lnSpc>
@@ -607,7 +618,7 @@
         <a:spcPts val="0"/>
       </a:spcAft>
     </a:defPPr>
-    <a:lvl1pPr lvl="0" marR="0" rtl="0" algn="l">
+    <a:lvl1pPr marR="0" lvl="0" algn="l" rtl="0">
       <a:lnSpc>
         <a:spcPct val="100000"/>
       </a:lnSpc>
@@ -621,7 +632,7 @@
         <a:srgbClr val="000000"/>
       </a:buClr>
       <a:buFont typeface="Arial"/>
-      <a:defRPr b="0" i="0" sz="1400" u="none" cap="none" strike="noStrike">
+      <a:defRPr sz="1400" b="0" i="0" u="none" strike="noStrike" cap="none">
         <a:solidFill>
           <a:srgbClr val="000000"/>
         </a:solidFill>
@@ -631,7 +642,7 @@
         <a:sym typeface="Arial"/>
       </a:defRPr>
     </a:lvl1pPr>
-    <a:lvl2pPr lvl="1" marR="0" rtl="0" algn="l">
+    <a:lvl2pPr marR="0" lvl="1" algn="l" rtl="0">
       <a:lnSpc>
         <a:spcPct val="100000"/>
       </a:lnSpc>
@@ -645,7 +656,7 @@
         <a:srgbClr val="000000"/>
       </a:buClr>
       <a:buFont typeface="Arial"/>
-      <a:defRPr b="0" i="0" sz="1400" u="none" cap="none" strike="noStrike">
+      <a:defRPr sz="1400" b="0" i="0" u="none" strike="noStrike" cap="none">
         <a:solidFill>
           <a:srgbClr val="000000"/>
         </a:solidFill>
@@ -655,7 +666,7 @@
         <a:sym typeface="Arial"/>
       </a:defRPr>
     </a:lvl2pPr>
-    <a:lvl3pPr lvl="2" marR="0" rtl="0" algn="l">
+    <a:lvl3pPr marR="0" lvl="2" algn="l" rtl="0">
       <a:lnSpc>
         <a:spcPct val="100000"/>
       </a:lnSpc>
@@ -669,7 +680,7 @@
         <a:srgbClr val="000000"/>
       </a:buClr>
       <a:buFont typeface="Arial"/>
-      <a:defRPr b="0" i="0" sz="1400" u="none" cap="none" strike="noStrike">
+      <a:defRPr sz="1400" b="0" i="0" u="none" strike="noStrike" cap="none">
         <a:solidFill>
           <a:srgbClr val="000000"/>
         </a:solidFill>
@@ -679,7 +690,7 @@
         <a:sym typeface="Arial"/>
       </a:defRPr>
     </a:lvl3pPr>
-    <a:lvl4pPr lvl="3" marR="0" rtl="0" algn="l">
+    <a:lvl4pPr marR="0" lvl="3" algn="l" rtl="0">
       <a:lnSpc>
         <a:spcPct val="100000"/>
       </a:lnSpc>
@@ -693,7 +704,7 @@
         <a:srgbClr val="000000"/>
       </a:buClr>
       <a:buFont typeface="Arial"/>
-      <a:defRPr b="0" i="0" sz="1400" u="none" cap="none" strike="noStrike">
+      <a:defRPr sz="1400" b="0" i="0" u="none" strike="noStrike" cap="none">
         <a:solidFill>
           <a:srgbClr val="000000"/>
         </a:solidFill>
@@ -703,7 +714,7 @@
         <a:sym typeface="Arial"/>
       </a:defRPr>
     </a:lvl4pPr>
-    <a:lvl5pPr lvl="4" marR="0" rtl="0" algn="l">
+    <a:lvl5pPr marR="0" lvl="4" algn="l" rtl="0">
       <a:lnSpc>
         <a:spcPct val="100000"/>
       </a:lnSpc>
@@ -717,7 +728,7 @@
         <a:srgbClr val="000000"/>
       </a:buClr>
       <a:buFont typeface="Arial"/>
-      <a:defRPr b="0" i="0" sz="1400" u="none" cap="none" strike="noStrike">
+      <a:defRPr sz="1400" b="0" i="0" u="none" strike="noStrike" cap="none">
         <a:solidFill>
           <a:srgbClr val="000000"/>
         </a:solidFill>
@@ -727,7 +738,7 @@
         <a:sym typeface="Arial"/>
       </a:defRPr>
     </a:lvl5pPr>
-    <a:lvl6pPr lvl="5" marR="0" rtl="0" algn="l">
+    <a:lvl6pPr marR="0" lvl="5" algn="l" rtl="0">
       <a:lnSpc>
         <a:spcPct val="100000"/>
       </a:lnSpc>
@@ -741,7 +752,7 @@
         <a:srgbClr val="000000"/>
       </a:buClr>
       <a:buFont typeface="Arial"/>
-      <a:defRPr b="0" i="0" sz="1400" u="none" cap="none" strike="noStrike">
+      <a:defRPr sz="1400" b="0" i="0" u="none" strike="noStrike" cap="none">
         <a:solidFill>
           <a:srgbClr val="000000"/>
         </a:solidFill>
@@ -751,7 +762,7 @@
         <a:sym typeface="Arial"/>
       </a:defRPr>
     </a:lvl6pPr>
-    <a:lvl7pPr lvl="6" marR="0" rtl="0" algn="l">
+    <a:lvl7pPr marR="0" lvl="6" algn="l" rtl="0">
       <a:lnSpc>
         <a:spcPct val="100000"/>
       </a:lnSpc>
@@ -765,7 +776,7 @@
         <a:srgbClr val="000000"/>
       </a:buClr>
       <a:buFont typeface="Arial"/>
-      <a:defRPr b="0" i="0" sz="1400" u="none" cap="none" strike="noStrike">
+      <a:defRPr sz="1400" b="0" i="0" u="none" strike="noStrike" cap="none">
         <a:solidFill>
           <a:srgbClr val="000000"/>
         </a:solidFill>
@@ -775,7 +786,7 @@
         <a:sym typeface="Arial"/>
       </a:defRPr>
     </a:lvl7pPr>
-    <a:lvl8pPr lvl="7" marR="0" rtl="0" algn="l">
+    <a:lvl8pPr marR="0" lvl="7" algn="l" rtl="0">
       <a:lnSpc>
         <a:spcPct val="100000"/>
       </a:lnSpc>
@@ -789,7 +800,7 @@
         <a:srgbClr val="000000"/>
       </a:buClr>
       <a:buFont typeface="Arial"/>
-      <a:defRPr b="0" i="0" sz="1400" u="none" cap="none" strike="noStrike">
+      <a:defRPr sz="1400" b="0" i="0" u="none" strike="noStrike" cap="none">
         <a:solidFill>
           <a:srgbClr val="000000"/>
         </a:solidFill>
@@ -799,7 +810,7 @@
         <a:sym typeface="Arial"/>
       </a:defRPr>
     </a:lvl8pPr>
-    <a:lvl9pPr lvl="8" marR="0" rtl="0" algn="l">
+    <a:lvl9pPr marR="0" lvl="8" algn="l" rtl="0">
       <a:lnSpc>
         <a:spcPct val="100000"/>
       </a:lnSpc>
@@ -813,7 +824,7 @@
         <a:srgbClr val="000000"/>
       </a:buClr>
       <a:buFont typeface="Arial"/>
-      <a:defRPr b="0" i="0" sz="1400" u="none" cap="none" strike="noStrike">
+      <a:defRPr sz="1400" b="0" i="0" u="none" strike="noStrike" cap="none">
         <a:solidFill>
           <a:srgbClr val="000000"/>
         </a:solidFill>
@@ -828,11 +839,11 @@
 </file>
 
 <file path=ppt/notesSlides/notesSlide1.xml><?xml version="1.0" encoding="utf-8"?>
-<p:notes xmlns:a="http://schemas.openxmlformats.org/drawingml/2006/main" xmlns:r="http://schemas.openxmlformats.org/officeDocument/2006/relationships" xmlns:mc="http://schemas.openxmlformats.org/markup-compatibility/2006" xmlns:mv="urn:schemas-microsoft-com:mac:vml" xmlns:p="http://schemas.openxmlformats.org/presentationml/2006/main" xmlns:c="http://schemas.openxmlformats.org/drawingml/2006/chart" xmlns:dgm="http://schemas.openxmlformats.org/drawingml/2006/diagram" xmlns:o="urn:schemas-microsoft-com:office:office" xmlns:v="urn:schemas-microsoft-com:vml" xmlns:pvml="urn:schemas-microsoft-com:office:powerpoint" xmlns:com="http://schemas.openxmlformats.org/drawingml/2006/compatibility" xmlns:p14="http://schemas.microsoft.com/office/powerpoint/2010/main" xmlns:p15="http://schemas.microsoft.com/office/powerpoint/2012/main" xmlns:ahyp="http://schemas.microsoft.com/office/drawing/2018/hyperlinkcolor" showMasterPhAnim="0" showMasterSp="0">
+<p:notes xmlns:a="http://schemas.openxmlformats.org/drawingml/2006/main" xmlns:r="http://schemas.openxmlformats.org/officeDocument/2006/relationships" xmlns:p="http://schemas.openxmlformats.org/presentationml/2006/main" showMasterSp="0" showMasterPhAnim="0">
   <p:cSld>
     <p:spTree>
       <p:nvGrpSpPr>
-        <p:cNvPr id="37" name="Shape 37"/>
+        <p:cNvPr id="1" name="Shape 37"/>
         <p:cNvGrpSpPr/>
         <p:nvPr/>
       </p:nvGrpSpPr>
@@ -847,9 +858,11 @@
       <p:sp>
         <p:nvSpPr>
           <p:cNvPr id="38" name="Google Shape;38;p1:notes"/>
-          <p:cNvSpPr/>
+          <p:cNvSpPr>
+            <a:spLocks noGrp="1" noRot="1" noChangeAspect="1"/>
+          </p:cNvSpPr>
           <p:nvPr>
-            <p:ph idx="2" type="sldImg"/>
+            <p:ph type="sldImg" idx="2"/>
           </p:nvPr>
         </p:nvSpPr>
         <p:spPr>
@@ -858,9 +871,13 @@
             <a:ext cx="6096000" cy="3429000"/>
           </a:xfrm>
           <a:custGeom>
-            <a:rect b="b" l="l" r="r" t="t"/>
+            <a:avLst/>
+            <a:gdLst/>
+            <a:ahLst/>
+            <a:cxnLst/>
+            <a:rect l="l" t="t" r="r" b="b"/>
             <a:pathLst>
-              <a:path extrusionOk="0" h="120000" w="120000">
+              <a:path w="120000" h="120000" extrusionOk="0">
                 <a:moveTo>
                   <a:pt x="0" y="0"/>
                 </a:moveTo>
@@ -878,23 +895,25 @@
             </a:pathLst>
           </a:custGeom>
           <a:noFill/>
-          <a:ln cap="flat" cmpd="sng" w="9525">
+          <a:ln w="9525" cap="flat" cmpd="sng">
             <a:solidFill>
               <a:srgbClr val="000000"/>
             </a:solidFill>
             <a:prstDash val="solid"/>
             <a:round/>
-            <a:headEnd len="sm" w="sm" type="none"/>
-            <a:tailEnd len="sm" w="sm" type="none"/>
+            <a:headEnd type="none" w="sm" len="sm"/>
+            <a:tailEnd type="none" w="sm" len="sm"/>
           </a:ln>
         </p:spPr>
       </p:sp>
       <p:sp>
         <p:nvSpPr>
           <p:cNvPr id="39" name="Google Shape;39;p1:notes"/>
-          <p:cNvSpPr txBox="1"/>
+          <p:cNvSpPr txBox="1">
+            <a:spLocks noGrp="1"/>
+          </p:cNvSpPr>
           <p:nvPr>
-            <p:ph idx="1" type="body"/>
+            <p:ph type="body" idx="1"/>
           </p:nvPr>
         </p:nvSpPr>
         <p:spPr>
@@ -911,12 +930,12 @@
           </a:ln>
         </p:spPr>
         <p:txBody>
-          <a:bodyPr anchorCtr="0" anchor="t" bIns="91425" lIns="91425" spcFirstLastPara="1" rIns="91425" wrap="square" tIns="91425">
+          <a:bodyPr spcFirstLastPara="1" wrap="square" lIns="91425" tIns="91425" rIns="91425" bIns="91425" anchor="t" anchorCtr="0">
             <a:noAutofit/>
           </a:bodyPr>
           <a:lstStyle/>
           <a:p>
-            <a:pPr indent="0" lvl="0" marL="0" rtl="0" algn="l">
+            <a:pPr marL="0" lvl="0" indent="0" algn="l" rtl="0">
               <a:lnSpc>
                 <a:spcPct val="100000"/>
               </a:lnSpc>
@@ -929,9 +948,6 @@
               <a:buSzPts val="1400"/>
               <a:buNone/>
             </a:pPr>
-            <a:r>
-              <a:t/>
-            </a:r>
             <a:endParaRPr/>
           </a:p>
         </p:txBody>
@@ -945,11 +961,11 @@
 </file>
 
 <file path=ppt/notesSlides/notesSlide2.xml><?xml version="1.0" encoding="utf-8"?>
-<p:notes xmlns:a="http://schemas.openxmlformats.org/drawingml/2006/main" xmlns:r="http://schemas.openxmlformats.org/officeDocument/2006/relationships" xmlns:mc="http://schemas.openxmlformats.org/markup-compatibility/2006" xmlns:mv="urn:schemas-microsoft-com:mac:vml" xmlns:p="http://schemas.openxmlformats.org/presentationml/2006/main" xmlns:c="http://schemas.openxmlformats.org/drawingml/2006/chart" xmlns:dgm="http://schemas.openxmlformats.org/drawingml/2006/diagram" xmlns:o="urn:schemas-microsoft-com:office:office" xmlns:v="urn:schemas-microsoft-com:vml" xmlns:pvml="urn:schemas-microsoft-com:office:powerpoint" xmlns:com="http://schemas.openxmlformats.org/drawingml/2006/compatibility" xmlns:p14="http://schemas.microsoft.com/office/powerpoint/2010/main" xmlns:p15="http://schemas.microsoft.com/office/powerpoint/2012/main" xmlns:ahyp="http://schemas.microsoft.com/office/drawing/2018/hyperlinkcolor" showMasterPhAnim="0" showMasterSp="0">
+<p:notes xmlns:a="http://schemas.openxmlformats.org/drawingml/2006/main" xmlns:r="http://schemas.openxmlformats.org/officeDocument/2006/relationships" xmlns:p="http://schemas.openxmlformats.org/presentationml/2006/main" showMasterSp="0" showMasterPhAnim="0">
   <p:cSld>
     <p:spTree>
       <p:nvGrpSpPr>
-        <p:cNvPr id="47" name="Shape 47"/>
+        <p:cNvPr id="1" name="Shape 47"/>
         <p:cNvGrpSpPr/>
         <p:nvPr/>
       </p:nvGrpSpPr>
@@ -964,9 +980,11 @@
       <p:sp>
         <p:nvSpPr>
           <p:cNvPr id="48" name="Google Shape;48;p2:notes"/>
-          <p:cNvSpPr/>
+          <p:cNvSpPr>
+            <a:spLocks noGrp="1" noRot="1" noChangeAspect="1"/>
+          </p:cNvSpPr>
           <p:nvPr>
-            <p:ph idx="2" type="sldImg"/>
+            <p:ph type="sldImg" idx="2"/>
           </p:nvPr>
         </p:nvSpPr>
         <p:spPr>
@@ -975,9 +993,13 @@
             <a:ext cx="6096000" cy="3429000"/>
           </a:xfrm>
           <a:custGeom>
-            <a:rect b="b" l="l" r="r" t="t"/>
+            <a:avLst/>
+            <a:gdLst/>
+            <a:ahLst/>
+            <a:cxnLst/>
+            <a:rect l="l" t="t" r="r" b="b"/>
             <a:pathLst>
-              <a:path extrusionOk="0" h="120000" w="120000">
+              <a:path w="120000" h="120000" extrusionOk="0">
                 <a:moveTo>
                   <a:pt x="0" y="0"/>
                 </a:moveTo>
@@ -995,23 +1017,25 @@
             </a:pathLst>
           </a:custGeom>
           <a:noFill/>
-          <a:ln cap="flat" cmpd="sng" w="9525">
+          <a:ln w="9525" cap="flat" cmpd="sng">
             <a:solidFill>
               <a:srgbClr val="000000"/>
             </a:solidFill>
             <a:prstDash val="solid"/>
             <a:round/>
-            <a:headEnd len="sm" w="sm" type="none"/>
-            <a:tailEnd len="sm" w="sm" type="none"/>
+            <a:headEnd type="none" w="sm" len="sm"/>
+            <a:tailEnd type="none" w="sm" len="sm"/>
           </a:ln>
         </p:spPr>
       </p:sp>
       <p:sp>
         <p:nvSpPr>
           <p:cNvPr id="49" name="Google Shape;49;p2:notes"/>
-          <p:cNvSpPr txBox="1"/>
+          <p:cNvSpPr txBox="1">
+            <a:spLocks noGrp="1"/>
+          </p:cNvSpPr>
           <p:nvPr>
-            <p:ph idx="1" type="body"/>
+            <p:ph type="body" idx="1"/>
           </p:nvPr>
         </p:nvSpPr>
         <p:spPr>
@@ -1028,12 +1052,12 @@
           </a:ln>
         </p:spPr>
         <p:txBody>
-          <a:bodyPr anchorCtr="0" anchor="t" bIns="91425" lIns="91425" spcFirstLastPara="1" rIns="91425" wrap="square" tIns="91425">
+          <a:bodyPr spcFirstLastPara="1" wrap="square" lIns="91425" tIns="91425" rIns="91425" bIns="91425" anchor="t" anchorCtr="0">
             <a:noAutofit/>
           </a:bodyPr>
           <a:lstStyle/>
           <a:p>
-            <a:pPr indent="0" lvl="0" marL="0" rtl="0" algn="l">
+            <a:pPr marL="0" lvl="0" indent="0" algn="l" rtl="0">
               <a:lnSpc>
                 <a:spcPct val="100000"/>
               </a:lnSpc>
@@ -1046,9 +1070,6 @@
               <a:buSzPts val="1400"/>
               <a:buNone/>
             </a:pPr>
-            <a:r>
-              <a:t/>
-            </a:r>
             <a:endParaRPr/>
           </a:p>
         </p:txBody>
@@ -1062,11 +1083,11 @@
 </file>
 
 <file path=ppt/notesSlides/notesSlide3.xml><?xml version="1.0" encoding="utf-8"?>
-<p:notes xmlns:a="http://schemas.openxmlformats.org/drawingml/2006/main" xmlns:r="http://schemas.openxmlformats.org/officeDocument/2006/relationships" xmlns:mc="http://schemas.openxmlformats.org/markup-compatibility/2006" xmlns:mv="urn:schemas-microsoft-com:mac:vml" xmlns:p="http://schemas.openxmlformats.org/presentationml/2006/main" xmlns:c="http://schemas.openxmlformats.org/drawingml/2006/chart" xmlns:dgm="http://schemas.openxmlformats.org/drawingml/2006/diagram" xmlns:o="urn:schemas-microsoft-com:office:office" xmlns:v="urn:schemas-microsoft-com:vml" xmlns:pvml="urn:schemas-microsoft-com:office:powerpoint" xmlns:com="http://schemas.openxmlformats.org/drawingml/2006/compatibility" xmlns:p14="http://schemas.microsoft.com/office/powerpoint/2010/main" xmlns:p15="http://schemas.microsoft.com/office/powerpoint/2012/main" xmlns:ahyp="http://schemas.microsoft.com/office/drawing/2018/hyperlinkcolor" showMasterPhAnim="0" showMasterSp="0">
+<p:notes xmlns:a="http://schemas.openxmlformats.org/drawingml/2006/main" xmlns:r="http://schemas.openxmlformats.org/officeDocument/2006/relationships" xmlns:p="http://schemas.openxmlformats.org/presentationml/2006/main" showMasterSp="0" showMasterPhAnim="0">
   <p:cSld>
     <p:spTree>
       <p:nvGrpSpPr>
-        <p:cNvPr id="59" name="Shape 59"/>
+        <p:cNvPr id="1" name="Shape 59"/>
         <p:cNvGrpSpPr/>
         <p:nvPr/>
       </p:nvGrpSpPr>
@@ -1081,9 +1102,11 @@
       <p:sp>
         <p:nvSpPr>
           <p:cNvPr id="60" name="Google Shape;60;p3:notes"/>
-          <p:cNvSpPr/>
+          <p:cNvSpPr>
+            <a:spLocks noGrp="1" noRot="1" noChangeAspect="1"/>
+          </p:cNvSpPr>
           <p:nvPr>
-            <p:ph idx="2" type="sldImg"/>
+            <p:ph type="sldImg" idx="2"/>
           </p:nvPr>
         </p:nvSpPr>
         <p:spPr>
@@ -1092,9 +1115,13 @@
             <a:ext cx="6096000" cy="3429000"/>
           </a:xfrm>
           <a:custGeom>
-            <a:rect b="b" l="l" r="r" t="t"/>
+            <a:avLst/>
+            <a:gdLst/>
+            <a:ahLst/>
+            <a:cxnLst/>
+            <a:rect l="l" t="t" r="r" b="b"/>
             <a:pathLst>
-              <a:path extrusionOk="0" h="120000" w="120000">
+              <a:path w="120000" h="120000" extrusionOk="0">
                 <a:moveTo>
                   <a:pt x="0" y="0"/>
                 </a:moveTo>
@@ -1112,23 +1139,25 @@
             </a:pathLst>
           </a:custGeom>
           <a:noFill/>
-          <a:ln cap="flat" cmpd="sng" w="9525">
+          <a:ln w="9525" cap="flat" cmpd="sng">
             <a:solidFill>
               <a:srgbClr val="000000"/>
             </a:solidFill>
             <a:prstDash val="solid"/>
             <a:round/>
-            <a:headEnd len="sm" w="sm" type="none"/>
-            <a:tailEnd len="sm" w="sm" type="none"/>
+            <a:headEnd type="none" w="sm" len="sm"/>
+            <a:tailEnd type="none" w="sm" len="sm"/>
           </a:ln>
         </p:spPr>
       </p:sp>
       <p:sp>
         <p:nvSpPr>
           <p:cNvPr id="61" name="Google Shape;61;p3:notes"/>
-          <p:cNvSpPr txBox="1"/>
+          <p:cNvSpPr txBox="1">
+            <a:spLocks noGrp="1"/>
+          </p:cNvSpPr>
           <p:nvPr>
-            <p:ph idx="1" type="body"/>
+            <p:ph type="body" idx="1"/>
           </p:nvPr>
         </p:nvSpPr>
         <p:spPr>
@@ -1145,12 +1174,12 @@
           </a:ln>
         </p:spPr>
         <p:txBody>
-          <a:bodyPr anchorCtr="0" anchor="t" bIns="91425" lIns="91425" spcFirstLastPara="1" rIns="91425" wrap="square" tIns="91425">
+          <a:bodyPr spcFirstLastPara="1" wrap="square" lIns="91425" tIns="91425" rIns="91425" bIns="91425" anchor="t" anchorCtr="0">
             <a:noAutofit/>
           </a:bodyPr>
           <a:lstStyle/>
           <a:p>
-            <a:pPr indent="0" lvl="0" marL="0" rtl="0" algn="l">
+            <a:pPr marL="0" lvl="0" indent="0" algn="l" rtl="0">
               <a:lnSpc>
                 <a:spcPct val="100000"/>
               </a:lnSpc>
@@ -1163,9 +1192,6 @@
               <a:buSzPts val="1400"/>
               <a:buNone/>
             </a:pPr>
-            <a:r>
-              <a:t/>
-            </a:r>
             <a:endParaRPr/>
           </a:p>
         </p:txBody>
@@ -1179,11 +1205,11 @@
 </file>
 
 <file path=ppt/notesSlides/notesSlide4.xml><?xml version="1.0" encoding="utf-8"?>
-<p:notes xmlns:a="http://schemas.openxmlformats.org/drawingml/2006/main" xmlns:r="http://schemas.openxmlformats.org/officeDocument/2006/relationships" xmlns:mc="http://schemas.openxmlformats.org/markup-compatibility/2006" xmlns:mv="urn:schemas-microsoft-com:mac:vml" xmlns:p="http://schemas.openxmlformats.org/presentationml/2006/main" xmlns:c="http://schemas.openxmlformats.org/drawingml/2006/chart" xmlns:dgm="http://schemas.openxmlformats.org/drawingml/2006/diagram" xmlns:o="urn:schemas-microsoft-com:office:office" xmlns:v="urn:schemas-microsoft-com:vml" xmlns:pvml="urn:schemas-microsoft-com:office:powerpoint" xmlns:com="http://schemas.openxmlformats.org/drawingml/2006/compatibility" xmlns:p14="http://schemas.microsoft.com/office/powerpoint/2010/main" xmlns:p15="http://schemas.microsoft.com/office/powerpoint/2012/main" xmlns:ahyp="http://schemas.microsoft.com/office/drawing/2018/hyperlinkcolor" showMasterPhAnim="0" showMasterSp="0">
+<p:notes xmlns:a="http://schemas.openxmlformats.org/drawingml/2006/main" xmlns:r="http://schemas.openxmlformats.org/officeDocument/2006/relationships" xmlns:p="http://schemas.openxmlformats.org/presentationml/2006/main" showMasterSp="0" showMasterPhAnim="0">
   <p:cSld>
     <p:spTree>
       <p:nvGrpSpPr>
-        <p:cNvPr id="67" name="Shape 67"/>
+        <p:cNvPr id="1" name="Shape 67"/>
         <p:cNvGrpSpPr/>
         <p:nvPr/>
       </p:nvGrpSpPr>
@@ -1198,9 +1224,11 @@
       <p:sp>
         <p:nvSpPr>
           <p:cNvPr id="68" name="Google Shape;68;p4:notes"/>
-          <p:cNvSpPr/>
+          <p:cNvSpPr>
+            <a:spLocks noGrp="1" noRot="1" noChangeAspect="1"/>
+          </p:cNvSpPr>
           <p:nvPr>
-            <p:ph idx="2" type="sldImg"/>
+            <p:ph type="sldImg" idx="2"/>
           </p:nvPr>
         </p:nvSpPr>
         <p:spPr>
@@ -1209,9 +1237,13 @@
             <a:ext cx="6096000" cy="3429000"/>
           </a:xfrm>
           <a:custGeom>
-            <a:rect b="b" l="l" r="r" t="t"/>
+            <a:avLst/>
+            <a:gdLst/>
+            <a:ahLst/>
+            <a:cxnLst/>
+            <a:rect l="l" t="t" r="r" b="b"/>
             <a:pathLst>
-              <a:path extrusionOk="0" h="120000" w="120000">
+              <a:path w="120000" h="120000" extrusionOk="0">
                 <a:moveTo>
                   <a:pt x="0" y="0"/>
                 </a:moveTo>
@@ -1229,23 +1261,25 @@
             </a:pathLst>
           </a:custGeom>
           <a:noFill/>
-          <a:ln cap="flat" cmpd="sng" w="9525">
+          <a:ln w="9525" cap="flat" cmpd="sng">
             <a:solidFill>
               <a:srgbClr val="000000"/>
             </a:solidFill>
             <a:prstDash val="solid"/>
             <a:round/>
-            <a:headEnd len="sm" w="sm" type="none"/>
-            <a:tailEnd len="sm" w="sm" type="none"/>
+            <a:headEnd type="none" w="sm" len="sm"/>
+            <a:tailEnd type="none" w="sm" len="sm"/>
           </a:ln>
         </p:spPr>
       </p:sp>
       <p:sp>
         <p:nvSpPr>
           <p:cNvPr id="69" name="Google Shape;69;p4:notes"/>
-          <p:cNvSpPr txBox="1"/>
+          <p:cNvSpPr txBox="1">
+            <a:spLocks noGrp="1"/>
+          </p:cNvSpPr>
           <p:nvPr>
-            <p:ph idx="1" type="body"/>
+            <p:ph type="body" idx="1"/>
           </p:nvPr>
         </p:nvSpPr>
         <p:spPr>
@@ -1262,12 +1296,12 @@
           </a:ln>
         </p:spPr>
         <p:txBody>
-          <a:bodyPr anchorCtr="0" anchor="t" bIns="91425" lIns="91425" spcFirstLastPara="1" rIns="91425" wrap="square" tIns="91425">
+          <a:bodyPr spcFirstLastPara="1" wrap="square" lIns="91425" tIns="91425" rIns="91425" bIns="91425" anchor="t" anchorCtr="0">
             <a:noAutofit/>
           </a:bodyPr>
           <a:lstStyle/>
           <a:p>
-            <a:pPr indent="0" lvl="0" marL="0" rtl="0" algn="l">
+            <a:pPr marL="0" lvl="0" indent="0" algn="l" rtl="0">
               <a:lnSpc>
                 <a:spcPct val="100000"/>
               </a:lnSpc>
@@ -1280,9 +1314,6 @@
               <a:buSzPts val="1400"/>
               <a:buNone/>
             </a:pPr>
-            <a:r>
-              <a:t/>
-            </a:r>
             <a:endParaRPr/>
           </a:p>
         </p:txBody>
@@ -1296,11 +1327,11 @@
 </file>
 
 <file path=ppt/notesSlides/notesSlide5.xml><?xml version="1.0" encoding="utf-8"?>
-<p:notes xmlns:a="http://schemas.openxmlformats.org/drawingml/2006/main" xmlns:r="http://schemas.openxmlformats.org/officeDocument/2006/relationships" xmlns:mc="http://schemas.openxmlformats.org/markup-compatibility/2006" xmlns:mv="urn:schemas-microsoft-com:mac:vml" xmlns:p="http://schemas.openxmlformats.org/presentationml/2006/main" xmlns:c="http://schemas.openxmlformats.org/drawingml/2006/chart" xmlns:dgm="http://schemas.openxmlformats.org/drawingml/2006/diagram" xmlns:o="urn:schemas-microsoft-com:office:office" xmlns:v="urn:schemas-microsoft-com:vml" xmlns:pvml="urn:schemas-microsoft-com:office:powerpoint" xmlns:com="http://schemas.openxmlformats.org/drawingml/2006/compatibility" xmlns:p14="http://schemas.microsoft.com/office/powerpoint/2010/main" xmlns:p15="http://schemas.microsoft.com/office/powerpoint/2012/main" xmlns:ahyp="http://schemas.microsoft.com/office/drawing/2018/hyperlinkcolor" showMasterPhAnim="0" showMasterSp="0">
+<p:notes xmlns:a="http://schemas.openxmlformats.org/drawingml/2006/main" xmlns:r="http://schemas.openxmlformats.org/officeDocument/2006/relationships" xmlns:p="http://schemas.openxmlformats.org/presentationml/2006/main" showMasterSp="0" showMasterPhAnim="0">
   <p:cSld>
     <p:spTree>
       <p:nvGrpSpPr>
-        <p:cNvPr id="81" name="Shape 81"/>
+        <p:cNvPr id="1" name="Shape 81"/>
         <p:cNvGrpSpPr/>
         <p:nvPr/>
       </p:nvGrpSpPr>
@@ -1315,9 +1346,11 @@
       <p:sp>
         <p:nvSpPr>
           <p:cNvPr id="82" name="Google Shape;82;p6:notes"/>
-          <p:cNvSpPr/>
+          <p:cNvSpPr>
+            <a:spLocks noGrp="1" noRot="1" noChangeAspect="1"/>
+          </p:cNvSpPr>
           <p:nvPr>
-            <p:ph idx="2" type="sldImg"/>
+            <p:ph type="sldImg" idx="2"/>
           </p:nvPr>
         </p:nvSpPr>
         <p:spPr>
@@ -1326,9 +1359,13 @@
             <a:ext cx="6096000" cy="3429000"/>
           </a:xfrm>
           <a:custGeom>
-            <a:rect b="b" l="l" r="r" t="t"/>
+            <a:avLst/>
+            <a:gdLst/>
+            <a:ahLst/>
+            <a:cxnLst/>
+            <a:rect l="l" t="t" r="r" b="b"/>
             <a:pathLst>
-              <a:path extrusionOk="0" h="120000" w="120000">
+              <a:path w="120000" h="120000" extrusionOk="0">
                 <a:moveTo>
                   <a:pt x="0" y="0"/>
                 </a:moveTo>
@@ -1346,23 +1383,25 @@
             </a:pathLst>
           </a:custGeom>
           <a:noFill/>
-          <a:ln cap="flat" cmpd="sng" w="9525">
+          <a:ln w="9525" cap="flat" cmpd="sng">
             <a:solidFill>
               <a:srgbClr val="000000"/>
             </a:solidFill>
             <a:prstDash val="solid"/>
             <a:round/>
-            <a:headEnd len="sm" w="sm" type="none"/>
-            <a:tailEnd len="sm" w="sm" type="none"/>
+            <a:headEnd type="none" w="sm" len="sm"/>
+            <a:tailEnd type="none" w="sm" len="sm"/>
           </a:ln>
         </p:spPr>
       </p:sp>
       <p:sp>
         <p:nvSpPr>
           <p:cNvPr id="83" name="Google Shape;83;p6:notes"/>
-          <p:cNvSpPr txBox="1"/>
+          <p:cNvSpPr txBox="1">
+            <a:spLocks noGrp="1"/>
+          </p:cNvSpPr>
           <p:nvPr>
-            <p:ph idx="1" type="body"/>
+            <p:ph type="body" idx="1"/>
           </p:nvPr>
         </p:nvSpPr>
         <p:spPr>
@@ -1379,12 +1418,12 @@
           </a:ln>
         </p:spPr>
         <p:txBody>
-          <a:bodyPr anchorCtr="0" anchor="t" bIns="91425" lIns="91425" spcFirstLastPara="1" rIns="91425" wrap="square" tIns="91425">
+          <a:bodyPr spcFirstLastPara="1" wrap="square" lIns="91425" tIns="91425" rIns="91425" bIns="91425" anchor="t" anchorCtr="0">
             <a:noAutofit/>
           </a:bodyPr>
           <a:lstStyle/>
           <a:p>
-            <a:pPr indent="0" lvl="0" marL="0" rtl="0" algn="l">
+            <a:pPr marL="0" lvl="0" indent="0" algn="l" rtl="0">
               <a:lnSpc>
                 <a:spcPct val="100000"/>
               </a:lnSpc>
@@ -1397,9 +1436,6 @@
               <a:buSzPts val="1400"/>
               <a:buNone/>
             </a:pPr>
-            <a:r>
-              <a:t/>
-            </a:r>
             <a:endParaRPr/>
           </a:p>
         </p:txBody>
@@ -1413,11 +1449,11 @@
 </file>
 
 <file path=ppt/notesSlides/notesSlide6.xml><?xml version="1.0" encoding="utf-8"?>
-<p:notes xmlns:a="http://schemas.openxmlformats.org/drawingml/2006/main" xmlns:r="http://schemas.openxmlformats.org/officeDocument/2006/relationships" xmlns:mc="http://schemas.openxmlformats.org/markup-compatibility/2006" xmlns:mv="urn:schemas-microsoft-com:mac:vml" xmlns:p="http://schemas.openxmlformats.org/presentationml/2006/main" xmlns:c="http://schemas.openxmlformats.org/drawingml/2006/chart" xmlns:dgm="http://schemas.openxmlformats.org/drawingml/2006/diagram" xmlns:o="urn:schemas-microsoft-com:office:office" xmlns:v="urn:schemas-microsoft-com:vml" xmlns:pvml="urn:schemas-microsoft-com:office:powerpoint" xmlns:com="http://schemas.openxmlformats.org/drawingml/2006/compatibility" xmlns:p14="http://schemas.microsoft.com/office/powerpoint/2010/main" xmlns:p15="http://schemas.microsoft.com/office/powerpoint/2012/main" xmlns:ahyp="http://schemas.microsoft.com/office/drawing/2018/hyperlinkcolor" showMasterPhAnim="0" showMasterSp="0">
+<p:notes xmlns:a="http://schemas.openxmlformats.org/drawingml/2006/main" xmlns:r="http://schemas.openxmlformats.org/officeDocument/2006/relationships" xmlns:p="http://schemas.openxmlformats.org/presentationml/2006/main" showMasterSp="0" showMasterPhAnim="0">
   <p:cSld>
     <p:spTree>
       <p:nvGrpSpPr>
-        <p:cNvPr id="94" name="Shape 94"/>
+        <p:cNvPr id="1" name="Shape 94"/>
         <p:cNvGrpSpPr/>
         <p:nvPr/>
       </p:nvGrpSpPr>
@@ -1432,9 +1468,11 @@
       <p:sp>
         <p:nvSpPr>
           <p:cNvPr id="95" name="Google Shape;95;p7:notes"/>
-          <p:cNvSpPr/>
+          <p:cNvSpPr>
+            <a:spLocks noGrp="1" noRot="1" noChangeAspect="1"/>
+          </p:cNvSpPr>
           <p:nvPr>
-            <p:ph idx="2" type="sldImg"/>
+            <p:ph type="sldImg" idx="2"/>
           </p:nvPr>
         </p:nvSpPr>
         <p:spPr>
@@ -1443,9 +1481,13 @@
             <a:ext cx="6096000" cy="3429000"/>
           </a:xfrm>
           <a:custGeom>
-            <a:rect b="b" l="l" r="r" t="t"/>
+            <a:avLst/>
+            <a:gdLst/>
+            <a:ahLst/>
+            <a:cxnLst/>
+            <a:rect l="l" t="t" r="r" b="b"/>
             <a:pathLst>
-              <a:path extrusionOk="0" h="120000" w="120000">
+              <a:path w="120000" h="120000" extrusionOk="0">
                 <a:moveTo>
                   <a:pt x="0" y="0"/>
                 </a:moveTo>
@@ -1463,23 +1505,25 @@
             </a:pathLst>
           </a:custGeom>
           <a:noFill/>
-          <a:ln cap="flat" cmpd="sng" w="9525">
+          <a:ln w="9525" cap="flat" cmpd="sng">
             <a:solidFill>
               <a:srgbClr val="000000"/>
             </a:solidFill>
             <a:prstDash val="solid"/>
             <a:round/>
-            <a:headEnd len="sm" w="sm" type="none"/>
-            <a:tailEnd len="sm" w="sm" type="none"/>
+            <a:headEnd type="none" w="sm" len="sm"/>
+            <a:tailEnd type="none" w="sm" len="sm"/>
           </a:ln>
         </p:spPr>
       </p:sp>
       <p:sp>
         <p:nvSpPr>
           <p:cNvPr id="96" name="Google Shape;96;p7:notes"/>
-          <p:cNvSpPr txBox="1"/>
+          <p:cNvSpPr txBox="1">
+            <a:spLocks noGrp="1"/>
+          </p:cNvSpPr>
           <p:nvPr>
-            <p:ph idx="1" type="body"/>
+            <p:ph type="body" idx="1"/>
           </p:nvPr>
         </p:nvSpPr>
         <p:spPr>
@@ -1496,12 +1540,12 @@
           </a:ln>
         </p:spPr>
         <p:txBody>
-          <a:bodyPr anchorCtr="0" anchor="t" bIns="91425" lIns="91425" spcFirstLastPara="1" rIns="91425" wrap="square" tIns="91425">
+          <a:bodyPr spcFirstLastPara="1" wrap="square" lIns="91425" tIns="91425" rIns="91425" bIns="91425" anchor="t" anchorCtr="0">
             <a:noAutofit/>
           </a:bodyPr>
           <a:lstStyle/>
           <a:p>
-            <a:pPr indent="0" lvl="0" marL="0" rtl="0" algn="l">
+            <a:pPr marL="0" lvl="0" indent="0" algn="l" rtl="0">
               <a:lnSpc>
                 <a:spcPct val="100000"/>
               </a:lnSpc>
@@ -1514,9 +1558,6 @@
               <a:buSzPts val="1400"/>
               <a:buNone/>
             </a:pPr>
-            <a:r>
-              <a:t/>
-            </a:r>
             <a:endParaRPr/>
           </a:p>
         </p:txBody>
@@ -1530,11 +1571,11 @@
 </file>
 
 <file path=ppt/notesSlides/notesSlide7.xml><?xml version="1.0" encoding="utf-8"?>
-<p:notes xmlns:a="http://schemas.openxmlformats.org/drawingml/2006/main" xmlns:r="http://schemas.openxmlformats.org/officeDocument/2006/relationships" xmlns:mc="http://schemas.openxmlformats.org/markup-compatibility/2006" xmlns:mv="urn:schemas-microsoft-com:mac:vml" xmlns:p="http://schemas.openxmlformats.org/presentationml/2006/main" xmlns:c="http://schemas.openxmlformats.org/drawingml/2006/chart" xmlns:dgm="http://schemas.openxmlformats.org/drawingml/2006/diagram" xmlns:o="urn:schemas-microsoft-com:office:office" xmlns:v="urn:schemas-microsoft-com:vml" xmlns:pvml="urn:schemas-microsoft-com:office:powerpoint" xmlns:com="http://schemas.openxmlformats.org/drawingml/2006/compatibility" xmlns:p14="http://schemas.microsoft.com/office/powerpoint/2010/main" xmlns:p15="http://schemas.microsoft.com/office/powerpoint/2012/main" xmlns:ahyp="http://schemas.microsoft.com/office/drawing/2018/hyperlinkcolor" showMasterPhAnim="0" showMasterSp="0">
+<p:notes xmlns:a="http://schemas.openxmlformats.org/drawingml/2006/main" xmlns:r="http://schemas.openxmlformats.org/officeDocument/2006/relationships" xmlns:p="http://schemas.openxmlformats.org/presentationml/2006/main" showMasterSp="0" showMasterPhAnim="0">
   <p:cSld>
     <p:spTree>
       <p:nvGrpSpPr>
-        <p:cNvPr id="105" name="Shape 105"/>
+        <p:cNvPr id="1" name="Shape 105"/>
         <p:cNvGrpSpPr/>
         <p:nvPr/>
       </p:nvGrpSpPr>
@@ -1549,9 +1590,11 @@
       <p:sp>
         <p:nvSpPr>
           <p:cNvPr id="106" name="Google Shape;106;p8:notes"/>
-          <p:cNvSpPr/>
+          <p:cNvSpPr>
+            <a:spLocks noGrp="1" noRot="1" noChangeAspect="1"/>
+          </p:cNvSpPr>
           <p:nvPr>
-            <p:ph idx="2" type="sldImg"/>
+            <p:ph type="sldImg" idx="2"/>
           </p:nvPr>
         </p:nvSpPr>
         <p:spPr>
@@ -1560,9 +1603,13 @@
             <a:ext cx="6096000" cy="3429000"/>
           </a:xfrm>
           <a:custGeom>
-            <a:rect b="b" l="l" r="r" t="t"/>
+            <a:avLst/>
+            <a:gdLst/>
+            <a:ahLst/>
+            <a:cxnLst/>
+            <a:rect l="l" t="t" r="r" b="b"/>
             <a:pathLst>
-              <a:path extrusionOk="0" h="120000" w="120000">
+              <a:path w="120000" h="120000" extrusionOk="0">
                 <a:moveTo>
                   <a:pt x="0" y="0"/>
                 </a:moveTo>
@@ -1580,23 +1627,25 @@
             </a:pathLst>
           </a:custGeom>
           <a:noFill/>
-          <a:ln cap="flat" cmpd="sng" w="9525">
+          <a:ln w="9525" cap="flat" cmpd="sng">
             <a:solidFill>
               <a:srgbClr val="000000"/>
             </a:solidFill>
             <a:prstDash val="solid"/>
             <a:round/>
-            <a:headEnd len="sm" w="sm" type="none"/>
-            <a:tailEnd len="sm" w="sm" type="none"/>
+            <a:headEnd type="none" w="sm" len="sm"/>
+            <a:tailEnd type="none" w="sm" len="sm"/>
           </a:ln>
         </p:spPr>
       </p:sp>
       <p:sp>
         <p:nvSpPr>
           <p:cNvPr id="107" name="Google Shape;107;p8:notes"/>
-          <p:cNvSpPr txBox="1"/>
+          <p:cNvSpPr txBox="1">
+            <a:spLocks noGrp="1"/>
+          </p:cNvSpPr>
           <p:nvPr>
-            <p:ph idx="1" type="body"/>
+            <p:ph type="body" idx="1"/>
           </p:nvPr>
         </p:nvSpPr>
         <p:spPr>
@@ -1613,12 +1662,12 @@
           </a:ln>
         </p:spPr>
         <p:txBody>
-          <a:bodyPr anchorCtr="0" anchor="t" bIns="91425" lIns="91425" spcFirstLastPara="1" rIns="91425" wrap="square" tIns="91425">
+          <a:bodyPr spcFirstLastPara="1" wrap="square" lIns="91425" tIns="91425" rIns="91425" bIns="91425" anchor="t" anchorCtr="0">
             <a:noAutofit/>
           </a:bodyPr>
           <a:lstStyle/>
           <a:p>
-            <a:pPr indent="0" lvl="0" marL="0" rtl="0" algn="l">
+            <a:pPr marL="0" lvl="0" indent="0" algn="l" rtl="0">
               <a:lnSpc>
                 <a:spcPct val="100000"/>
               </a:lnSpc>
@@ -1631,9 +1680,6 @@
               <a:buSzPts val="1400"/>
               <a:buNone/>
             </a:pPr>
-            <a:r>
-              <a:t/>
-            </a:r>
             <a:endParaRPr/>
           </a:p>
         </p:txBody>
@@ -1647,18 +1693,19 @@
 </file>
 
 <file path=ppt/slideLayouts/slideLayout1.xml><?xml version="1.0" encoding="utf-8"?>
-<p:sldLayout xmlns:a="http://schemas.openxmlformats.org/drawingml/2006/main" xmlns:r="http://schemas.openxmlformats.org/officeDocument/2006/relationships" xmlns:mc="http://schemas.openxmlformats.org/markup-compatibility/2006" xmlns:mv="urn:schemas-microsoft-com:mac:vml" xmlns:p="http://schemas.openxmlformats.org/presentationml/2006/main" xmlns:c="http://schemas.openxmlformats.org/drawingml/2006/chart" xmlns:dgm="http://schemas.openxmlformats.org/drawingml/2006/diagram" xmlns:o="urn:schemas-microsoft-com:office:office" xmlns:v="urn:schemas-microsoft-com:vml" xmlns:pvml="urn:schemas-microsoft-com:office:powerpoint" xmlns:com="http://schemas.openxmlformats.org/drawingml/2006/compatibility" xmlns:p14="http://schemas.microsoft.com/office/powerpoint/2010/main" xmlns:p15="http://schemas.microsoft.com/office/powerpoint/2012/main" xmlns:ahyp="http://schemas.microsoft.com/office/drawing/2018/hyperlinkcolor" matchingName="Title" type="title">
+<p:sldLayout xmlns:a="http://schemas.openxmlformats.org/drawingml/2006/main" xmlns:r="http://schemas.openxmlformats.org/officeDocument/2006/relationships" xmlns:p="http://schemas.openxmlformats.org/presentationml/2006/main" matchingName="Title" type="title">
   <p:cSld name="TITLE">
     <p:bg>
       <p:bgPr>
         <a:solidFill>
           <a:schemeClr val="accent1"/>
         </a:solidFill>
+        <a:effectLst/>
       </p:bgPr>
     </p:bg>
     <p:spTree>
       <p:nvGrpSpPr>
-        <p:cNvPr id="9" name="Shape 9"/>
+        <p:cNvPr id="1" name="Shape 9"/>
         <p:cNvGrpSpPr/>
         <p:nvPr/>
       </p:nvGrpSpPr>
@@ -1682,9 +1729,13 @@
             <a:ext cx="8362529" cy="4383746"/>
           </a:xfrm>
           <a:custGeom>
-            <a:rect b="b" l="l" r="r" t="t"/>
+            <a:avLst/>
+            <a:gdLst/>
+            <a:ahLst/>
+            <a:cxnLst/>
+            <a:rect l="l" t="t" r="r" b="b"/>
             <a:pathLst>
-              <a:path extrusionOk="0" fill="none" h="149667" w="285508">
+              <a:path w="285508" h="149667" fill="none" extrusionOk="0">
                 <a:moveTo>
                   <a:pt x="252882" y="0"/>
                 </a:moveTo>
@@ -1857,23 +1908,23 @@
             </a:pathLst>
           </a:custGeom>
           <a:noFill/>
-          <a:ln cap="flat" cmpd="sng" w="19050">
+          <a:ln w="19050" cap="flat" cmpd="sng">
             <a:solidFill>
               <a:schemeClr val="lt1"/>
             </a:solidFill>
             <a:prstDash val="dot"/>
             <a:round/>
-            <a:headEnd len="sm" w="sm" type="none"/>
-            <a:tailEnd len="sm" w="sm" type="none"/>
+            <a:headEnd type="none" w="sm" len="sm"/>
+            <a:tailEnd type="none" w="sm" len="sm"/>
           </a:ln>
         </p:spPr>
         <p:txBody>
-          <a:bodyPr anchorCtr="0" anchor="ctr" bIns="91425" lIns="91425" spcFirstLastPara="1" rIns="91425" wrap="square" tIns="91425">
+          <a:bodyPr spcFirstLastPara="1" wrap="square" lIns="91425" tIns="91425" rIns="91425" bIns="91425" anchor="ctr" anchorCtr="0">
             <a:noAutofit/>
           </a:bodyPr>
           <a:lstStyle/>
           <a:p>
-            <a:pPr indent="0" lvl="0" marL="0" marR="0" rtl="0" algn="l">
+            <a:pPr marL="0" marR="0" lvl="0" indent="0" algn="l" rtl="0">
               <a:lnSpc>
                 <a:spcPct val="100000"/>
               </a:lnSpc>
@@ -1890,10 +1941,7 @@
               <a:buFont typeface="Arial"/>
               <a:buNone/>
             </a:pPr>
-            <a:r>
-              <a:t/>
-            </a:r>
-            <a:endParaRPr b="0" i="0" sz="1400" u="none" cap="none" strike="noStrike">
+            <a:endParaRPr sz="1400" b="0" i="0" u="none" strike="noStrike" cap="none">
               <a:solidFill>
                 <a:srgbClr val="000000"/>
               </a:solidFill>
@@ -1908,7 +1956,9 @@
       <p:sp>
         <p:nvSpPr>
           <p:cNvPr id="11" name="Google Shape;11;p2"/>
-          <p:cNvSpPr txBox="1"/>
+          <p:cNvSpPr txBox="1">
+            <a:spLocks noGrp="1"/>
+          </p:cNvSpPr>
           <p:nvPr>
             <p:ph type="ctrTitle"/>
           </p:nvPr>
@@ -1927,7 +1977,7 @@
           </a:ln>
         </p:spPr>
         <p:txBody>
-          <a:bodyPr anchorCtr="0" anchor="b" bIns="91425" lIns="91425" spcFirstLastPara="1" rIns="91425" wrap="square" tIns="91425">
+          <a:bodyPr spcFirstLastPara="1" wrap="square" lIns="91425" tIns="91425" rIns="91425" bIns="91425" anchor="b" anchorCtr="0">
             <a:noAutofit/>
           </a:bodyPr>
           <a:lstStyle>
@@ -2121,7 +2171,9 @@
               </a:defRPr>
             </a:lvl9pPr>
           </a:lstStyle>
-          <a:p/>
+          <a:p>
+            <a:endParaRPr/>
+          </a:p>
         </p:txBody>
       </p:sp>
     </p:spTree>
@@ -2133,11 +2185,11 @@
 </file>
 
 <file path=ppt/slideLayouts/slideLayout2.xml><?xml version="1.0" encoding="utf-8"?>
-<p:sldLayout xmlns:a="http://schemas.openxmlformats.org/drawingml/2006/main" xmlns:r="http://schemas.openxmlformats.org/officeDocument/2006/relationships" xmlns:mc="http://schemas.openxmlformats.org/markup-compatibility/2006" xmlns:mv="urn:schemas-microsoft-com:mac:vml" xmlns:p="http://schemas.openxmlformats.org/presentationml/2006/main" xmlns:c="http://schemas.openxmlformats.org/drawingml/2006/chart" xmlns:dgm="http://schemas.openxmlformats.org/drawingml/2006/diagram" xmlns:o="urn:schemas-microsoft-com:office:office" xmlns:v="urn:schemas-microsoft-com:vml" xmlns:pvml="urn:schemas-microsoft-com:office:powerpoint" xmlns:com="http://schemas.openxmlformats.org/drawingml/2006/compatibility" xmlns:p14="http://schemas.microsoft.com/office/powerpoint/2010/main" xmlns:p15="http://schemas.microsoft.com/office/powerpoint/2012/main" xmlns:ahyp="http://schemas.microsoft.com/office/drawing/2018/hyperlinkcolor" matchingName="Title + 2 columns" type="twoColTx">
+<p:sldLayout xmlns:a="http://schemas.openxmlformats.org/drawingml/2006/main" xmlns:r="http://schemas.openxmlformats.org/officeDocument/2006/relationships" xmlns:p="http://schemas.openxmlformats.org/presentationml/2006/main" matchingName="Title + 2 columns" type="twoColTx">
   <p:cSld name="TITLE_AND_TWO_COLUMNS">
     <p:spTree>
       <p:nvGrpSpPr>
-        <p:cNvPr id="12" name="Shape 12"/>
+        <p:cNvPr id="1" name="Shape 12"/>
         <p:cNvGrpSpPr/>
         <p:nvPr/>
       </p:nvGrpSpPr>
@@ -2161,9 +2213,13 @@
             <a:ext cx="8362529" cy="4383746"/>
           </a:xfrm>
           <a:custGeom>
-            <a:rect b="b" l="l" r="r" t="t"/>
+            <a:avLst/>
+            <a:gdLst/>
+            <a:ahLst/>
+            <a:cxnLst/>
+            <a:rect l="l" t="t" r="r" b="b"/>
             <a:pathLst>
-              <a:path extrusionOk="0" fill="none" h="149667" w="285508">
+              <a:path w="285508" h="149667" fill="none" extrusionOk="0">
                 <a:moveTo>
                   <a:pt x="252882" y="0"/>
                 </a:moveTo>
@@ -2336,23 +2392,23 @@
             </a:pathLst>
           </a:custGeom>
           <a:noFill/>
-          <a:ln cap="flat" cmpd="sng" w="19050">
+          <a:ln w="19050" cap="flat" cmpd="sng">
             <a:solidFill>
               <a:schemeClr val="accent1"/>
             </a:solidFill>
             <a:prstDash val="dot"/>
             <a:round/>
-            <a:headEnd len="sm" w="sm" type="none"/>
-            <a:tailEnd len="sm" w="sm" type="none"/>
+            <a:headEnd type="none" w="sm" len="sm"/>
+            <a:tailEnd type="none" w="sm" len="sm"/>
           </a:ln>
         </p:spPr>
         <p:txBody>
-          <a:bodyPr anchorCtr="0" anchor="ctr" bIns="91425" lIns="91425" spcFirstLastPara="1" rIns="91425" wrap="square" tIns="91425">
+          <a:bodyPr spcFirstLastPara="1" wrap="square" lIns="91425" tIns="91425" rIns="91425" bIns="91425" anchor="ctr" anchorCtr="0">
             <a:noAutofit/>
           </a:bodyPr>
           <a:lstStyle/>
           <a:p>
-            <a:pPr indent="0" lvl="0" marL="0" marR="0" rtl="0" algn="l">
+            <a:pPr marL="0" marR="0" lvl="0" indent="0" algn="l" rtl="0">
               <a:lnSpc>
                 <a:spcPct val="100000"/>
               </a:lnSpc>
@@ -2369,10 +2425,7 @@
               <a:buFont typeface="Arial"/>
               <a:buNone/>
             </a:pPr>
-            <a:r>
-              <a:t/>
-            </a:r>
-            <a:endParaRPr b="0" i="0" sz="1400" u="none" cap="none" strike="noStrike">
+            <a:endParaRPr sz="1400" b="0" i="0" u="none" strike="noStrike" cap="none">
               <a:solidFill>
                 <a:srgbClr val="000000"/>
               </a:solidFill>
@@ -2387,7 +2440,9 @@
       <p:sp>
         <p:nvSpPr>
           <p:cNvPr id="14" name="Google Shape;14;p3"/>
-          <p:cNvSpPr txBox="1"/>
+          <p:cNvSpPr txBox="1">
+            <a:spLocks noGrp="1"/>
+          </p:cNvSpPr>
           <p:nvPr>
             <p:ph type="title"/>
           </p:nvPr>
@@ -2406,7 +2461,7 @@
           </a:ln>
         </p:spPr>
         <p:txBody>
-          <a:bodyPr anchorCtr="0" anchor="t" bIns="91425" lIns="91425" spcFirstLastPara="1" rIns="91425" wrap="square" tIns="91425">
+          <a:bodyPr spcFirstLastPara="1" wrap="square" lIns="91425" tIns="91425" rIns="91425" bIns="91425" anchor="t" anchorCtr="0">
             <a:noAutofit/>
           </a:bodyPr>
           <a:lstStyle>
@@ -2537,15 +2592,19 @@
               <a:defRPr/>
             </a:lvl9pPr>
           </a:lstStyle>
-          <a:p/>
+          <a:p>
+            <a:endParaRPr/>
+          </a:p>
         </p:txBody>
       </p:sp>
       <p:sp>
         <p:nvSpPr>
           <p:cNvPr id="15" name="Google Shape;15;p3"/>
-          <p:cNvSpPr txBox="1"/>
+          <p:cNvSpPr txBox="1">
+            <a:spLocks noGrp="1"/>
+          </p:cNvSpPr>
           <p:nvPr>
-            <p:ph idx="1" type="body"/>
+            <p:ph type="body" idx="1"/>
           </p:nvPr>
         </p:nvSpPr>
         <p:spPr>
@@ -2562,11 +2621,11 @@
           </a:ln>
         </p:spPr>
         <p:txBody>
-          <a:bodyPr anchorCtr="0" anchor="t" bIns="91425" lIns="91425" spcFirstLastPara="1" rIns="91425" wrap="square" tIns="91425">
+          <a:bodyPr spcFirstLastPara="1" wrap="square" lIns="91425" tIns="91425" rIns="91425" bIns="91425" anchor="t" anchorCtr="0">
             <a:noAutofit/>
           </a:bodyPr>
           <a:lstStyle>
-            <a:lvl1pPr indent="-342900" lvl="0" marL="457200" algn="l">
+            <a:lvl1pPr marL="457200" lvl="0" indent="-342900" algn="l">
               <a:lnSpc>
                 <a:spcPct val="100000"/>
               </a:lnSpc>
@@ -2580,7 +2639,7 @@
               <a:buChar char="●"/>
               <a:defRPr/>
             </a:lvl1pPr>
-            <a:lvl2pPr indent="-342900" lvl="1" marL="914400" algn="l">
+            <a:lvl2pPr marL="914400" lvl="1" indent="-342900" algn="l">
               <a:lnSpc>
                 <a:spcPct val="100000"/>
               </a:lnSpc>
@@ -2594,7 +2653,7 @@
               <a:buChar char="○"/>
               <a:defRPr/>
             </a:lvl2pPr>
-            <a:lvl3pPr indent="-342900" lvl="2" marL="1371600" algn="l">
+            <a:lvl3pPr marL="1371600" lvl="2" indent="-342900" algn="l">
               <a:lnSpc>
                 <a:spcPct val="100000"/>
               </a:lnSpc>
@@ -2608,7 +2667,7 @@
               <a:buChar char="■"/>
               <a:defRPr/>
             </a:lvl3pPr>
-            <a:lvl4pPr indent="-342900" lvl="3" marL="1828800" algn="l">
+            <a:lvl4pPr marL="1828800" lvl="3" indent="-342900" algn="l">
               <a:lnSpc>
                 <a:spcPct val="100000"/>
               </a:lnSpc>
@@ -2622,7 +2681,7 @@
               <a:buChar char="●"/>
               <a:defRPr/>
             </a:lvl4pPr>
-            <a:lvl5pPr indent="-342900" lvl="4" marL="2286000" algn="l">
+            <a:lvl5pPr marL="2286000" lvl="4" indent="-342900" algn="l">
               <a:lnSpc>
                 <a:spcPct val="100000"/>
               </a:lnSpc>
@@ -2636,7 +2695,7 @@
               <a:buChar char="○"/>
               <a:defRPr/>
             </a:lvl5pPr>
-            <a:lvl6pPr indent="-342900" lvl="5" marL="2743200" algn="l">
+            <a:lvl6pPr marL="2743200" lvl="5" indent="-342900" algn="l">
               <a:lnSpc>
                 <a:spcPct val="100000"/>
               </a:lnSpc>
@@ -2650,7 +2709,7 @@
               <a:buChar char="■"/>
               <a:defRPr/>
             </a:lvl6pPr>
-            <a:lvl7pPr indent="-342900" lvl="6" marL="3200400" algn="l">
+            <a:lvl7pPr marL="3200400" lvl="6" indent="-342900" algn="l">
               <a:lnSpc>
                 <a:spcPct val="100000"/>
               </a:lnSpc>
@@ -2664,7 +2723,7 @@
               <a:buChar char="●"/>
               <a:defRPr/>
             </a:lvl7pPr>
-            <a:lvl8pPr indent="-342900" lvl="7" marL="3657600" algn="l">
+            <a:lvl8pPr marL="3657600" lvl="7" indent="-342900" algn="l">
               <a:lnSpc>
                 <a:spcPct val="100000"/>
               </a:lnSpc>
@@ -2678,7 +2737,7 @@
               <a:buChar char="○"/>
               <a:defRPr/>
             </a:lvl8pPr>
-            <a:lvl9pPr indent="-342900" lvl="8" marL="4114800" algn="l">
+            <a:lvl9pPr marL="4114800" lvl="8" indent="-342900" algn="l">
               <a:lnSpc>
                 <a:spcPct val="100000"/>
               </a:lnSpc>
@@ -2693,15 +2752,19 @@
               <a:defRPr/>
             </a:lvl9pPr>
           </a:lstStyle>
-          <a:p/>
+          <a:p>
+            <a:endParaRPr/>
+          </a:p>
         </p:txBody>
       </p:sp>
       <p:sp>
         <p:nvSpPr>
           <p:cNvPr id="16" name="Google Shape;16;p3"/>
-          <p:cNvSpPr txBox="1"/>
+          <p:cNvSpPr txBox="1">
+            <a:spLocks noGrp="1"/>
+          </p:cNvSpPr>
           <p:nvPr>
-            <p:ph idx="2" type="body"/>
+            <p:ph type="body" idx="2"/>
           </p:nvPr>
         </p:nvSpPr>
         <p:spPr>
@@ -2718,11 +2781,11 @@
           </a:ln>
         </p:spPr>
         <p:txBody>
-          <a:bodyPr anchorCtr="0" anchor="t" bIns="91425" lIns="91425" spcFirstLastPara="1" rIns="91425" wrap="square" tIns="91425">
+          <a:bodyPr spcFirstLastPara="1" wrap="square" lIns="91425" tIns="91425" rIns="91425" bIns="91425" anchor="t" anchorCtr="0">
             <a:noAutofit/>
           </a:bodyPr>
           <a:lstStyle>
-            <a:lvl1pPr indent="-342900" lvl="0" marL="457200" algn="l">
+            <a:lvl1pPr marL="457200" lvl="0" indent="-342900" algn="l">
               <a:lnSpc>
                 <a:spcPct val="100000"/>
               </a:lnSpc>
@@ -2736,7 +2799,7 @@
               <a:buChar char="●"/>
               <a:defRPr/>
             </a:lvl1pPr>
-            <a:lvl2pPr indent="-342900" lvl="1" marL="914400" algn="l">
+            <a:lvl2pPr marL="914400" lvl="1" indent="-342900" algn="l">
               <a:lnSpc>
                 <a:spcPct val="100000"/>
               </a:lnSpc>
@@ -2750,7 +2813,7 @@
               <a:buChar char="○"/>
               <a:defRPr/>
             </a:lvl2pPr>
-            <a:lvl3pPr indent="-342900" lvl="2" marL="1371600" algn="l">
+            <a:lvl3pPr marL="1371600" lvl="2" indent="-342900" algn="l">
               <a:lnSpc>
                 <a:spcPct val="100000"/>
               </a:lnSpc>
@@ -2764,7 +2827,7 @@
               <a:buChar char="■"/>
               <a:defRPr/>
             </a:lvl3pPr>
-            <a:lvl4pPr indent="-342900" lvl="3" marL="1828800" algn="l">
+            <a:lvl4pPr marL="1828800" lvl="3" indent="-342900" algn="l">
               <a:lnSpc>
                 <a:spcPct val="100000"/>
               </a:lnSpc>
@@ -2778,7 +2841,7 @@
               <a:buChar char="●"/>
               <a:defRPr/>
             </a:lvl4pPr>
-            <a:lvl5pPr indent="-342900" lvl="4" marL="2286000" algn="l">
+            <a:lvl5pPr marL="2286000" lvl="4" indent="-342900" algn="l">
               <a:lnSpc>
                 <a:spcPct val="100000"/>
               </a:lnSpc>
@@ -2792,7 +2855,7 @@
               <a:buChar char="○"/>
               <a:defRPr/>
             </a:lvl5pPr>
-            <a:lvl6pPr indent="-342900" lvl="5" marL="2743200" algn="l">
+            <a:lvl6pPr marL="2743200" lvl="5" indent="-342900" algn="l">
               <a:lnSpc>
                 <a:spcPct val="100000"/>
               </a:lnSpc>
@@ -2806,7 +2869,7 @@
               <a:buChar char="■"/>
               <a:defRPr/>
             </a:lvl6pPr>
-            <a:lvl7pPr indent="-342900" lvl="6" marL="3200400" algn="l">
+            <a:lvl7pPr marL="3200400" lvl="6" indent="-342900" algn="l">
               <a:lnSpc>
                 <a:spcPct val="100000"/>
               </a:lnSpc>
@@ -2820,7 +2883,7 @@
               <a:buChar char="●"/>
               <a:defRPr/>
             </a:lvl7pPr>
-            <a:lvl8pPr indent="-342900" lvl="7" marL="3657600" algn="l">
+            <a:lvl8pPr marL="3657600" lvl="7" indent="-342900" algn="l">
               <a:lnSpc>
                 <a:spcPct val="100000"/>
               </a:lnSpc>
@@ -2834,7 +2897,7 @@
               <a:buChar char="○"/>
               <a:defRPr/>
             </a:lvl8pPr>
-            <a:lvl9pPr indent="-342900" lvl="8" marL="4114800" algn="l">
+            <a:lvl9pPr marL="4114800" lvl="8" indent="-342900" algn="l">
               <a:lnSpc>
                 <a:spcPct val="100000"/>
               </a:lnSpc>
@@ -2849,15 +2912,19 @@
               <a:defRPr/>
             </a:lvl9pPr>
           </a:lstStyle>
-          <a:p/>
+          <a:p>
+            <a:endParaRPr/>
+          </a:p>
         </p:txBody>
       </p:sp>
       <p:sp>
         <p:nvSpPr>
           <p:cNvPr id="17" name="Google Shape;17;p3"/>
-          <p:cNvSpPr txBox="1"/>
+          <p:cNvSpPr txBox="1">
+            <a:spLocks noGrp="1"/>
+          </p:cNvSpPr>
           <p:nvPr>
-            <p:ph idx="12" type="sldNum"/>
+            <p:ph type="sldNum" idx="12"/>
           </p:nvPr>
         </p:nvSpPr>
         <p:spPr>
@@ -2874,11 +2941,11 @@
           </a:ln>
         </p:spPr>
         <p:txBody>
-          <a:bodyPr anchorCtr="0" anchor="ctr" bIns="91425" lIns="91425" spcFirstLastPara="1" rIns="91425" wrap="square" tIns="91425">
+          <a:bodyPr spcFirstLastPara="1" wrap="square" lIns="91425" tIns="91425" rIns="91425" bIns="91425" anchor="ctr" anchorCtr="0">
             <a:noAutofit/>
           </a:bodyPr>
           <a:lstStyle>
-            <a:lvl1pPr indent="0" lvl="0" marL="0" marR="0" algn="ctr">
+            <a:lvl1pPr marL="0" marR="0" lvl="0" indent="0" algn="ctr">
               <a:lnSpc>
                 <a:spcPct val="100000"/>
               </a:lnSpc>
@@ -2894,7 +2961,7 @@
               <a:buSzPts val="1300"/>
               <a:buFont typeface="Arial"/>
               <a:buNone/>
-              <a:defRPr b="0" i="0" sz="1300" u="none" cap="none" strike="noStrike">
+              <a:defRPr sz="1300" b="0" i="0" u="none" strike="noStrike" cap="none">
                 <a:solidFill>
                   <a:schemeClr val="accent1"/>
                 </a:solidFill>
@@ -2904,7 +2971,7 @@
                 <a:sym typeface="Raleway Thin"/>
               </a:defRPr>
             </a:lvl1pPr>
-            <a:lvl2pPr indent="0" lvl="1" marL="0" marR="0" algn="ctr">
+            <a:lvl2pPr marL="0" marR="0" lvl="1" indent="0" algn="ctr">
               <a:lnSpc>
                 <a:spcPct val="100000"/>
               </a:lnSpc>
@@ -2920,7 +2987,7 @@
               <a:buSzPts val="1300"/>
               <a:buFont typeface="Arial"/>
               <a:buNone/>
-              <a:defRPr b="0" i="0" sz="1300" u="none" cap="none" strike="noStrike">
+              <a:defRPr sz="1300" b="0" i="0" u="none" strike="noStrike" cap="none">
                 <a:solidFill>
                   <a:schemeClr val="accent1"/>
                 </a:solidFill>
@@ -2930,7 +2997,7 @@
                 <a:sym typeface="Raleway Thin"/>
               </a:defRPr>
             </a:lvl2pPr>
-            <a:lvl3pPr indent="0" lvl="2" marL="0" marR="0" algn="ctr">
+            <a:lvl3pPr marL="0" marR="0" lvl="2" indent="0" algn="ctr">
               <a:lnSpc>
                 <a:spcPct val="100000"/>
               </a:lnSpc>
@@ -2946,7 +3013,7 @@
               <a:buSzPts val="1300"/>
               <a:buFont typeface="Arial"/>
               <a:buNone/>
-              <a:defRPr b="0" i="0" sz="1300" u="none" cap="none" strike="noStrike">
+              <a:defRPr sz="1300" b="0" i="0" u="none" strike="noStrike" cap="none">
                 <a:solidFill>
                   <a:schemeClr val="accent1"/>
                 </a:solidFill>
@@ -2956,7 +3023,7 @@
                 <a:sym typeface="Raleway Thin"/>
               </a:defRPr>
             </a:lvl3pPr>
-            <a:lvl4pPr indent="0" lvl="3" marL="0" marR="0" algn="ctr">
+            <a:lvl4pPr marL="0" marR="0" lvl="3" indent="0" algn="ctr">
               <a:lnSpc>
                 <a:spcPct val="100000"/>
               </a:lnSpc>
@@ -2972,7 +3039,7 @@
               <a:buSzPts val="1300"/>
               <a:buFont typeface="Arial"/>
               <a:buNone/>
-              <a:defRPr b="0" i="0" sz="1300" u="none" cap="none" strike="noStrike">
+              <a:defRPr sz="1300" b="0" i="0" u="none" strike="noStrike" cap="none">
                 <a:solidFill>
                   <a:schemeClr val="accent1"/>
                 </a:solidFill>
@@ -2982,7 +3049,7 @@
                 <a:sym typeface="Raleway Thin"/>
               </a:defRPr>
             </a:lvl4pPr>
-            <a:lvl5pPr indent="0" lvl="4" marL="0" marR="0" algn="ctr">
+            <a:lvl5pPr marL="0" marR="0" lvl="4" indent="0" algn="ctr">
               <a:lnSpc>
                 <a:spcPct val="100000"/>
               </a:lnSpc>
@@ -2998,7 +3065,7 @@
               <a:buSzPts val="1300"/>
               <a:buFont typeface="Arial"/>
               <a:buNone/>
-              <a:defRPr b="0" i="0" sz="1300" u="none" cap="none" strike="noStrike">
+              <a:defRPr sz="1300" b="0" i="0" u="none" strike="noStrike" cap="none">
                 <a:solidFill>
                   <a:schemeClr val="accent1"/>
                 </a:solidFill>
@@ -3008,7 +3075,7 @@
                 <a:sym typeface="Raleway Thin"/>
               </a:defRPr>
             </a:lvl5pPr>
-            <a:lvl6pPr indent="0" lvl="5" marL="0" marR="0" algn="ctr">
+            <a:lvl6pPr marL="0" marR="0" lvl="5" indent="0" algn="ctr">
               <a:lnSpc>
                 <a:spcPct val="100000"/>
               </a:lnSpc>
@@ -3024,7 +3091,7 @@
               <a:buSzPts val="1300"/>
               <a:buFont typeface="Arial"/>
               <a:buNone/>
-              <a:defRPr b="0" i="0" sz="1300" u="none" cap="none" strike="noStrike">
+              <a:defRPr sz="1300" b="0" i="0" u="none" strike="noStrike" cap="none">
                 <a:solidFill>
                   <a:schemeClr val="accent1"/>
                 </a:solidFill>
@@ -3034,7 +3101,7 @@
                 <a:sym typeface="Raleway Thin"/>
               </a:defRPr>
             </a:lvl6pPr>
-            <a:lvl7pPr indent="0" lvl="6" marL="0" marR="0" algn="ctr">
+            <a:lvl7pPr marL="0" marR="0" lvl="6" indent="0" algn="ctr">
               <a:lnSpc>
                 <a:spcPct val="100000"/>
               </a:lnSpc>
@@ -3050,7 +3117,7 @@
               <a:buSzPts val="1300"/>
               <a:buFont typeface="Arial"/>
               <a:buNone/>
-              <a:defRPr b="0" i="0" sz="1300" u="none" cap="none" strike="noStrike">
+              <a:defRPr sz="1300" b="0" i="0" u="none" strike="noStrike" cap="none">
                 <a:solidFill>
                   <a:schemeClr val="accent1"/>
                 </a:solidFill>
@@ -3060,7 +3127,7 @@
                 <a:sym typeface="Raleway Thin"/>
               </a:defRPr>
             </a:lvl7pPr>
-            <a:lvl8pPr indent="0" lvl="7" marL="0" marR="0" algn="ctr">
+            <a:lvl8pPr marL="0" marR="0" lvl="7" indent="0" algn="ctr">
               <a:lnSpc>
                 <a:spcPct val="100000"/>
               </a:lnSpc>
@@ -3076,7 +3143,7 @@
               <a:buSzPts val="1300"/>
               <a:buFont typeface="Arial"/>
               <a:buNone/>
-              <a:defRPr b="0" i="0" sz="1300" u="none" cap="none" strike="noStrike">
+              <a:defRPr sz="1300" b="0" i="0" u="none" strike="noStrike" cap="none">
                 <a:solidFill>
                   <a:schemeClr val="accent1"/>
                 </a:solidFill>
@@ -3086,7 +3153,7 @@
                 <a:sym typeface="Raleway Thin"/>
               </a:defRPr>
             </a:lvl8pPr>
-            <a:lvl9pPr indent="0" lvl="8" marL="0" marR="0" algn="ctr">
+            <a:lvl9pPr marL="0" marR="0" lvl="8" indent="0" algn="ctr">
               <a:lnSpc>
                 <a:spcPct val="100000"/>
               </a:lnSpc>
@@ -3102,7 +3169,7 @@
               <a:buSzPts val="1300"/>
               <a:buFont typeface="Arial"/>
               <a:buNone/>
-              <a:defRPr b="0" i="0" sz="1300" u="none" cap="none" strike="noStrike">
+              <a:defRPr sz="1300" b="0" i="0" u="none" strike="noStrike" cap="none">
                 <a:solidFill>
                   <a:schemeClr val="accent1"/>
                 </a:solidFill>
@@ -3114,7 +3181,7 @@
             </a:lvl9pPr>
           </a:lstStyle>
           <a:p>
-            <a:pPr indent="0" lvl="0" marL="0" rtl="0" algn="ctr">
+            <a:pPr marL="0" lvl="0" indent="0" algn="ctr" rtl="0">
               <a:spcBef>
                 <a:spcPts val="0"/>
               </a:spcBef>
@@ -3140,18 +3207,19 @@
 </file>
 
 <file path=ppt/slideLayouts/slideLayout3.xml><?xml version="1.0" encoding="utf-8"?>
-<p:sldLayout xmlns:a="http://schemas.openxmlformats.org/drawingml/2006/main" xmlns:r="http://schemas.openxmlformats.org/officeDocument/2006/relationships" xmlns:mc="http://schemas.openxmlformats.org/markup-compatibility/2006" xmlns:mv="urn:schemas-microsoft-com:mac:vml" xmlns:p="http://schemas.openxmlformats.org/presentationml/2006/main" xmlns:c="http://schemas.openxmlformats.org/drawingml/2006/chart" xmlns:dgm="http://schemas.openxmlformats.org/drawingml/2006/diagram" xmlns:o="urn:schemas-microsoft-com:office:office" xmlns:v="urn:schemas-microsoft-com:vml" xmlns:pvml="urn:schemas-microsoft-com:office:powerpoint" xmlns:com="http://schemas.openxmlformats.org/drawingml/2006/compatibility" xmlns:p14="http://schemas.microsoft.com/office/powerpoint/2010/main" xmlns:p15="http://schemas.microsoft.com/office/powerpoint/2012/main" xmlns:ahyp="http://schemas.microsoft.com/office/drawing/2018/hyperlinkcolor" matchingName="Subtitle">
+<p:sldLayout xmlns:a="http://schemas.openxmlformats.org/drawingml/2006/main" xmlns:r="http://schemas.openxmlformats.org/officeDocument/2006/relationships" xmlns:p="http://schemas.openxmlformats.org/presentationml/2006/main" matchingName="Subtitle">
   <p:cSld name="TITLE_1">
     <p:bg>
       <p:bgPr>
         <a:solidFill>
           <a:schemeClr val="accent1"/>
         </a:solidFill>
+        <a:effectLst/>
       </p:bgPr>
     </p:bg>
     <p:spTree>
       <p:nvGrpSpPr>
-        <p:cNvPr id="18" name="Shape 18"/>
+        <p:cNvPr id="1" name="Shape 18"/>
         <p:cNvGrpSpPr/>
         <p:nvPr/>
       </p:nvGrpSpPr>
@@ -3175,9 +3243,13 @@
             <a:ext cx="8362529" cy="4383746"/>
           </a:xfrm>
           <a:custGeom>
-            <a:rect b="b" l="l" r="r" t="t"/>
+            <a:avLst/>
+            <a:gdLst/>
+            <a:ahLst/>
+            <a:cxnLst/>
+            <a:rect l="l" t="t" r="r" b="b"/>
             <a:pathLst>
-              <a:path extrusionOk="0" fill="none" h="149667" w="285508">
+              <a:path w="285508" h="149667" fill="none" extrusionOk="0">
                 <a:moveTo>
                   <a:pt x="252882" y="0"/>
                 </a:moveTo>
@@ -3350,23 +3422,23 @@
             </a:pathLst>
           </a:custGeom>
           <a:noFill/>
-          <a:ln cap="flat" cmpd="sng" w="19050">
+          <a:ln w="19050" cap="flat" cmpd="sng">
             <a:solidFill>
               <a:schemeClr val="dk1"/>
             </a:solidFill>
             <a:prstDash val="dot"/>
             <a:round/>
-            <a:headEnd len="sm" w="sm" type="none"/>
-            <a:tailEnd len="sm" w="sm" type="none"/>
+            <a:headEnd type="none" w="sm" len="sm"/>
+            <a:tailEnd type="none" w="sm" len="sm"/>
           </a:ln>
         </p:spPr>
         <p:txBody>
-          <a:bodyPr anchorCtr="0" anchor="ctr" bIns="91425" lIns="91425" spcFirstLastPara="1" rIns="91425" wrap="square" tIns="91425">
+          <a:bodyPr spcFirstLastPara="1" wrap="square" lIns="91425" tIns="91425" rIns="91425" bIns="91425" anchor="ctr" anchorCtr="0">
             <a:noAutofit/>
           </a:bodyPr>
           <a:lstStyle/>
           <a:p>
-            <a:pPr indent="0" lvl="0" marL="0" marR="0" rtl="0" algn="l">
+            <a:pPr marL="0" marR="0" lvl="0" indent="0" algn="l" rtl="0">
               <a:lnSpc>
                 <a:spcPct val="100000"/>
               </a:lnSpc>
@@ -3383,10 +3455,7 @@
               <a:buFont typeface="Arial"/>
               <a:buNone/>
             </a:pPr>
-            <a:r>
-              <a:t/>
-            </a:r>
-            <a:endParaRPr b="0" i="0" sz="1400" u="none" cap="none" strike="noStrike">
+            <a:endParaRPr sz="1400" b="0" i="0" u="none" strike="noStrike" cap="none">
               <a:solidFill>
                 <a:srgbClr val="000000"/>
               </a:solidFill>
@@ -3401,7 +3470,9 @@
       <p:sp>
         <p:nvSpPr>
           <p:cNvPr id="20" name="Google Shape;20;p4"/>
-          <p:cNvSpPr txBox="1"/>
+          <p:cNvSpPr txBox="1">
+            <a:spLocks noGrp="1"/>
+          </p:cNvSpPr>
           <p:nvPr>
             <p:ph type="ctrTitle"/>
           </p:nvPr>
@@ -3420,7 +3491,7 @@
           </a:ln>
         </p:spPr>
         <p:txBody>
-          <a:bodyPr anchorCtr="0" anchor="b" bIns="91425" lIns="91425" spcFirstLastPara="1" rIns="91425" wrap="square" tIns="91425">
+          <a:bodyPr spcFirstLastPara="1" wrap="square" lIns="91425" tIns="91425" rIns="91425" bIns="91425" anchor="b" anchorCtr="0">
             <a:noAutofit/>
           </a:bodyPr>
           <a:lstStyle>
@@ -3551,15 +3622,19 @@
               <a:defRPr sz="4800"/>
             </a:lvl9pPr>
           </a:lstStyle>
-          <a:p/>
+          <a:p>
+            <a:endParaRPr/>
+          </a:p>
         </p:txBody>
       </p:sp>
       <p:sp>
         <p:nvSpPr>
           <p:cNvPr id="21" name="Google Shape;21;p4"/>
-          <p:cNvSpPr txBox="1"/>
+          <p:cNvSpPr txBox="1">
+            <a:spLocks noGrp="1"/>
+          </p:cNvSpPr>
           <p:nvPr>
-            <p:ph idx="1" type="subTitle"/>
+            <p:ph type="subTitle" idx="1"/>
           </p:nvPr>
         </p:nvSpPr>
         <p:spPr>
@@ -3576,7 +3651,7 @@
           </a:ln>
         </p:spPr>
         <p:txBody>
-          <a:bodyPr anchorCtr="0" anchor="t" bIns="91425" lIns="91425" spcFirstLastPara="1" rIns="91425" wrap="square" tIns="91425">
+          <a:bodyPr spcFirstLastPara="1" wrap="square" lIns="91425" tIns="91425" rIns="91425" bIns="91425" anchor="t" anchorCtr="0">
             <a:noAutofit/>
           </a:bodyPr>
           <a:lstStyle>
@@ -3770,7 +3845,9 @@
               </a:defRPr>
             </a:lvl9pPr>
           </a:lstStyle>
-          <a:p/>
+          <a:p>
+            <a:endParaRPr/>
+          </a:p>
         </p:txBody>
       </p:sp>
     </p:spTree>
@@ -3782,11 +3859,11 @@
 </file>
 
 <file path=ppt/slideLayouts/slideLayout4.xml><?xml version="1.0" encoding="utf-8"?>
-<p:sldLayout xmlns:a="http://schemas.openxmlformats.org/drawingml/2006/main" xmlns:r="http://schemas.openxmlformats.org/officeDocument/2006/relationships" xmlns:mc="http://schemas.openxmlformats.org/markup-compatibility/2006" xmlns:mv="urn:schemas-microsoft-com:mac:vml" xmlns:p="http://schemas.openxmlformats.org/presentationml/2006/main" xmlns:c="http://schemas.openxmlformats.org/drawingml/2006/chart" xmlns:dgm="http://schemas.openxmlformats.org/drawingml/2006/diagram" xmlns:o="urn:schemas-microsoft-com:office:office" xmlns:v="urn:schemas-microsoft-com:vml" xmlns:pvml="urn:schemas-microsoft-com:office:powerpoint" xmlns:com="http://schemas.openxmlformats.org/drawingml/2006/compatibility" xmlns:p14="http://schemas.microsoft.com/office/powerpoint/2010/main" xmlns:p15="http://schemas.microsoft.com/office/powerpoint/2012/main" xmlns:ahyp="http://schemas.microsoft.com/office/drawing/2018/hyperlinkcolor" matchingName="Title + 1 column" type="tx">
+<p:sldLayout xmlns:a="http://schemas.openxmlformats.org/drawingml/2006/main" xmlns:r="http://schemas.openxmlformats.org/officeDocument/2006/relationships" xmlns:p="http://schemas.openxmlformats.org/presentationml/2006/main" matchingName="Title + 1 column" type="tx">
   <p:cSld name="TITLE_AND_BODY">
     <p:spTree>
       <p:nvGrpSpPr>
-        <p:cNvPr id="22" name="Shape 22"/>
+        <p:cNvPr id="1" name="Shape 22"/>
         <p:cNvGrpSpPr/>
         <p:nvPr/>
       </p:nvGrpSpPr>
@@ -3810,9 +3887,13 @@
             <a:ext cx="8362529" cy="4383746"/>
           </a:xfrm>
           <a:custGeom>
-            <a:rect b="b" l="l" r="r" t="t"/>
+            <a:avLst/>
+            <a:gdLst/>
+            <a:ahLst/>
+            <a:cxnLst/>
+            <a:rect l="l" t="t" r="r" b="b"/>
             <a:pathLst>
-              <a:path extrusionOk="0" fill="none" h="149667" w="285508">
+              <a:path w="285508" h="149667" fill="none" extrusionOk="0">
                 <a:moveTo>
                   <a:pt x="252882" y="0"/>
                 </a:moveTo>
@@ -3985,23 +4066,23 @@
             </a:pathLst>
           </a:custGeom>
           <a:noFill/>
-          <a:ln cap="flat" cmpd="sng" w="19050">
+          <a:ln w="19050" cap="flat" cmpd="sng">
             <a:solidFill>
               <a:schemeClr val="accent1"/>
             </a:solidFill>
             <a:prstDash val="dot"/>
             <a:round/>
-            <a:headEnd len="sm" w="sm" type="none"/>
-            <a:tailEnd len="sm" w="sm" type="none"/>
+            <a:headEnd type="none" w="sm" len="sm"/>
+            <a:tailEnd type="none" w="sm" len="sm"/>
           </a:ln>
         </p:spPr>
         <p:txBody>
-          <a:bodyPr anchorCtr="0" anchor="ctr" bIns="91425" lIns="91425" spcFirstLastPara="1" rIns="91425" wrap="square" tIns="91425">
+          <a:bodyPr spcFirstLastPara="1" wrap="square" lIns="91425" tIns="91425" rIns="91425" bIns="91425" anchor="ctr" anchorCtr="0">
             <a:noAutofit/>
           </a:bodyPr>
           <a:lstStyle/>
           <a:p>
-            <a:pPr indent="0" lvl="0" marL="0" marR="0" rtl="0" algn="l">
+            <a:pPr marL="0" marR="0" lvl="0" indent="0" algn="l" rtl="0">
               <a:lnSpc>
                 <a:spcPct val="100000"/>
               </a:lnSpc>
@@ -4018,10 +4099,7 @@
               <a:buFont typeface="Arial"/>
               <a:buNone/>
             </a:pPr>
-            <a:r>
-              <a:t/>
-            </a:r>
-            <a:endParaRPr b="0" i="0" sz="1400" u="none" cap="none" strike="noStrike">
+            <a:endParaRPr sz="1400" b="0" i="0" u="none" strike="noStrike" cap="none">
               <a:solidFill>
                 <a:srgbClr val="000000"/>
               </a:solidFill>
@@ -4036,7 +4114,9 @@
       <p:sp>
         <p:nvSpPr>
           <p:cNvPr id="24" name="Google Shape;24;p5"/>
-          <p:cNvSpPr txBox="1"/>
+          <p:cNvSpPr txBox="1">
+            <a:spLocks noGrp="1"/>
+          </p:cNvSpPr>
           <p:nvPr>
             <p:ph type="title"/>
           </p:nvPr>
@@ -4055,7 +4135,7 @@
           </a:ln>
         </p:spPr>
         <p:txBody>
-          <a:bodyPr anchorCtr="0" anchor="t" bIns="91425" lIns="91425" spcFirstLastPara="1" rIns="91425" wrap="square" tIns="91425">
+          <a:bodyPr spcFirstLastPara="1" wrap="square" lIns="91425" tIns="91425" rIns="91425" bIns="91425" anchor="t" anchorCtr="0">
             <a:noAutofit/>
           </a:bodyPr>
           <a:lstStyle>
@@ -4186,15 +4266,19 @@
               <a:defRPr/>
             </a:lvl9pPr>
           </a:lstStyle>
-          <a:p/>
+          <a:p>
+            <a:endParaRPr/>
+          </a:p>
         </p:txBody>
       </p:sp>
       <p:sp>
         <p:nvSpPr>
           <p:cNvPr id="25" name="Google Shape;25;p5"/>
-          <p:cNvSpPr txBox="1"/>
+          <p:cNvSpPr txBox="1">
+            <a:spLocks noGrp="1"/>
+          </p:cNvSpPr>
           <p:nvPr>
-            <p:ph idx="1" type="body"/>
+            <p:ph type="body" idx="1"/>
           </p:nvPr>
         </p:nvSpPr>
         <p:spPr>
@@ -4211,11 +4295,11 @@
           </a:ln>
         </p:spPr>
         <p:txBody>
-          <a:bodyPr anchorCtr="0" anchor="t" bIns="91425" lIns="91425" spcFirstLastPara="1" rIns="91425" wrap="square" tIns="91425">
+          <a:bodyPr spcFirstLastPara="1" wrap="square" lIns="91425" tIns="91425" rIns="91425" bIns="91425" anchor="t" anchorCtr="0">
             <a:noAutofit/>
           </a:bodyPr>
           <a:lstStyle>
-            <a:lvl1pPr indent="-342900" lvl="0" marL="457200" algn="l">
+            <a:lvl1pPr marL="457200" lvl="0" indent="-342900" algn="l">
               <a:lnSpc>
                 <a:spcPct val="100000"/>
               </a:lnSpc>
@@ -4232,7 +4316,7 @@
               <a:buChar char="●"/>
               <a:defRPr/>
             </a:lvl1pPr>
-            <a:lvl2pPr indent="-342900" lvl="1" marL="914400" algn="l">
+            <a:lvl2pPr marL="914400" lvl="1" indent="-342900" algn="l">
               <a:lnSpc>
                 <a:spcPct val="100000"/>
               </a:lnSpc>
@@ -4249,7 +4333,7 @@
               <a:buChar char="○"/>
               <a:defRPr/>
             </a:lvl2pPr>
-            <a:lvl3pPr indent="-342900" lvl="2" marL="1371600" algn="l">
+            <a:lvl3pPr marL="1371600" lvl="2" indent="-342900" algn="l">
               <a:lnSpc>
                 <a:spcPct val="100000"/>
               </a:lnSpc>
@@ -4266,7 +4350,7 @@
               <a:buChar char="■"/>
               <a:defRPr/>
             </a:lvl3pPr>
-            <a:lvl4pPr indent="-342900" lvl="3" marL="1828800" algn="l">
+            <a:lvl4pPr marL="1828800" lvl="3" indent="-342900" algn="l">
               <a:lnSpc>
                 <a:spcPct val="100000"/>
               </a:lnSpc>
@@ -4280,7 +4364,7 @@
               <a:buChar char="●"/>
               <a:defRPr/>
             </a:lvl4pPr>
-            <a:lvl5pPr indent="-342900" lvl="4" marL="2286000" algn="l">
+            <a:lvl5pPr marL="2286000" lvl="4" indent="-342900" algn="l">
               <a:lnSpc>
                 <a:spcPct val="100000"/>
               </a:lnSpc>
@@ -4294,7 +4378,7 @@
               <a:buChar char="○"/>
               <a:defRPr/>
             </a:lvl5pPr>
-            <a:lvl6pPr indent="-342900" lvl="5" marL="2743200" algn="l">
+            <a:lvl6pPr marL="2743200" lvl="5" indent="-342900" algn="l">
               <a:lnSpc>
                 <a:spcPct val="100000"/>
               </a:lnSpc>
@@ -4308,7 +4392,7 @@
               <a:buChar char="■"/>
               <a:defRPr/>
             </a:lvl6pPr>
-            <a:lvl7pPr indent="-342900" lvl="6" marL="3200400" algn="l">
+            <a:lvl7pPr marL="3200400" lvl="6" indent="-342900" algn="l">
               <a:lnSpc>
                 <a:spcPct val="100000"/>
               </a:lnSpc>
@@ -4322,7 +4406,7 @@
               <a:buChar char="●"/>
               <a:defRPr/>
             </a:lvl7pPr>
-            <a:lvl8pPr indent="-342900" lvl="7" marL="3657600" algn="l">
+            <a:lvl8pPr marL="3657600" lvl="7" indent="-342900" algn="l">
               <a:lnSpc>
                 <a:spcPct val="100000"/>
               </a:lnSpc>
@@ -4336,7 +4420,7 @@
               <a:buChar char="○"/>
               <a:defRPr/>
             </a:lvl8pPr>
-            <a:lvl9pPr indent="-342900" lvl="8" marL="4114800" algn="l">
+            <a:lvl9pPr marL="4114800" lvl="8" indent="-342900" algn="l">
               <a:lnSpc>
                 <a:spcPct val="100000"/>
               </a:lnSpc>
@@ -4351,15 +4435,19 @@
               <a:defRPr/>
             </a:lvl9pPr>
           </a:lstStyle>
-          <a:p/>
+          <a:p>
+            <a:endParaRPr/>
+          </a:p>
         </p:txBody>
       </p:sp>
       <p:sp>
         <p:nvSpPr>
           <p:cNvPr id="26" name="Google Shape;26;p5"/>
-          <p:cNvSpPr txBox="1"/>
+          <p:cNvSpPr txBox="1">
+            <a:spLocks noGrp="1"/>
+          </p:cNvSpPr>
           <p:nvPr>
-            <p:ph idx="12" type="sldNum"/>
+            <p:ph type="sldNum" idx="12"/>
           </p:nvPr>
         </p:nvSpPr>
         <p:spPr>
@@ -4376,11 +4464,11 @@
           </a:ln>
         </p:spPr>
         <p:txBody>
-          <a:bodyPr anchorCtr="0" anchor="ctr" bIns="91425" lIns="91425" spcFirstLastPara="1" rIns="91425" wrap="square" tIns="91425">
+          <a:bodyPr spcFirstLastPara="1" wrap="square" lIns="91425" tIns="91425" rIns="91425" bIns="91425" anchor="ctr" anchorCtr="0">
             <a:noAutofit/>
           </a:bodyPr>
           <a:lstStyle>
-            <a:lvl1pPr indent="0" lvl="0" marL="0" marR="0" algn="ctr">
+            <a:lvl1pPr marL="0" marR="0" lvl="0" indent="0" algn="ctr">
               <a:lnSpc>
                 <a:spcPct val="100000"/>
               </a:lnSpc>
@@ -4396,7 +4484,7 @@
               <a:buSzPts val="1300"/>
               <a:buFont typeface="Arial"/>
               <a:buNone/>
-              <a:defRPr b="0" i="0" sz="1300" u="none" cap="none" strike="noStrike">
+              <a:defRPr sz="1300" b="0" i="0" u="none" strike="noStrike" cap="none">
                 <a:solidFill>
                   <a:srgbClr val="FFB600"/>
                 </a:solidFill>
@@ -4406,7 +4494,7 @@
                 <a:sym typeface="Raleway Thin"/>
               </a:defRPr>
             </a:lvl1pPr>
-            <a:lvl2pPr indent="0" lvl="1" marL="0" marR="0" algn="ctr">
+            <a:lvl2pPr marL="0" marR="0" lvl="1" indent="0" algn="ctr">
               <a:lnSpc>
                 <a:spcPct val="100000"/>
               </a:lnSpc>
@@ -4422,7 +4510,7 @@
               <a:buSzPts val="1300"/>
               <a:buFont typeface="Arial"/>
               <a:buNone/>
-              <a:defRPr b="0" i="0" sz="1300" u="none" cap="none" strike="noStrike">
+              <a:defRPr sz="1300" b="0" i="0" u="none" strike="noStrike" cap="none">
                 <a:solidFill>
                   <a:srgbClr val="FFB600"/>
                 </a:solidFill>
@@ -4432,7 +4520,7 @@
                 <a:sym typeface="Raleway Thin"/>
               </a:defRPr>
             </a:lvl2pPr>
-            <a:lvl3pPr indent="0" lvl="2" marL="0" marR="0" algn="ctr">
+            <a:lvl3pPr marL="0" marR="0" lvl="2" indent="0" algn="ctr">
               <a:lnSpc>
                 <a:spcPct val="100000"/>
               </a:lnSpc>
@@ -4448,7 +4536,7 @@
               <a:buSzPts val="1300"/>
               <a:buFont typeface="Arial"/>
               <a:buNone/>
-              <a:defRPr b="0" i="0" sz="1300" u="none" cap="none" strike="noStrike">
+              <a:defRPr sz="1300" b="0" i="0" u="none" strike="noStrike" cap="none">
                 <a:solidFill>
                   <a:srgbClr val="FFB600"/>
                 </a:solidFill>
@@ -4458,7 +4546,7 @@
                 <a:sym typeface="Raleway Thin"/>
               </a:defRPr>
             </a:lvl3pPr>
-            <a:lvl4pPr indent="0" lvl="3" marL="0" marR="0" algn="ctr">
+            <a:lvl4pPr marL="0" marR="0" lvl="3" indent="0" algn="ctr">
               <a:lnSpc>
                 <a:spcPct val="100000"/>
               </a:lnSpc>
@@ -4474,7 +4562,7 @@
               <a:buSzPts val="1300"/>
               <a:buFont typeface="Arial"/>
               <a:buNone/>
-              <a:defRPr b="0" i="0" sz="1300" u="none" cap="none" strike="noStrike">
+              <a:defRPr sz="1300" b="0" i="0" u="none" strike="noStrike" cap="none">
                 <a:solidFill>
                   <a:srgbClr val="FFB600"/>
                 </a:solidFill>
@@ -4484,7 +4572,7 @@
                 <a:sym typeface="Raleway Thin"/>
               </a:defRPr>
             </a:lvl4pPr>
-            <a:lvl5pPr indent="0" lvl="4" marL="0" marR="0" algn="ctr">
+            <a:lvl5pPr marL="0" marR="0" lvl="4" indent="0" algn="ctr">
               <a:lnSpc>
                 <a:spcPct val="100000"/>
               </a:lnSpc>
@@ -4500,7 +4588,7 @@
               <a:buSzPts val="1300"/>
               <a:buFont typeface="Arial"/>
               <a:buNone/>
-              <a:defRPr b="0" i="0" sz="1300" u="none" cap="none" strike="noStrike">
+              <a:defRPr sz="1300" b="0" i="0" u="none" strike="noStrike" cap="none">
                 <a:solidFill>
                   <a:srgbClr val="FFB600"/>
                 </a:solidFill>
@@ -4510,7 +4598,7 @@
                 <a:sym typeface="Raleway Thin"/>
               </a:defRPr>
             </a:lvl5pPr>
-            <a:lvl6pPr indent="0" lvl="5" marL="0" marR="0" algn="ctr">
+            <a:lvl6pPr marL="0" marR="0" lvl="5" indent="0" algn="ctr">
               <a:lnSpc>
                 <a:spcPct val="100000"/>
               </a:lnSpc>
@@ -4526,7 +4614,7 @@
               <a:buSzPts val="1300"/>
               <a:buFont typeface="Arial"/>
               <a:buNone/>
-              <a:defRPr b="0" i="0" sz="1300" u="none" cap="none" strike="noStrike">
+              <a:defRPr sz="1300" b="0" i="0" u="none" strike="noStrike" cap="none">
                 <a:solidFill>
                   <a:srgbClr val="FFB600"/>
                 </a:solidFill>
@@ -4536,7 +4624,7 @@
                 <a:sym typeface="Raleway Thin"/>
               </a:defRPr>
             </a:lvl6pPr>
-            <a:lvl7pPr indent="0" lvl="6" marL="0" marR="0" algn="ctr">
+            <a:lvl7pPr marL="0" marR="0" lvl="6" indent="0" algn="ctr">
               <a:lnSpc>
                 <a:spcPct val="100000"/>
               </a:lnSpc>
@@ -4552,7 +4640,7 @@
               <a:buSzPts val="1300"/>
               <a:buFont typeface="Arial"/>
               <a:buNone/>
-              <a:defRPr b="0" i="0" sz="1300" u="none" cap="none" strike="noStrike">
+              <a:defRPr sz="1300" b="0" i="0" u="none" strike="noStrike" cap="none">
                 <a:solidFill>
                   <a:srgbClr val="FFB600"/>
                 </a:solidFill>
@@ -4562,7 +4650,7 @@
                 <a:sym typeface="Raleway Thin"/>
               </a:defRPr>
             </a:lvl7pPr>
-            <a:lvl8pPr indent="0" lvl="7" marL="0" marR="0" algn="ctr">
+            <a:lvl8pPr marL="0" marR="0" lvl="7" indent="0" algn="ctr">
               <a:lnSpc>
                 <a:spcPct val="100000"/>
               </a:lnSpc>
@@ -4578,7 +4666,7 @@
               <a:buSzPts val="1300"/>
               <a:buFont typeface="Arial"/>
               <a:buNone/>
-              <a:defRPr b="0" i="0" sz="1300" u="none" cap="none" strike="noStrike">
+              <a:defRPr sz="1300" b="0" i="0" u="none" strike="noStrike" cap="none">
                 <a:solidFill>
                   <a:srgbClr val="FFB600"/>
                 </a:solidFill>
@@ -4588,7 +4676,7 @@
                 <a:sym typeface="Raleway Thin"/>
               </a:defRPr>
             </a:lvl8pPr>
-            <a:lvl9pPr indent="0" lvl="8" marL="0" marR="0" algn="ctr">
+            <a:lvl9pPr marL="0" marR="0" lvl="8" indent="0" algn="ctr">
               <a:lnSpc>
                 <a:spcPct val="100000"/>
               </a:lnSpc>
@@ -4604,7 +4692,7 @@
               <a:buSzPts val="1300"/>
               <a:buFont typeface="Arial"/>
               <a:buNone/>
-              <a:defRPr b="0" i="0" sz="1300" u="none" cap="none" strike="noStrike">
+              <a:defRPr sz="1300" b="0" i="0" u="none" strike="noStrike" cap="none">
                 <a:solidFill>
                   <a:srgbClr val="FFB600"/>
                 </a:solidFill>
@@ -4616,7 +4704,7 @@
             </a:lvl9pPr>
           </a:lstStyle>
           <a:p>
-            <a:pPr indent="0" lvl="0" marL="0" rtl="0" algn="ctr">
+            <a:pPr marL="0" lvl="0" indent="0" algn="ctr" rtl="0">
               <a:spcBef>
                 <a:spcPts val="0"/>
               </a:spcBef>
@@ -4642,11 +4730,11 @@
 </file>
 
 <file path=ppt/slideLayouts/slideLayout5.xml><?xml version="1.0" encoding="utf-8"?>
-<p:sldLayout xmlns:a="http://schemas.openxmlformats.org/drawingml/2006/main" xmlns:r="http://schemas.openxmlformats.org/officeDocument/2006/relationships" xmlns:mc="http://schemas.openxmlformats.org/markup-compatibility/2006" xmlns:mv="urn:schemas-microsoft-com:mac:vml" xmlns:p="http://schemas.openxmlformats.org/presentationml/2006/main" xmlns:c="http://schemas.openxmlformats.org/drawingml/2006/chart" xmlns:dgm="http://schemas.openxmlformats.org/drawingml/2006/diagram" xmlns:o="urn:schemas-microsoft-com:office:office" xmlns:v="urn:schemas-microsoft-com:vml" xmlns:pvml="urn:schemas-microsoft-com:office:powerpoint" xmlns:com="http://schemas.openxmlformats.org/drawingml/2006/compatibility" xmlns:p14="http://schemas.microsoft.com/office/powerpoint/2010/main" xmlns:p15="http://schemas.microsoft.com/office/powerpoint/2012/main" xmlns:ahyp="http://schemas.microsoft.com/office/drawing/2018/hyperlinkcolor" matchingName="Title + 3 columns">
+<p:sldLayout xmlns:a="http://schemas.openxmlformats.org/drawingml/2006/main" xmlns:r="http://schemas.openxmlformats.org/officeDocument/2006/relationships" xmlns:p="http://schemas.openxmlformats.org/presentationml/2006/main" matchingName="Title + 3 columns">
   <p:cSld name="TITLE_AND_TWO_COLUMNS_1">
     <p:spTree>
       <p:nvGrpSpPr>
-        <p:cNvPr id="27" name="Shape 27"/>
+        <p:cNvPr id="1" name="Shape 27"/>
         <p:cNvGrpSpPr/>
         <p:nvPr/>
       </p:nvGrpSpPr>
@@ -4670,9 +4758,13 @@
             <a:ext cx="8362529" cy="4383746"/>
           </a:xfrm>
           <a:custGeom>
-            <a:rect b="b" l="l" r="r" t="t"/>
+            <a:avLst/>
+            <a:gdLst/>
+            <a:ahLst/>
+            <a:cxnLst/>
+            <a:rect l="l" t="t" r="r" b="b"/>
             <a:pathLst>
-              <a:path extrusionOk="0" fill="none" h="149667" w="285508">
+              <a:path w="285508" h="149667" fill="none" extrusionOk="0">
                 <a:moveTo>
                   <a:pt x="252882" y="0"/>
                 </a:moveTo>
@@ -4845,23 +4937,23 @@
             </a:pathLst>
           </a:custGeom>
           <a:noFill/>
-          <a:ln cap="flat" cmpd="sng" w="19050">
+          <a:ln w="19050" cap="flat" cmpd="sng">
             <a:solidFill>
               <a:schemeClr val="accent1"/>
             </a:solidFill>
             <a:prstDash val="dot"/>
             <a:round/>
-            <a:headEnd len="sm" w="sm" type="none"/>
-            <a:tailEnd len="sm" w="sm" type="none"/>
+            <a:headEnd type="none" w="sm" len="sm"/>
+            <a:tailEnd type="none" w="sm" len="sm"/>
           </a:ln>
         </p:spPr>
         <p:txBody>
-          <a:bodyPr anchorCtr="0" anchor="ctr" bIns="91425" lIns="91425" spcFirstLastPara="1" rIns="91425" wrap="square" tIns="91425">
+          <a:bodyPr spcFirstLastPara="1" wrap="square" lIns="91425" tIns="91425" rIns="91425" bIns="91425" anchor="ctr" anchorCtr="0">
             <a:noAutofit/>
           </a:bodyPr>
           <a:lstStyle/>
           <a:p>
-            <a:pPr indent="0" lvl="0" marL="0" marR="0" rtl="0" algn="l">
+            <a:pPr marL="0" marR="0" lvl="0" indent="0" algn="l" rtl="0">
               <a:lnSpc>
                 <a:spcPct val="100000"/>
               </a:lnSpc>
@@ -4878,10 +4970,7 @@
               <a:buFont typeface="Arial"/>
               <a:buNone/>
             </a:pPr>
-            <a:r>
-              <a:t/>
-            </a:r>
-            <a:endParaRPr b="0" i="0" sz="1400" u="none" cap="none" strike="noStrike">
+            <a:endParaRPr sz="1400" b="0" i="0" u="none" strike="noStrike" cap="none">
               <a:solidFill>
                 <a:srgbClr val="000000"/>
               </a:solidFill>
@@ -4896,7 +4985,9 @@
       <p:sp>
         <p:nvSpPr>
           <p:cNvPr id="29" name="Google Shape;29;p6"/>
-          <p:cNvSpPr txBox="1"/>
+          <p:cNvSpPr txBox="1">
+            <a:spLocks noGrp="1"/>
+          </p:cNvSpPr>
           <p:nvPr>
             <p:ph type="title"/>
           </p:nvPr>
@@ -4915,7 +5006,7 @@
           </a:ln>
         </p:spPr>
         <p:txBody>
-          <a:bodyPr anchorCtr="0" anchor="t" bIns="91425" lIns="91425" spcFirstLastPara="1" rIns="91425" wrap="square" tIns="91425">
+          <a:bodyPr spcFirstLastPara="1" wrap="square" lIns="91425" tIns="91425" rIns="91425" bIns="91425" anchor="t" anchorCtr="0">
             <a:noAutofit/>
           </a:bodyPr>
           <a:lstStyle>
@@ -5046,15 +5137,19 @@
               <a:defRPr/>
             </a:lvl9pPr>
           </a:lstStyle>
-          <a:p/>
+          <a:p>
+            <a:endParaRPr/>
+          </a:p>
         </p:txBody>
       </p:sp>
       <p:sp>
         <p:nvSpPr>
           <p:cNvPr id="30" name="Google Shape;30;p6"/>
-          <p:cNvSpPr txBox="1"/>
+          <p:cNvSpPr txBox="1">
+            <a:spLocks noGrp="1"/>
+          </p:cNvSpPr>
           <p:nvPr>
-            <p:ph idx="1" type="body"/>
+            <p:ph type="body" idx="1"/>
           </p:nvPr>
         </p:nvSpPr>
         <p:spPr>
@@ -5071,11 +5166,11 @@
           </a:ln>
         </p:spPr>
         <p:txBody>
-          <a:bodyPr anchorCtr="0" anchor="t" bIns="91425" lIns="91425" spcFirstLastPara="1" rIns="91425" wrap="square" tIns="91425">
+          <a:bodyPr spcFirstLastPara="1" wrap="square" lIns="91425" tIns="91425" rIns="91425" bIns="91425" anchor="t" anchorCtr="0">
             <a:noAutofit/>
           </a:bodyPr>
           <a:lstStyle>
-            <a:lvl1pPr indent="-317500" lvl="0" marL="457200" algn="l">
+            <a:lvl1pPr marL="457200" lvl="0" indent="-317500" algn="l">
               <a:lnSpc>
                 <a:spcPct val="100000"/>
               </a:lnSpc>
@@ -5089,7 +5184,7 @@
               <a:buChar char="●"/>
               <a:defRPr sz="1400"/>
             </a:lvl1pPr>
-            <a:lvl2pPr indent="-317500" lvl="1" marL="914400" algn="l">
+            <a:lvl2pPr marL="914400" lvl="1" indent="-317500" algn="l">
               <a:lnSpc>
                 <a:spcPct val="100000"/>
               </a:lnSpc>
@@ -5103,7 +5198,7 @@
               <a:buChar char="○"/>
               <a:defRPr sz="1400"/>
             </a:lvl2pPr>
-            <a:lvl3pPr indent="-317500" lvl="2" marL="1371600" algn="l">
+            <a:lvl3pPr marL="1371600" lvl="2" indent="-317500" algn="l">
               <a:lnSpc>
                 <a:spcPct val="100000"/>
               </a:lnSpc>
@@ -5117,7 +5212,7 @@
               <a:buChar char="■"/>
               <a:defRPr sz="1400"/>
             </a:lvl3pPr>
-            <a:lvl4pPr indent="-317500" lvl="3" marL="1828800" algn="l">
+            <a:lvl4pPr marL="1828800" lvl="3" indent="-317500" algn="l">
               <a:lnSpc>
                 <a:spcPct val="100000"/>
               </a:lnSpc>
@@ -5131,7 +5226,7 @@
               <a:buChar char="●"/>
               <a:defRPr sz="1400"/>
             </a:lvl4pPr>
-            <a:lvl5pPr indent="-317500" lvl="4" marL="2286000" algn="l">
+            <a:lvl5pPr marL="2286000" lvl="4" indent="-317500" algn="l">
               <a:lnSpc>
                 <a:spcPct val="100000"/>
               </a:lnSpc>
@@ -5145,7 +5240,7 @@
               <a:buChar char="○"/>
               <a:defRPr sz="1400"/>
             </a:lvl5pPr>
-            <a:lvl6pPr indent="-317500" lvl="5" marL="2743200" algn="l">
+            <a:lvl6pPr marL="2743200" lvl="5" indent="-317500" algn="l">
               <a:lnSpc>
                 <a:spcPct val="100000"/>
               </a:lnSpc>
@@ -5159,7 +5254,7 @@
               <a:buChar char="■"/>
               <a:defRPr sz="1400"/>
             </a:lvl6pPr>
-            <a:lvl7pPr indent="-317500" lvl="6" marL="3200400" algn="l">
+            <a:lvl7pPr marL="3200400" lvl="6" indent="-317500" algn="l">
               <a:lnSpc>
                 <a:spcPct val="100000"/>
               </a:lnSpc>
@@ -5173,7 +5268,7 @@
               <a:buChar char="●"/>
               <a:defRPr sz="1400"/>
             </a:lvl7pPr>
-            <a:lvl8pPr indent="-317500" lvl="7" marL="3657600" algn="l">
+            <a:lvl8pPr marL="3657600" lvl="7" indent="-317500" algn="l">
               <a:lnSpc>
                 <a:spcPct val="100000"/>
               </a:lnSpc>
@@ -5187,7 +5282,7 @@
               <a:buChar char="○"/>
               <a:defRPr sz="1400"/>
             </a:lvl8pPr>
-            <a:lvl9pPr indent="-317500" lvl="8" marL="4114800" algn="l">
+            <a:lvl9pPr marL="4114800" lvl="8" indent="-317500" algn="l">
               <a:lnSpc>
                 <a:spcPct val="100000"/>
               </a:lnSpc>
@@ -5202,15 +5297,19 @@
               <a:defRPr sz="1400"/>
             </a:lvl9pPr>
           </a:lstStyle>
-          <a:p/>
+          <a:p>
+            <a:endParaRPr/>
+          </a:p>
         </p:txBody>
       </p:sp>
       <p:sp>
         <p:nvSpPr>
           <p:cNvPr id="31" name="Google Shape;31;p6"/>
-          <p:cNvSpPr txBox="1"/>
+          <p:cNvSpPr txBox="1">
+            <a:spLocks noGrp="1"/>
+          </p:cNvSpPr>
           <p:nvPr>
-            <p:ph idx="2" type="body"/>
+            <p:ph type="body" idx="2"/>
           </p:nvPr>
         </p:nvSpPr>
         <p:spPr>
@@ -5227,11 +5326,11 @@
           </a:ln>
         </p:spPr>
         <p:txBody>
-          <a:bodyPr anchorCtr="0" anchor="t" bIns="91425" lIns="91425" spcFirstLastPara="1" rIns="91425" wrap="square" tIns="91425">
+          <a:bodyPr spcFirstLastPara="1" wrap="square" lIns="91425" tIns="91425" rIns="91425" bIns="91425" anchor="t" anchorCtr="0">
             <a:noAutofit/>
           </a:bodyPr>
           <a:lstStyle>
-            <a:lvl1pPr indent="-317500" lvl="0" marL="457200" algn="l">
+            <a:lvl1pPr marL="457200" lvl="0" indent="-317500" algn="l">
               <a:lnSpc>
                 <a:spcPct val="100000"/>
               </a:lnSpc>
@@ -5245,7 +5344,7 @@
               <a:buChar char="●"/>
               <a:defRPr sz="1400"/>
             </a:lvl1pPr>
-            <a:lvl2pPr indent="-317500" lvl="1" marL="914400" algn="l">
+            <a:lvl2pPr marL="914400" lvl="1" indent="-317500" algn="l">
               <a:lnSpc>
                 <a:spcPct val="100000"/>
               </a:lnSpc>
@@ -5259,7 +5358,7 @@
               <a:buChar char="○"/>
               <a:defRPr sz="1400"/>
             </a:lvl2pPr>
-            <a:lvl3pPr indent="-317500" lvl="2" marL="1371600" algn="l">
+            <a:lvl3pPr marL="1371600" lvl="2" indent="-317500" algn="l">
               <a:lnSpc>
                 <a:spcPct val="100000"/>
               </a:lnSpc>
@@ -5273,7 +5372,7 @@
               <a:buChar char="■"/>
               <a:defRPr sz="1400"/>
             </a:lvl3pPr>
-            <a:lvl4pPr indent="-317500" lvl="3" marL="1828800" algn="l">
+            <a:lvl4pPr marL="1828800" lvl="3" indent="-317500" algn="l">
               <a:lnSpc>
                 <a:spcPct val="100000"/>
               </a:lnSpc>
@@ -5287,7 +5386,7 @@
               <a:buChar char="●"/>
               <a:defRPr sz="1400"/>
             </a:lvl4pPr>
-            <a:lvl5pPr indent="-317500" lvl="4" marL="2286000" algn="l">
+            <a:lvl5pPr marL="2286000" lvl="4" indent="-317500" algn="l">
               <a:lnSpc>
                 <a:spcPct val="100000"/>
               </a:lnSpc>
@@ -5301,7 +5400,7 @@
               <a:buChar char="○"/>
               <a:defRPr sz="1400"/>
             </a:lvl5pPr>
-            <a:lvl6pPr indent="-317500" lvl="5" marL="2743200" algn="l">
+            <a:lvl6pPr marL="2743200" lvl="5" indent="-317500" algn="l">
               <a:lnSpc>
                 <a:spcPct val="100000"/>
               </a:lnSpc>
@@ -5315,7 +5414,7 @@
               <a:buChar char="■"/>
               <a:defRPr sz="1400"/>
             </a:lvl6pPr>
-            <a:lvl7pPr indent="-317500" lvl="6" marL="3200400" algn="l">
+            <a:lvl7pPr marL="3200400" lvl="6" indent="-317500" algn="l">
               <a:lnSpc>
                 <a:spcPct val="100000"/>
               </a:lnSpc>
@@ -5329,7 +5428,7 @@
               <a:buChar char="●"/>
               <a:defRPr sz="1400"/>
             </a:lvl7pPr>
-            <a:lvl8pPr indent="-317500" lvl="7" marL="3657600" algn="l">
+            <a:lvl8pPr marL="3657600" lvl="7" indent="-317500" algn="l">
               <a:lnSpc>
                 <a:spcPct val="100000"/>
               </a:lnSpc>
@@ -5343,7 +5442,7 @@
               <a:buChar char="○"/>
               <a:defRPr sz="1400"/>
             </a:lvl8pPr>
-            <a:lvl9pPr indent="-317500" lvl="8" marL="4114800" algn="l">
+            <a:lvl9pPr marL="4114800" lvl="8" indent="-317500" algn="l">
               <a:lnSpc>
                 <a:spcPct val="100000"/>
               </a:lnSpc>
@@ -5358,15 +5457,19 @@
               <a:defRPr sz="1400"/>
             </a:lvl9pPr>
           </a:lstStyle>
-          <a:p/>
+          <a:p>
+            <a:endParaRPr/>
+          </a:p>
         </p:txBody>
       </p:sp>
       <p:sp>
         <p:nvSpPr>
           <p:cNvPr id="32" name="Google Shape;32;p6"/>
-          <p:cNvSpPr txBox="1"/>
+          <p:cNvSpPr txBox="1">
+            <a:spLocks noGrp="1"/>
+          </p:cNvSpPr>
           <p:nvPr>
-            <p:ph idx="3" type="body"/>
+            <p:ph type="body" idx="3"/>
           </p:nvPr>
         </p:nvSpPr>
         <p:spPr>
@@ -5383,11 +5486,11 @@
           </a:ln>
         </p:spPr>
         <p:txBody>
-          <a:bodyPr anchorCtr="0" anchor="t" bIns="91425" lIns="91425" spcFirstLastPara="1" rIns="91425" wrap="square" tIns="91425">
+          <a:bodyPr spcFirstLastPara="1" wrap="square" lIns="91425" tIns="91425" rIns="91425" bIns="91425" anchor="t" anchorCtr="0">
             <a:noAutofit/>
           </a:bodyPr>
           <a:lstStyle>
-            <a:lvl1pPr indent="-317500" lvl="0" marL="457200" algn="l">
+            <a:lvl1pPr marL="457200" lvl="0" indent="-317500" algn="l">
               <a:lnSpc>
                 <a:spcPct val="100000"/>
               </a:lnSpc>
@@ -5401,7 +5504,7 @@
               <a:buChar char="●"/>
               <a:defRPr sz="1400"/>
             </a:lvl1pPr>
-            <a:lvl2pPr indent="-317500" lvl="1" marL="914400" algn="l">
+            <a:lvl2pPr marL="914400" lvl="1" indent="-317500" algn="l">
               <a:lnSpc>
                 <a:spcPct val="100000"/>
               </a:lnSpc>
@@ -5415,7 +5518,7 @@
               <a:buChar char="○"/>
               <a:defRPr sz="1400"/>
             </a:lvl2pPr>
-            <a:lvl3pPr indent="-317500" lvl="2" marL="1371600" algn="l">
+            <a:lvl3pPr marL="1371600" lvl="2" indent="-317500" algn="l">
               <a:lnSpc>
                 <a:spcPct val="100000"/>
               </a:lnSpc>
@@ -5429,7 +5532,7 @@
               <a:buChar char="■"/>
               <a:defRPr sz="1400"/>
             </a:lvl3pPr>
-            <a:lvl4pPr indent="-317500" lvl="3" marL="1828800" algn="l">
+            <a:lvl4pPr marL="1828800" lvl="3" indent="-317500" algn="l">
               <a:lnSpc>
                 <a:spcPct val="100000"/>
               </a:lnSpc>
@@ -5443,7 +5546,7 @@
               <a:buChar char="●"/>
               <a:defRPr sz="1400"/>
             </a:lvl4pPr>
-            <a:lvl5pPr indent="-317500" lvl="4" marL="2286000" algn="l">
+            <a:lvl5pPr marL="2286000" lvl="4" indent="-317500" algn="l">
               <a:lnSpc>
                 <a:spcPct val="100000"/>
               </a:lnSpc>
@@ -5457,7 +5560,7 @@
               <a:buChar char="○"/>
               <a:defRPr sz="1400"/>
             </a:lvl5pPr>
-            <a:lvl6pPr indent="-317500" lvl="5" marL="2743200" algn="l">
+            <a:lvl6pPr marL="2743200" lvl="5" indent="-317500" algn="l">
               <a:lnSpc>
                 <a:spcPct val="100000"/>
               </a:lnSpc>
@@ -5471,7 +5574,7 @@
               <a:buChar char="■"/>
               <a:defRPr sz="1400"/>
             </a:lvl6pPr>
-            <a:lvl7pPr indent="-317500" lvl="6" marL="3200400" algn="l">
+            <a:lvl7pPr marL="3200400" lvl="6" indent="-317500" algn="l">
               <a:lnSpc>
                 <a:spcPct val="100000"/>
               </a:lnSpc>
@@ -5485,7 +5588,7 @@
               <a:buChar char="●"/>
               <a:defRPr sz="1400"/>
             </a:lvl7pPr>
-            <a:lvl8pPr indent="-317500" lvl="7" marL="3657600" algn="l">
+            <a:lvl8pPr marL="3657600" lvl="7" indent="-317500" algn="l">
               <a:lnSpc>
                 <a:spcPct val="100000"/>
               </a:lnSpc>
@@ -5499,7 +5602,7 @@
               <a:buChar char="○"/>
               <a:defRPr sz="1400"/>
             </a:lvl8pPr>
-            <a:lvl9pPr indent="-317500" lvl="8" marL="4114800" algn="l">
+            <a:lvl9pPr marL="4114800" lvl="8" indent="-317500" algn="l">
               <a:lnSpc>
                 <a:spcPct val="100000"/>
               </a:lnSpc>
@@ -5514,15 +5617,19 @@
               <a:defRPr sz="1400"/>
             </a:lvl9pPr>
           </a:lstStyle>
-          <a:p/>
+          <a:p>
+            <a:endParaRPr/>
+          </a:p>
         </p:txBody>
       </p:sp>
       <p:sp>
         <p:nvSpPr>
           <p:cNvPr id="33" name="Google Shape;33;p6"/>
-          <p:cNvSpPr txBox="1"/>
+          <p:cNvSpPr txBox="1">
+            <a:spLocks noGrp="1"/>
+          </p:cNvSpPr>
           <p:nvPr>
-            <p:ph idx="12" type="sldNum"/>
+            <p:ph type="sldNum" idx="12"/>
           </p:nvPr>
         </p:nvSpPr>
         <p:spPr>
@@ -5539,11 +5646,11 @@
           </a:ln>
         </p:spPr>
         <p:txBody>
-          <a:bodyPr anchorCtr="0" anchor="ctr" bIns="91425" lIns="91425" spcFirstLastPara="1" rIns="91425" wrap="square" tIns="91425">
+          <a:bodyPr spcFirstLastPara="1" wrap="square" lIns="91425" tIns="91425" rIns="91425" bIns="91425" anchor="ctr" anchorCtr="0">
             <a:noAutofit/>
           </a:bodyPr>
           <a:lstStyle>
-            <a:lvl1pPr indent="0" lvl="0" marL="0" marR="0" algn="ctr">
+            <a:lvl1pPr marL="0" marR="0" lvl="0" indent="0" algn="ctr">
               <a:lnSpc>
                 <a:spcPct val="100000"/>
               </a:lnSpc>
@@ -5559,7 +5666,7 @@
               <a:buSzPts val="1300"/>
               <a:buFont typeface="Arial"/>
               <a:buNone/>
-              <a:defRPr b="0" i="0" sz="1300" u="none" cap="none" strike="noStrike">
+              <a:defRPr sz="1300" b="0" i="0" u="none" strike="noStrike" cap="none">
                 <a:solidFill>
                   <a:schemeClr val="accent1"/>
                 </a:solidFill>
@@ -5569,7 +5676,7 @@
                 <a:sym typeface="Raleway Thin"/>
               </a:defRPr>
             </a:lvl1pPr>
-            <a:lvl2pPr indent="0" lvl="1" marL="0" marR="0" algn="ctr">
+            <a:lvl2pPr marL="0" marR="0" lvl="1" indent="0" algn="ctr">
               <a:lnSpc>
                 <a:spcPct val="100000"/>
               </a:lnSpc>
@@ -5585,7 +5692,7 @@
               <a:buSzPts val="1300"/>
               <a:buFont typeface="Arial"/>
               <a:buNone/>
-              <a:defRPr b="0" i="0" sz="1300" u="none" cap="none" strike="noStrike">
+              <a:defRPr sz="1300" b="0" i="0" u="none" strike="noStrike" cap="none">
                 <a:solidFill>
                   <a:schemeClr val="accent1"/>
                 </a:solidFill>
@@ -5595,7 +5702,7 @@
                 <a:sym typeface="Raleway Thin"/>
               </a:defRPr>
             </a:lvl2pPr>
-            <a:lvl3pPr indent="0" lvl="2" marL="0" marR="0" algn="ctr">
+            <a:lvl3pPr marL="0" marR="0" lvl="2" indent="0" algn="ctr">
               <a:lnSpc>
                 <a:spcPct val="100000"/>
               </a:lnSpc>
@@ -5611,7 +5718,7 @@
               <a:buSzPts val="1300"/>
               <a:buFont typeface="Arial"/>
               <a:buNone/>
-              <a:defRPr b="0" i="0" sz="1300" u="none" cap="none" strike="noStrike">
+              <a:defRPr sz="1300" b="0" i="0" u="none" strike="noStrike" cap="none">
                 <a:solidFill>
                   <a:schemeClr val="accent1"/>
                 </a:solidFill>
@@ -5621,7 +5728,7 @@
                 <a:sym typeface="Raleway Thin"/>
               </a:defRPr>
             </a:lvl3pPr>
-            <a:lvl4pPr indent="0" lvl="3" marL="0" marR="0" algn="ctr">
+            <a:lvl4pPr marL="0" marR="0" lvl="3" indent="0" algn="ctr">
               <a:lnSpc>
                 <a:spcPct val="100000"/>
               </a:lnSpc>
@@ -5637,7 +5744,7 @@
               <a:buSzPts val="1300"/>
               <a:buFont typeface="Arial"/>
               <a:buNone/>
-              <a:defRPr b="0" i="0" sz="1300" u="none" cap="none" strike="noStrike">
+              <a:defRPr sz="1300" b="0" i="0" u="none" strike="noStrike" cap="none">
                 <a:solidFill>
                   <a:schemeClr val="accent1"/>
                 </a:solidFill>
@@ -5647,7 +5754,7 @@
                 <a:sym typeface="Raleway Thin"/>
               </a:defRPr>
             </a:lvl4pPr>
-            <a:lvl5pPr indent="0" lvl="4" marL="0" marR="0" algn="ctr">
+            <a:lvl5pPr marL="0" marR="0" lvl="4" indent="0" algn="ctr">
               <a:lnSpc>
                 <a:spcPct val="100000"/>
               </a:lnSpc>
@@ -5663,7 +5770,7 @@
               <a:buSzPts val="1300"/>
               <a:buFont typeface="Arial"/>
               <a:buNone/>
-              <a:defRPr b="0" i="0" sz="1300" u="none" cap="none" strike="noStrike">
+              <a:defRPr sz="1300" b="0" i="0" u="none" strike="noStrike" cap="none">
                 <a:solidFill>
                   <a:schemeClr val="accent1"/>
                 </a:solidFill>
@@ -5673,7 +5780,7 @@
                 <a:sym typeface="Raleway Thin"/>
               </a:defRPr>
             </a:lvl5pPr>
-            <a:lvl6pPr indent="0" lvl="5" marL="0" marR="0" algn="ctr">
+            <a:lvl6pPr marL="0" marR="0" lvl="5" indent="0" algn="ctr">
               <a:lnSpc>
                 <a:spcPct val="100000"/>
               </a:lnSpc>
@@ -5689,7 +5796,7 @@
               <a:buSzPts val="1300"/>
               <a:buFont typeface="Arial"/>
               <a:buNone/>
-              <a:defRPr b="0" i="0" sz="1300" u="none" cap="none" strike="noStrike">
+              <a:defRPr sz="1300" b="0" i="0" u="none" strike="noStrike" cap="none">
                 <a:solidFill>
                   <a:schemeClr val="accent1"/>
                 </a:solidFill>
@@ -5699,7 +5806,7 @@
                 <a:sym typeface="Raleway Thin"/>
               </a:defRPr>
             </a:lvl6pPr>
-            <a:lvl7pPr indent="0" lvl="6" marL="0" marR="0" algn="ctr">
+            <a:lvl7pPr marL="0" marR="0" lvl="6" indent="0" algn="ctr">
               <a:lnSpc>
                 <a:spcPct val="100000"/>
               </a:lnSpc>
@@ -5715,7 +5822,7 @@
               <a:buSzPts val="1300"/>
               <a:buFont typeface="Arial"/>
               <a:buNone/>
-              <a:defRPr b="0" i="0" sz="1300" u="none" cap="none" strike="noStrike">
+              <a:defRPr sz="1300" b="0" i="0" u="none" strike="noStrike" cap="none">
                 <a:solidFill>
                   <a:schemeClr val="accent1"/>
                 </a:solidFill>
@@ -5725,7 +5832,7 @@
                 <a:sym typeface="Raleway Thin"/>
               </a:defRPr>
             </a:lvl7pPr>
-            <a:lvl8pPr indent="0" lvl="7" marL="0" marR="0" algn="ctr">
+            <a:lvl8pPr marL="0" marR="0" lvl="7" indent="0" algn="ctr">
               <a:lnSpc>
                 <a:spcPct val="100000"/>
               </a:lnSpc>
@@ -5741,7 +5848,7 @@
               <a:buSzPts val="1300"/>
               <a:buFont typeface="Arial"/>
               <a:buNone/>
-              <a:defRPr b="0" i="0" sz="1300" u="none" cap="none" strike="noStrike">
+              <a:defRPr sz="1300" b="0" i="0" u="none" strike="noStrike" cap="none">
                 <a:solidFill>
                   <a:schemeClr val="accent1"/>
                 </a:solidFill>
@@ -5751,7 +5858,7 @@
                 <a:sym typeface="Raleway Thin"/>
               </a:defRPr>
             </a:lvl8pPr>
-            <a:lvl9pPr indent="0" lvl="8" marL="0" marR="0" algn="ctr">
+            <a:lvl9pPr marL="0" marR="0" lvl="8" indent="0" algn="ctr">
               <a:lnSpc>
                 <a:spcPct val="100000"/>
               </a:lnSpc>
@@ -5767,7 +5874,7 @@
               <a:buSzPts val="1300"/>
               <a:buFont typeface="Arial"/>
               <a:buNone/>
-              <a:defRPr b="0" i="0" sz="1300" u="none" cap="none" strike="noStrike">
+              <a:defRPr sz="1300" b="0" i="0" u="none" strike="noStrike" cap="none">
                 <a:solidFill>
                   <a:schemeClr val="accent1"/>
                 </a:solidFill>
@@ -5779,7 +5886,7 @@
             </a:lvl9pPr>
           </a:lstStyle>
           <a:p>
-            <a:pPr indent="0" lvl="0" marL="0" rtl="0" algn="ctr">
+            <a:pPr marL="0" lvl="0" indent="0" algn="ctr" rtl="0">
               <a:spcBef>
                 <a:spcPts val="0"/>
               </a:spcBef>
@@ -5805,11 +5912,11 @@
 </file>
 
 <file path=ppt/slideLayouts/slideLayout6.xml><?xml version="1.0" encoding="utf-8"?>
-<p:sldLayout xmlns:a="http://schemas.openxmlformats.org/drawingml/2006/main" xmlns:r="http://schemas.openxmlformats.org/officeDocument/2006/relationships" xmlns:mc="http://schemas.openxmlformats.org/markup-compatibility/2006" xmlns:mv="urn:schemas-microsoft-com:mac:vml" xmlns:p="http://schemas.openxmlformats.org/presentationml/2006/main" xmlns:c="http://schemas.openxmlformats.org/drawingml/2006/chart" xmlns:dgm="http://schemas.openxmlformats.org/drawingml/2006/diagram" xmlns:o="urn:schemas-microsoft-com:office:office" xmlns:v="urn:schemas-microsoft-com:vml" xmlns:pvml="urn:schemas-microsoft-com:office:powerpoint" xmlns:com="http://schemas.openxmlformats.org/drawingml/2006/compatibility" xmlns:p14="http://schemas.microsoft.com/office/powerpoint/2010/main" xmlns:p15="http://schemas.microsoft.com/office/powerpoint/2012/main" xmlns:ahyp="http://schemas.microsoft.com/office/drawing/2018/hyperlinkcolor" matchingName="Blank" type="blank">
+<p:sldLayout xmlns:a="http://schemas.openxmlformats.org/drawingml/2006/main" xmlns:r="http://schemas.openxmlformats.org/officeDocument/2006/relationships" xmlns:p="http://schemas.openxmlformats.org/presentationml/2006/main" matchingName="Blank" type="blank">
   <p:cSld name="BLANK">
     <p:spTree>
       <p:nvGrpSpPr>
-        <p:cNvPr id="34" name="Shape 34"/>
+        <p:cNvPr id="1" name="Shape 34"/>
         <p:cNvGrpSpPr/>
         <p:nvPr/>
       </p:nvGrpSpPr>
@@ -5824,9 +5931,11 @@
       <p:sp>
         <p:nvSpPr>
           <p:cNvPr id="35" name="Google Shape;35;p7"/>
-          <p:cNvSpPr txBox="1"/>
+          <p:cNvSpPr txBox="1">
+            <a:spLocks noGrp="1"/>
+          </p:cNvSpPr>
           <p:nvPr>
-            <p:ph idx="12" type="sldNum"/>
+            <p:ph type="sldNum" idx="12"/>
           </p:nvPr>
         </p:nvSpPr>
         <p:spPr>
@@ -5843,11 +5952,11 @@
           </a:ln>
         </p:spPr>
         <p:txBody>
-          <a:bodyPr anchorCtr="0" anchor="ctr" bIns="91425" lIns="91425" spcFirstLastPara="1" rIns="91425" wrap="square" tIns="91425">
+          <a:bodyPr spcFirstLastPara="1" wrap="square" lIns="91425" tIns="91425" rIns="91425" bIns="91425" anchor="ctr" anchorCtr="0">
             <a:noAutofit/>
           </a:bodyPr>
           <a:lstStyle>
-            <a:lvl1pPr indent="0" lvl="0" marL="0" marR="0" algn="ctr">
+            <a:lvl1pPr marL="0" marR="0" lvl="0" indent="0" algn="ctr">
               <a:lnSpc>
                 <a:spcPct val="100000"/>
               </a:lnSpc>
@@ -5863,7 +5972,7 @@
               <a:buSzPts val="1300"/>
               <a:buFont typeface="Arial"/>
               <a:buNone/>
-              <a:defRPr b="0" i="0" sz="1300" u="none" cap="none" strike="noStrike">
+              <a:defRPr sz="1300" b="0" i="0" u="none" strike="noStrike" cap="none">
                 <a:solidFill>
                   <a:schemeClr val="accent1"/>
                 </a:solidFill>
@@ -5873,7 +5982,7 @@
                 <a:sym typeface="Raleway Thin"/>
               </a:defRPr>
             </a:lvl1pPr>
-            <a:lvl2pPr indent="0" lvl="1" marL="0" marR="0" algn="ctr">
+            <a:lvl2pPr marL="0" marR="0" lvl="1" indent="0" algn="ctr">
               <a:lnSpc>
                 <a:spcPct val="100000"/>
               </a:lnSpc>
@@ -5889,7 +5998,7 @@
               <a:buSzPts val="1300"/>
               <a:buFont typeface="Arial"/>
               <a:buNone/>
-              <a:defRPr b="0" i="0" sz="1300" u="none" cap="none" strike="noStrike">
+              <a:defRPr sz="1300" b="0" i="0" u="none" strike="noStrike" cap="none">
                 <a:solidFill>
                   <a:schemeClr val="accent1"/>
                 </a:solidFill>
@@ -5899,7 +6008,7 @@
                 <a:sym typeface="Raleway Thin"/>
               </a:defRPr>
             </a:lvl2pPr>
-            <a:lvl3pPr indent="0" lvl="2" marL="0" marR="0" algn="ctr">
+            <a:lvl3pPr marL="0" marR="0" lvl="2" indent="0" algn="ctr">
               <a:lnSpc>
                 <a:spcPct val="100000"/>
               </a:lnSpc>
@@ -5915,7 +6024,7 @@
               <a:buSzPts val="1300"/>
               <a:buFont typeface="Arial"/>
               <a:buNone/>
-              <a:defRPr b="0" i="0" sz="1300" u="none" cap="none" strike="noStrike">
+              <a:defRPr sz="1300" b="0" i="0" u="none" strike="noStrike" cap="none">
                 <a:solidFill>
                   <a:schemeClr val="accent1"/>
                 </a:solidFill>
@@ -5925,7 +6034,7 @@
                 <a:sym typeface="Raleway Thin"/>
               </a:defRPr>
             </a:lvl3pPr>
-            <a:lvl4pPr indent="0" lvl="3" marL="0" marR="0" algn="ctr">
+            <a:lvl4pPr marL="0" marR="0" lvl="3" indent="0" algn="ctr">
               <a:lnSpc>
                 <a:spcPct val="100000"/>
               </a:lnSpc>
@@ -5941,7 +6050,7 @@
               <a:buSzPts val="1300"/>
               <a:buFont typeface="Arial"/>
               <a:buNone/>
-              <a:defRPr b="0" i="0" sz="1300" u="none" cap="none" strike="noStrike">
+              <a:defRPr sz="1300" b="0" i="0" u="none" strike="noStrike" cap="none">
                 <a:solidFill>
                   <a:schemeClr val="accent1"/>
                 </a:solidFill>
@@ -5951,7 +6060,7 @@
                 <a:sym typeface="Raleway Thin"/>
               </a:defRPr>
             </a:lvl4pPr>
-            <a:lvl5pPr indent="0" lvl="4" marL="0" marR="0" algn="ctr">
+            <a:lvl5pPr marL="0" marR="0" lvl="4" indent="0" algn="ctr">
               <a:lnSpc>
                 <a:spcPct val="100000"/>
               </a:lnSpc>
@@ -5967,7 +6076,7 @@
               <a:buSzPts val="1300"/>
               <a:buFont typeface="Arial"/>
               <a:buNone/>
-              <a:defRPr b="0" i="0" sz="1300" u="none" cap="none" strike="noStrike">
+              <a:defRPr sz="1300" b="0" i="0" u="none" strike="noStrike" cap="none">
                 <a:solidFill>
                   <a:schemeClr val="accent1"/>
                 </a:solidFill>
@@ -5977,7 +6086,7 @@
                 <a:sym typeface="Raleway Thin"/>
               </a:defRPr>
             </a:lvl5pPr>
-            <a:lvl6pPr indent="0" lvl="5" marL="0" marR="0" algn="ctr">
+            <a:lvl6pPr marL="0" marR="0" lvl="5" indent="0" algn="ctr">
               <a:lnSpc>
                 <a:spcPct val="100000"/>
               </a:lnSpc>
@@ -5993,7 +6102,7 @@
               <a:buSzPts val="1300"/>
               <a:buFont typeface="Arial"/>
               <a:buNone/>
-              <a:defRPr b="0" i="0" sz="1300" u="none" cap="none" strike="noStrike">
+              <a:defRPr sz="1300" b="0" i="0" u="none" strike="noStrike" cap="none">
                 <a:solidFill>
                   <a:schemeClr val="accent1"/>
                 </a:solidFill>
@@ -6003,7 +6112,7 @@
                 <a:sym typeface="Raleway Thin"/>
               </a:defRPr>
             </a:lvl6pPr>
-            <a:lvl7pPr indent="0" lvl="6" marL="0" marR="0" algn="ctr">
+            <a:lvl7pPr marL="0" marR="0" lvl="6" indent="0" algn="ctr">
               <a:lnSpc>
                 <a:spcPct val="100000"/>
               </a:lnSpc>
@@ -6019,7 +6128,7 @@
               <a:buSzPts val="1300"/>
               <a:buFont typeface="Arial"/>
               <a:buNone/>
-              <a:defRPr b="0" i="0" sz="1300" u="none" cap="none" strike="noStrike">
+              <a:defRPr sz="1300" b="0" i="0" u="none" strike="noStrike" cap="none">
                 <a:solidFill>
                   <a:schemeClr val="accent1"/>
                 </a:solidFill>
@@ -6029,7 +6138,7 @@
                 <a:sym typeface="Raleway Thin"/>
               </a:defRPr>
             </a:lvl7pPr>
-            <a:lvl8pPr indent="0" lvl="7" marL="0" marR="0" algn="ctr">
+            <a:lvl8pPr marL="0" marR="0" lvl="7" indent="0" algn="ctr">
               <a:lnSpc>
                 <a:spcPct val="100000"/>
               </a:lnSpc>
@@ -6045,7 +6154,7 @@
               <a:buSzPts val="1300"/>
               <a:buFont typeface="Arial"/>
               <a:buNone/>
-              <a:defRPr b="0" i="0" sz="1300" u="none" cap="none" strike="noStrike">
+              <a:defRPr sz="1300" b="0" i="0" u="none" strike="noStrike" cap="none">
                 <a:solidFill>
                   <a:schemeClr val="accent1"/>
                 </a:solidFill>
@@ -6055,7 +6164,7 @@
                 <a:sym typeface="Raleway Thin"/>
               </a:defRPr>
             </a:lvl8pPr>
-            <a:lvl9pPr indent="0" lvl="8" marL="0" marR="0" algn="ctr">
+            <a:lvl9pPr marL="0" marR="0" lvl="8" indent="0" algn="ctr">
               <a:lnSpc>
                 <a:spcPct val="100000"/>
               </a:lnSpc>
@@ -6071,7 +6180,7 @@
               <a:buSzPts val="1300"/>
               <a:buFont typeface="Arial"/>
               <a:buNone/>
-              <a:defRPr b="0" i="0" sz="1300" u="none" cap="none" strike="noStrike">
+              <a:defRPr sz="1300" b="0" i="0" u="none" strike="noStrike" cap="none">
                 <a:solidFill>
                   <a:schemeClr val="accent1"/>
                 </a:solidFill>
@@ -6083,7 +6192,7 @@
             </a:lvl9pPr>
           </a:lstStyle>
           <a:p>
-            <a:pPr indent="0" lvl="0" marL="0" rtl="0" algn="ctr">
+            <a:pPr marL="0" lvl="0" indent="0" algn="ctr" rtl="0">
               <a:spcBef>
                 <a:spcPts val="0"/>
               </a:spcBef>
@@ -6112,9 +6221,13 @@
             <a:ext cx="8362529" cy="4383746"/>
           </a:xfrm>
           <a:custGeom>
-            <a:rect b="b" l="l" r="r" t="t"/>
+            <a:avLst/>
+            <a:gdLst/>
+            <a:ahLst/>
+            <a:cxnLst/>
+            <a:rect l="l" t="t" r="r" b="b"/>
             <a:pathLst>
-              <a:path extrusionOk="0" fill="none" h="149667" w="285508">
+              <a:path w="285508" h="149667" fill="none" extrusionOk="0">
                 <a:moveTo>
                   <a:pt x="252882" y="0"/>
                 </a:moveTo>
@@ -6287,23 +6400,23 @@
             </a:pathLst>
           </a:custGeom>
           <a:noFill/>
-          <a:ln cap="flat" cmpd="sng" w="19050">
+          <a:ln w="19050" cap="flat" cmpd="sng">
             <a:solidFill>
               <a:schemeClr val="accent1"/>
             </a:solidFill>
             <a:prstDash val="dot"/>
             <a:round/>
-            <a:headEnd len="sm" w="sm" type="none"/>
-            <a:tailEnd len="sm" w="sm" type="none"/>
+            <a:headEnd type="none" w="sm" len="sm"/>
+            <a:tailEnd type="none" w="sm" len="sm"/>
           </a:ln>
         </p:spPr>
         <p:txBody>
-          <a:bodyPr anchorCtr="0" anchor="ctr" bIns="91425" lIns="91425" spcFirstLastPara="1" rIns="91425" wrap="square" tIns="91425">
+          <a:bodyPr spcFirstLastPara="1" wrap="square" lIns="91425" tIns="91425" rIns="91425" bIns="91425" anchor="ctr" anchorCtr="0">
             <a:noAutofit/>
           </a:bodyPr>
           <a:lstStyle/>
           <a:p>
-            <a:pPr indent="0" lvl="0" marL="0" marR="0" rtl="0" algn="l">
+            <a:pPr marL="0" marR="0" lvl="0" indent="0" algn="l" rtl="0">
               <a:lnSpc>
                 <a:spcPct val="100000"/>
               </a:lnSpc>
@@ -6320,10 +6433,7 @@
               <a:buFont typeface="Arial"/>
               <a:buNone/>
             </a:pPr>
-            <a:r>
-              <a:t/>
-            </a:r>
-            <a:endParaRPr b="0" i="0" sz="1400" u="none" cap="none" strike="noStrike">
+            <a:endParaRPr sz="1400" b="0" i="0" u="none" strike="noStrike" cap="none">
               <a:solidFill>
                 <a:srgbClr val="000000"/>
               </a:solidFill>
@@ -6344,18 +6454,19 @@
 </file>
 
 <file path=ppt/slideMasters/slideMaster1.xml><?xml version="1.0" encoding="utf-8"?>
-<p:sldMaster xmlns:a="http://schemas.openxmlformats.org/drawingml/2006/main" xmlns:r="http://schemas.openxmlformats.org/officeDocument/2006/relationships" xmlns:mc="http://schemas.openxmlformats.org/markup-compatibility/2006" xmlns:mv="urn:schemas-microsoft-com:mac:vml" xmlns:p="http://schemas.openxmlformats.org/presentationml/2006/main" xmlns:c="http://schemas.openxmlformats.org/drawingml/2006/chart" xmlns:dgm="http://schemas.openxmlformats.org/drawingml/2006/diagram" xmlns:o="urn:schemas-microsoft-com:office:office" xmlns:v="urn:schemas-microsoft-com:vml" xmlns:pvml="urn:schemas-microsoft-com:office:powerpoint" xmlns:com="http://schemas.openxmlformats.org/drawingml/2006/compatibility" xmlns:p14="http://schemas.microsoft.com/office/powerpoint/2010/main" xmlns:p15="http://schemas.microsoft.com/office/powerpoint/2012/main" xmlns:ahyp="http://schemas.microsoft.com/office/drawing/2018/hyperlinkcolor">
+<p:sldMaster xmlns:a="http://schemas.openxmlformats.org/drawingml/2006/main" xmlns:r="http://schemas.openxmlformats.org/officeDocument/2006/relationships" xmlns:p="http://schemas.openxmlformats.org/presentationml/2006/main">
   <p:cSld name="simple-light">
     <p:bg>
       <p:bgPr>
         <a:solidFill>
           <a:schemeClr val="lt1"/>
         </a:solidFill>
+        <a:effectLst/>
       </p:bgPr>
     </p:bg>
     <p:spTree>
       <p:nvGrpSpPr>
-        <p:cNvPr id="5" name="Shape 5"/>
+        <p:cNvPr id="1" name="Shape 5"/>
         <p:cNvGrpSpPr/>
         <p:nvPr/>
       </p:nvGrpSpPr>
@@ -6370,7 +6481,9 @@
       <p:sp>
         <p:nvSpPr>
           <p:cNvPr id="6" name="Google Shape;6;p1"/>
-          <p:cNvSpPr txBox="1"/>
+          <p:cNvSpPr txBox="1">
+            <a:spLocks noGrp="1"/>
+          </p:cNvSpPr>
           <p:nvPr>
             <p:ph type="title"/>
           </p:nvPr>
@@ -6389,11 +6502,11 @@
           </a:ln>
         </p:spPr>
         <p:txBody>
-          <a:bodyPr anchorCtr="0" anchor="t" bIns="91425" lIns="91425" spcFirstLastPara="1" rIns="91425" wrap="square" tIns="91425">
+          <a:bodyPr spcFirstLastPara="1" wrap="square" lIns="91425" tIns="91425" rIns="91425" bIns="91425" anchor="t" anchorCtr="0">
             <a:noAutofit/>
           </a:bodyPr>
           <a:lstStyle>
-            <a:lvl1pPr lvl="0" marR="0" rtl="0" algn="l">
+            <a:lvl1pPr marR="0" lvl="0" algn="l" rtl="0">
               <a:lnSpc>
                 <a:spcPct val="100000"/>
               </a:lnSpc>
@@ -6409,7 +6522,7 @@
               <a:buSzPts val="5800"/>
               <a:buFont typeface="Raleway Thin"/>
               <a:buNone/>
-              <a:defRPr b="0" i="0" sz="5800" u="none" cap="none" strike="noStrike">
+              <a:defRPr sz="5800" b="0" i="0" u="none" strike="noStrike" cap="none">
                 <a:solidFill>
                   <a:schemeClr val="dk1"/>
                 </a:solidFill>
@@ -6419,7 +6532,7 @@
                 <a:sym typeface="Raleway Thin"/>
               </a:defRPr>
             </a:lvl1pPr>
-            <a:lvl2pPr lvl="1" marR="0" rtl="0" algn="l">
+            <a:lvl2pPr marR="0" lvl="1" algn="l" rtl="0">
               <a:lnSpc>
                 <a:spcPct val="100000"/>
               </a:lnSpc>
@@ -6435,7 +6548,7 @@
               <a:buSzPts val="5800"/>
               <a:buFont typeface="Raleway Thin"/>
               <a:buNone/>
-              <a:defRPr b="0" i="0" sz="5800" u="none" cap="none" strike="noStrike">
+              <a:defRPr sz="5800" b="0" i="0" u="none" strike="noStrike" cap="none">
                 <a:solidFill>
                   <a:schemeClr val="dk1"/>
                 </a:solidFill>
@@ -6445,7 +6558,7 @@
                 <a:sym typeface="Raleway Thin"/>
               </a:defRPr>
             </a:lvl2pPr>
-            <a:lvl3pPr lvl="2" marR="0" rtl="0" algn="l">
+            <a:lvl3pPr marR="0" lvl="2" algn="l" rtl="0">
               <a:lnSpc>
                 <a:spcPct val="100000"/>
               </a:lnSpc>
@@ -6461,7 +6574,7 @@
               <a:buSzPts val="5800"/>
               <a:buFont typeface="Raleway Thin"/>
               <a:buNone/>
-              <a:defRPr b="0" i="0" sz="5800" u="none" cap="none" strike="noStrike">
+              <a:defRPr sz="5800" b="0" i="0" u="none" strike="noStrike" cap="none">
                 <a:solidFill>
                   <a:schemeClr val="dk1"/>
                 </a:solidFill>
@@ -6471,7 +6584,7 @@
                 <a:sym typeface="Raleway Thin"/>
               </a:defRPr>
             </a:lvl3pPr>
-            <a:lvl4pPr lvl="3" marR="0" rtl="0" algn="l">
+            <a:lvl4pPr marR="0" lvl="3" algn="l" rtl="0">
               <a:lnSpc>
                 <a:spcPct val="100000"/>
               </a:lnSpc>
@@ -6487,7 +6600,7 @@
               <a:buSzPts val="5800"/>
               <a:buFont typeface="Raleway Thin"/>
               <a:buNone/>
-              <a:defRPr b="0" i="0" sz="5800" u="none" cap="none" strike="noStrike">
+              <a:defRPr sz="5800" b="0" i="0" u="none" strike="noStrike" cap="none">
                 <a:solidFill>
                   <a:schemeClr val="dk1"/>
                 </a:solidFill>
@@ -6497,7 +6610,7 @@
                 <a:sym typeface="Raleway Thin"/>
               </a:defRPr>
             </a:lvl4pPr>
-            <a:lvl5pPr lvl="4" marR="0" rtl="0" algn="l">
+            <a:lvl5pPr marR="0" lvl="4" algn="l" rtl="0">
               <a:lnSpc>
                 <a:spcPct val="100000"/>
               </a:lnSpc>
@@ -6513,7 +6626,7 @@
               <a:buSzPts val="5800"/>
               <a:buFont typeface="Raleway Thin"/>
               <a:buNone/>
-              <a:defRPr b="0" i="0" sz="5800" u="none" cap="none" strike="noStrike">
+              <a:defRPr sz="5800" b="0" i="0" u="none" strike="noStrike" cap="none">
                 <a:solidFill>
                   <a:schemeClr val="dk1"/>
                 </a:solidFill>
@@ -6523,7 +6636,7 @@
                 <a:sym typeface="Raleway Thin"/>
               </a:defRPr>
             </a:lvl5pPr>
-            <a:lvl6pPr lvl="5" marR="0" rtl="0" algn="l">
+            <a:lvl6pPr marR="0" lvl="5" algn="l" rtl="0">
               <a:lnSpc>
                 <a:spcPct val="100000"/>
               </a:lnSpc>
@@ -6539,7 +6652,7 @@
               <a:buSzPts val="5800"/>
               <a:buFont typeface="Raleway Thin"/>
               <a:buNone/>
-              <a:defRPr b="0" i="0" sz="5800" u="none" cap="none" strike="noStrike">
+              <a:defRPr sz="5800" b="0" i="0" u="none" strike="noStrike" cap="none">
                 <a:solidFill>
                   <a:schemeClr val="dk1"/>
                 </a:solidFill>
@@ -6549,7 +6662,7 @@
                 <a:sym typeface="Raleway Thin"/>
               </a:defRPr>
             </a:lvl6pPr>
-            <a:lvl7pPr lvl="6" marR="0" rtl="0" algn="l">
+            <a:lvl7pPr marR="0" lvl="6" algn="l" rtl="0">
               <a:lnSpc>
                 <a:spcPct val="100000"/>
               </a:lnSpc>
@@ -6565,7 +6678,7 @@
               <a:buSzPts val="5800"/>
               <a:buFont typeface="Raleway Thin"/>
               <a:buNone/>
-              <a:defRPr b="0" i="0" sz="5800" u="none" cap="none" strike="noStrike">
+              <a:defRPr sz="5800" b="0" i="0" u="none" strike="noStrike" cap="none">
                 <a:solidFill>
                   <a:schemeClr val="dk1"/>
                 </a:solidFill>
@@ -6575,7 +6688,7 @@
                 <a:sym typeface="Raleway Thin"/>
               </a:defRPr>
             </a:lvl7pPr>
-            <a:lvl8pPr lvl="7" marR="0" rtl="0" algn="l">
+            <a:lvl8pPr marR="0" lvl="7" algn="l" rtl="0">
               <a:lnSpc>
                 <a:spcPct val="100000"/>
               </a:lnSpc>
@@ -6591,7 +6704,7 @@
               <a:buSzPts val="5800"/>
               <a:buFont typeface="Raleway Thin"/>
               <a:buNone/>
-              <a:defRPr b="0" i="0" sz="5800" u="none" cap="none" strike="noStrike">
+              <a:defRPr sz="5800" b="0" i="0" u="none" strike="noStrike" cap="none">
                 <a:solidFill>
                   <a:schemeClr val="dk1"/>
                 </a:solidFill>
@@ -6601,7 +6714,7 @@
                 <a:sym typeface="Raleway Thin"/>
               </a:defRPr>
             </a:lvl8pPr>
-            <a:lvl9pPr lvl="8" marR="0" rtl="0" algn="l">
+            <a:lvl9pPr marR="0" lvl="8" algn="l" rtl="0">
               <a:lnSpc>
                 <a:spcPct val="100000"/>
               </a:lnSpc>
@@ -6617,7 +6730,7 @@
               <a:buSzPts val="5800"/>
               <a:buFont typeface="Raleway Thin"/>
               <a:buNone/>
-              <a:defRPr b="0" i="0" sz="5800" u="none" cap="none" strike="noStrike">
+              <a:defRPr sz="5800" b="0" i="0" u="none" strike="noStrike" cap="none">
                 <a:solidFill>
                   <a:schemeClr val="dk1"/>
                 </a:solidFill>
@@ -6628,15 +6741,19 @@
               </a:defRPr>
             </a:lvl9pPr>
           </a:lstStyle>
-          <a:p/>
+          <a:p>
+            <a:endParaRPr/>
+          </a:p>
         </p:txBody>
       </p:sp>
       <p:sp>
         <p:nvSpPr>
           <p:cNvPr id="7" name="Google Shape;7;p1"/>
-          <p:cNvSpPr txBox="1"/>
+          <p:cNvSpPr txBox="1">
+            <a:spLocks noGrp="1"/>
+          </p:cNvSpPr>
           <p:nvPr>
-            <p:ph idx="1" type="body"/>
+            <p:ph type="body" idx="1"/>
           </p:nvPr>
         </p:nvSpPr>
         <p:spPr>
@@ -6653,11 +6770,11 @@
           </a:ln>
         </p:spPr>
         <p:txBody>
-          <a:bodyPr anchorCtr="0" anchor="t" bIns="91425" lIns="91425" spcFirstLastPara="1" rIns="91425" wrap="square" tIns="91425">
+          <a:bodyPr spcFirstLastPara="1" wrap="square" lIns="91425" tIns="91425" rIns="91425" bIns="91425" anchor="t" anchorCtr="0">
             <a:noAutofit/>
           </a:bodyPr>
           <a:lstStyle>
-            <a:lvl1pPr indent="-342900" lvl="0" marL="457200" marR="0" rtl="0" algn="l">
+            <a:lvl1pPr marL="457200" marR="0" lvl="0" indent="-342900" algn="l" rtl="0">
               <a:lnSpc>
                 <a:spcPct val="100000"/>
               </a:lnSpc>
@@ -6673,7 +6790,7 @@
               <a:buSzPts val="1800"/>
               <a:buFont typeface="Raleway Thin"/>
               <a:buChar char="●"/>
-              <a:defRPr b="0" i="0" sz="1800" u="none" cap="none" strike="noStrike">
+              <a:defRPr sz="1800" b="0" i="0" u="none" strike="noStrike" cap="none">
                 <a:solidFill>
                   <a:schemeClr val="dk2"/>
                 </a:solidFill>
@@ -6683,7 +6800,7 @@
                 <a:sym typeface="Raleway Thin"/>
               </a:defRPr>
             </a:lvl1pPr>
-            <a:lvl2pPr indent="-342900" lvl="1" marL="914400" marR="0" rtl="0" algn="l">
+            <a:lvl2pPr marL="914400" marR="0" lvl="1" indent="-342900" algn="l" rtl="0">
               <a:lnSpc>
                 <a:spcPct val="100000"/>
               </a:lnSpc>
@@ -6699,7 +6816,7 @@
               <a:buSzPts val="1800"/>
               <a:buFont typeface="Raleway Thin"/>
               <a:buChar char="○"/>
-              <a:defRPr b="0" i="0" sz="1800" u="none" cap="none" strike="noStrike">
+              <a:defRPr sz="1800" b="0" i="0" u="none" strike="noStrike" cap="none">
                 <a:solidFill>
                   <a:schemeClr val="dk2"/>
                 </a:solidFill>
@@ -6709,7 +6826,7 @@
                 <a:sym typeface="Raleway Thin"/>
               </a:defRPr>
             </a:lvl2pPr>
-            <a:lvl3pPr indent="-342900" lvl="2" marL="1371600" marR="0" rtl="0" algn="l">
+            <a:lvl3pPr marL="1371600" marR="0" lvl="2" indent="-342900" algn="l" rtl="0">
               <a:lnSpc>
                 <a:spcPct val="100000"/>
               </a:lnSpc>
@@ -6725,7 +6842,7 @@
               <a:buSzPts val="1800"/>
               <a:buFont typeface="Raleway Thin"/>
               <a:buChar char="■"/>
-              <a:defRPr b="0" i="0" sz="1800" u="none" cap="none" strike="noStrike">
+              <a:defRPr sz="1800" b="0" i="0" u="none" strike="noStrike" cap="none">
                 <a:solidFill>
                   <a:schemeClr val="dk2"/>
                 </a:solidFill>
@@ -6735,7 +6852,7 @@
                 <a:sym typeface="Raleway Thin"/>
               </a:defRPr>
             </a:lvl3pPr>
-            <a:lvl4pPr indent="-342900" lvl="3" marL="1828800" marR="0" rtl="0" algn="l">
+            <a:lvl4pPr marL="1828800" marR="0" lvl="3" indent="-342900" algn="l" rtl="0">
               <a:lnSpc>
                 <a:spcPct val="100000"/>
               </a:lnSpc>
@@ -6751,7 +6868,7 @@
               <a:buSzPts val="1800"/>
               <a:buFont typeface="Raleway Thin"/>
               <a:buChar char="●"/>
-              <a:defRPr b="0" i="0" sz="1800" u="none" cap="none" strike="noStrike">
+              <a:defRPr sz="1800" b="0" i="0" u="none" strike="noStrike" cap="none">
                 <a:solidFill>
                   <a:schemeClr val="dk2"/>
                 </a:solidFill>
@@ -6761,7 +6878,7 @@
                 <a:sym typeface="Raleway Thin"/>
               </a:defRPr>
             </a:lvl4pPr>
-            <a:lvl5pPr indent="-342900" lvl="4" marL="2286000" marR="0" rtl="0" algn="l">
+            <a:lvl5pPr marL="2286000" marR="0" lvl="4" indent="-342900" algn="l" rtl="0">
               <a:lnSpc>
                 <a:spcPct val="100000"/>
               </a:lnSpc>
@@ -6777,7 +6894,7 @@
               <a:buSzPts val="1800"/>
               <a:buFont typeface="Raleway Thin"/>
               <a:buChar char="○"/>
-              <a:defRPr b="0" i="0" sz="1800" u="none" cap="none" strike="noStrike">
+              <a:defRPr sz="1800" b="0" i="0" u="none" strike="noStrike" cap="none">
                 <a:solidFill>
                   <a:schemeClr val="dk2"/>
                 </a:solidFill>
@@ -6787,7 +6904,7 @@
                 <a:sym typeface="Raleway Thin"/>
               </a:defRPr>
             </a:lvl5pPr>
-            <a:lvl6pPr indent="-342900" lvl="5" marL="2743200" marR="0" rtl="0" algn="l">
+            <a:lvl6pPr marL="2743200" marR="0" lvl="5" indent="-342900" algn="l" rtl="0">
               <a:lnSpc>
                 <a:spcPct val="100000"/>
               </a:lnSpc>
@@ -6803,7 +6920,7 @@
               <a:buSzPts val="1800"/>
               <a:buFont typeface="Raleway Thin"/>
               <a:buChar char="■"/>
-              <a:defRPr b="0" i="0" sz="1800" u="none" cap="none" strike="noStrike">
+              <a:defRPr sz="1800" b="0" i="0" u="none" strike="noStrike" cap="none">
                 <a:solidFill>
                   <a:schemeClr val="dk2"/>
                 </a:solidFill>
@@ -6813,7 +6930,7 @@
                 <a:sym typeface="Raleway Thin"/>
               </a:defRPr>
             </a:lvl6pPr>
-            <a:lvl7pPr indent="-342900" lvl="6" marL="3200400" marR="0" rtl="0" algn="l">
+            <a:lvl7pPr marL="3200400" marR="0" lvl="6" indent="-342900" algn="l" rtl="0">
               <a:lnSpc>
                 <a:spcPct val="100000"/>
               </a:lnSpc>
@@ -6829,7 +6946,7 @@
               <a:buSzPts val="1800"/>
               <a:buFont typeface="Raleway Thin"/>
               <a:buChar char="●"/>
-              <a:defRPr b="0" i="0" sz="1800" u="none" cap="none" strike="noStrike">
+              <a:defRPr sz="1800" b="0" i="0" u="none" strike="noStrike" cap="none">
                 <a:solidFill>
                   <a:schemeClr val="dk2"/>
                 </a:solidFill>
@@ -6839,7 +6956,7 @@
                 <a:sym typeface="Raleway Thin"/>
               </a:defRPr>
             </a:lvl7pPr>
-            <a:lvl8pPr indent="-342900" lvl="7" marL="3657600" marR="0" rtl="0" algn="l">
+            <a:lvl8pPr marL="3657600" marR="0" lvl="7" indent="-342900" algn="l" rtl="0">
               <a:lnSpc>
                 <a:spcPct val="100000"/>
               </a:lnSpc>
@@ -6855,7 +6972,7 @@
               <a:buSzPts val="1800"/>
               <a:buFont typeface="Raleway Thin"/>
               <a:buChar char="○"/>
-              <a:defRPr b="0" i="0" sz="1800" u="none" cap="none" strike="noStrike">
+              <a:defRPr sz="1800" b="0" i="0" u="none" strike="noStrike" cap="none">
                 <a:solidFill>
                   <a:schemeClr val="dk2"/>
                 </a:solidFill>
@@ -6865,7 +6982,7 @@
                 <a:sym typeface="Raleway Thin"/>
               </a:defRPr>
             </a:lvl8pPr>
-            <a:lvl9pPr indent="-342900" lvl="8" marL="4114800" marR="0" rtl="0" algn="l">
+            <a:lvl9pPr marL="4114800" marR="0" lvl="8" indent="-342900" algn="l" rtl="0">
               <a:lnSpc>
                 <a:spcPct val="100000"/>
               </a:lnSpc>
@@ -6881,7 +6998,7 @@
               <a:buSzPts val="1800"/>
               <a:buFont typeface="Raleway Thin"/>
               <a:buChar char="■"/>
-              <a:defRPr b="0" i="0" sz="1800" u="none" cap="none" strike="noStrike">
+              <a:defRPr sz="1800" b="0" i="0" u="none" strike="noStrike" cap="none">
                 <a:solidFill>
                   <a:schemeClr val="dk2"/>
                 </a:solidFill>
@@ -6892,15 +7009,19 @@
               </a:defRPr>
             </a:lvl9pPr>
           </a:lstStyle>
-          <a:p/>
+          <a:p>
+            <a:endParaRPr/>
+          </a:p>
         </p:txBody>
       </p:sp>
       <p:sp>
         <p:nvSpPr>
           <p:cNvPr id="8" name="Google Shape;8;p1"/>
-          <p:cNvSpPr txBox="1"/>
+          <p:cNvSpPr txBox="1">
+            <a:spLocks noGrp="1"/>
+          </p:cNvSpPr>
           <p:nvPr>
-            <p:ph idx="12" type="sldNum"/>
+            <p:ph type="sldNum" idx="12"/>
           </p:nvPr>
         </p:nvSpPr>
         <p:spPr>
@@ -6917,11 +7038,11 @@
           </a:ln>
         </p:spPr>
         <p:txBody>
-          <a:bodyPr anchorCtr="0" anchor="ctr" bIns="91425" lIns="91425" spcFirstLastPara="1" rIns="91425" wrap="square" tIns="91425">
+          <a:bodyPr spcFirstLastPara="1" wrap="square" lIns="91425" tIns="91425" rIns="91425" bIns="91425" anchor="ctr" anchorCtr="0">
             <a:noAutofit/>
           </a:bodyPr>
           <a:lstStyle>
-            <a:lvl1pPr indent="0" lvl="0" marL="0" marR="0" rtl="0" algn="ctr">
+            <a:lvl1pPr marL="0" marR="0" lvl="0" indent="0" algn="ctr" rtl="0">
               <a:lnSpc>
                 <a:spcPct val="100000"/>
               </a:lnSpc>
@@ -6937,7 +7058,7 @@
               <a:buSzPts val="1300"/>
               <a:buFont typeface="Arial"/>
               <a:buNone/>
-              <a:defRPr b="0" i="0" sz="1300" u="none" cap="none" strike="noStrike">
+              <a:defRPr sz="1300" b="0" i="0" u="none" strike="noStrike" cap="none">
                 <a:solidFill>
                   <a:schemeClr val="accent1"/>
                 </a:solidFill>
@@ -6947,7 +7068,7 @@
                 <a:sym typeface="Raleway Thin"/>
               </a:defRPr>
             </a:lvl1pPr>
-            <a:lvl2pPr indent="0" lvl="1" marL="0" marR="0" rtl="0" algn="ctr">
+            <a:lvl2pPr marL="0" marR="0" lvl="1" indent="0" algn="ctr" rtl="0">
               <a:lnSpc>
                 <a:spcPct val="100000"/>
               </a:lnSpc>
@@ -6963,7 +7084,7 @@
               <a:buSzPts val="1300"/>
               <a:buFont typeface="Arial"/>
               <a:buNone/>
-              <a:defRPr b="0" i="0" sz="1300" u="none" cap="none" strike="noStrike">
+              <a:defRPr sz="1300" b="0" i="0" u="none" strike="noStrike" cap="none">
                 <a:solidFill>
                   <a:schemeClr val="accent1"/>
                 </a:solidFill>
@@ -6973,7 +7094,7 @@
                 <a:sym typeface="Raleway Thin"/>
               </a:defRPr>
             </a:lvl2pPr>
-            <a:lvl3pPr indent="0" lvl="2" marL="0" marR="0" rtl="0" algn="ctr">
+            <a:lvl3pPr marL="0" marR="0" lvl="2" indent="0" algn="ctr" rtl="0">
               <a:lnSpc>
                 <a:spcPct val="100000"/>
               </a:lnSpc>
@@ -6989,7 +7110,7 @@
               <a:buSzPts val="1300"/>
               <a:buFont typeface="Arial"/>
               <a:buNone/>
-              <a:defRPr b="0" i="0" sz="1300" u="none" cap="none" strike="noStrike">
+              <a:defRPr sz="1300" b="0" i="0" u="none" strike="noStrike" cap="none">
                 <a:solidFill>
                   <a:schemeClr val="accent1"/>
                 </a:solidFill>
@@ -6999,7 +7120,7 @@
                 <a:sym typeface="Raleway Thin"/>
               </a:defRPr>
             </a:lvl3pPr>
-            <a:lvl4pPr indent="0" lvl="3" marL="0" marR="0" rtl="0" algn="ctr">
+            <a:lvl4pPr marL="0" marR="0" lvl="3" indent="0" algn="ctr" rtl="0">
               <a:lnSpc>
                 <a:spcPct val="100000"/>
               </a:lnSpc>
@@ -7015,7 +7136,7 @@
               <a:buSzPts val="1300"/>
               <a:buFont typeface="Arial"/>
               <a:buNone/>
-              <a:defRPr b="0" i="0" sz="1300" u="none" cap="none" strike="noStrike">
+              <a:defRPr sz="1300" b="0" i="0" u="none" strike="noStrike" cap="none">
                 <a:solidFill>
                   <a:schemeClr val="accent1"/>
                 </a:solidFill>
@@ -7025,7 +7146,7 @@
                 <a:sym typeface="Raleway Thin"/>
               </a:defRPr>
             </a:lvl4pPr>
-            <a:lvl5pPr indent="0" lvl="4" marL="0" marR="0" rtl="0" algn="ctr">
+            <a:lvl5pPr marL="0" marR="0" lvl="4" indent="0" algn="ctr" rtl="0">
               <a:lnSpc>
                 <a:spcPct val="100000"/>
               </a:lnSpc>
@@ -7041,7 +7162,7 @@
               <a:buSzPts val="1300"/>
               <a:buFont typeface="Arial"/>
               <a:buNone/>
-              <a:defRPr b="0" i="0" sz="1300" u="none" cap="none" strike="noStrike">
+              <a:defRPr sz="1300" b="0" i="0" u="none" strike="noStrike" cap="none">
                 <a:solidFill>
                   <a:schemeClr val="accent1"/>
                 </a:solidFill>
@@ -7051,7 +7172,7 @@
                 <a:sym typeface="Raleway Thin"/>
               </a:defRPr>
             </a:lvl5pPr>
-            <a:lvl6pPr indent="0" lvl="5" marL="0" marR="0" rtl="0" algn="ctr">
+            <a:lvl6pPr marL="0" marR="0" lvl="5" indent="0" algn="ctr" rtl="0">
               <a:lnSpc>
                 <a:spcPct val="100000"/>
               </a:lnSpc>
@@ -7067,7 +7188,7 @@
               <a:buSzPts val="1300"/>
               <a:buFont typeface="Arial"/>
               <a:buNone/>
-              <a:defRPr b="0" i="0" sz="1300" u="none" cap="none" strike="noStrike">
+              <a:defRPr sz="1300" b="0" i="0" u="none" strike="noStrike" cap="none">
                 <a:solidFill>
                   <a:schemeClr val="accent1"/>
                 </a:solidFill>
@@ -7077,7 +7198,7 @@
                 <a:sym typeface="Raleway Thin"/>
               </a:defRPr>
             </a:lvl6pPr>
-            <a:lvl7pPr indent="0" lvl="6" marL="0" marR="0" rtl="0" algn="ctr">
+            <a:lvl7pPr marL="0" marR="0" lvl="6" indent="0" algn="ctr" rtl="0">
               <a:lnSpc>
                 <a:spcPct val="100000"/>
               </a:lnSpc>
@@ -7093,7 +7214,7 @@
               <a:buSzPts val="1300"/>
               <a:buFont typeface="Arial"/>
               <a:buNone/>
-              <a:defRPr b="0" i="0" sz="1300" u="none" cap="none" strike="noStrike">
+              <a:defRPr sz="1300" b="0" i="0" u="none" strike="noStrike" cap="none">
                 <a:solidFill>
                   <a:schemeClr val="accent1"/>
                 </a:solidFill>
@@ -7103,7 +7224,7 @@
                 <a:sym typeface="Raleway Thin"/>
               </a:defRPr>
             </a:lvl7pPr>
-            <a:lvl8pPr indent="0" lvl="7" marL="0" marR="0" rtl="0" algn="ctr">
+            <a:lvl8pPr marL="0" marR="0" lvl="7" indent="0" algn="ctr" rtl="0">
               <a:lnSpc>
                 <a:spcPct val="100000"/>
               </a:lnSpc>
@@ -7119,7 +7240,7 @@
               <a:buSzPts val="1300"/>
               <a:buFont typeface="Arial"/>
               <a:buNone/>
-              <a:defRPr b="0" i="0" sz="1300" u="none" cap="none" strike="noStrike">
+              <a:defRPr sz="1300" b="0" i="0" u="none" strike="noStrike" cap="none">
                 <a:solidFill>
                   <a:schemeClr val="accent1"/>
                 </a:solidFill>
@@ -7129,7 +7250,7 @@
                 <a:sym typeface="Raleway Thin"/>
               </a:defRPr>
             </a:lvl8pPr>
-            <a:lvl9pPr indent="0" lvl="8" marL="0" marR="0" rtl="0" algn="ctr">
+            <a:lvl9pPr marL="0" marR="0" lvl="8" indent="0" algn="ctr" rtl="0">
               <a:lnSpc>
                 <a:spcPct val="100000"/>
               </a:lnSpc>
@@ -7145,7 +7266,7 @@
               <a:buSzPts val="1300"/>
               <a:buFont typeface="Arial"/>
               <a:buNone/>
-              <a:defRPr b="0" i="0" sz="1300" u="none" cap="none" strike="noStrike">
+              <a:defRPr sz="1300" b="0" i="0" u="none" strike="noStrike" cap="none">
                 <a:solidFill>
                   <a:schemeClr val="accent1"/>
                 </a:solidFill>
@@ -7157,7 +7278,7 @@
             </a:lvl9pPr>
           </a:lstStyle>
           <a:p>
-            <a:pPr indent="0" lvl="0" marL="0" rtl="0" algn="ctr">
+            <a:pPr marL="0" lvl="0" indent="0" algn="ctr" rtl="0">
               <a:spcBef>
                 <a:spcPts val="0"/>
               </a:spcBef>
@@ -7176,7 +7297,7 @@
       </p:sp>
     </p:spTree>
   </p:cSld>
-  <p:clrMap accent1="accent1" accent2="accent2" accent3="accent3" accent4="accent4" accent5="accent5" accent6="accent6" bg1="lt1" bg2="dk2" tx1="dk1" tx2="lt2" folHlink="folHlink" hlink="hlink"/>
+  <p:clrMap bg1="lt1" tx1="dk1" bg2="dk2" tx2="lt2" accent1="accent1" accent2="accent2" accent3="accent3" accent4="accent4" accent5="accent5" accent6="accent6" hlink="hlink" folHlink="folHlink"/>
   <p:sldLayoutIdLst>
     <p:sldLayoutId id="2147483648" r:id="rId1"/>
     <p:sldLayoutId id="2147483649" r:id="rId2"/>
@@ -7188,10 +7309,10 @@
   <p:transition>
     <p:fade thruBlk="1"/>
   </p:transition>
-  <p:hf dt="0" ftr="0" hdr="0"/>
+  <p:hf hdr="0" ftr="0" dt="0"/>
   <p:txStyles>
     <p:titleStyle>
-      <a:defPPr lvl="0" marR="0" rtl="0" algn="l">
+      <a:defPPr marR="0" lvl="0" algn="l" rtl="0">
         <a:lnSpc>
           <a:spcPct val="100000"/>
         </a:lnSpc>
@@ -7202,7 +7323,7 @@
           <a:spcPts val="0"/>
         </a:spcAft>
       </a:defPPr>
-      <a:lvl1pPr lvl="0" marR="0" rtl="0" algn="l">
+      <a:lvl1pPr marR="0" lvl="0" algn="l" rtl="0">
         <a:lnSpc>
           <a:spcPct val="100000"/>
         </a:lnSpc>
@@ -7216,7 +7337,7 @@
           <a:srgbClr val="000000"/>
         </a:buClr>
         <a:buFont typeface="Arial"/>
-        <a:defRPr b="0" i="0" sz="1400" u="none" cap="none" strike="noStrike">
+        <a:defRPr sz="1400" b="0" i="0" u="none" strike="noStrike" cap="none">
           <a:solidFill>
             <a:srgbClr val="000000"/>
           </a:solidFill>
@@ -7226,7 +7347,7 @@
           <a:sym typeface="Arial"/>
         </a:defRPr>
       </a:lvl1pPr>
-      <a:lvl2pPr lvl="1" marR="0" rtl="0" algn="l">
+      <a:lvl2pPr marR="0" lvl="1" algn="l" rtl="0">
         <a:lnSpc>
           <a:spcPct val="100000"/>
         </a:lnSpc>
@@ -7240,7 +7361,7 @@
           <a:srgbClr val="000000"/>
         </a:buClr>
         <a:buFont typeface="Arial"/>
-        <a:defRPr b="0" i="0" sz="1400" u="none" cap="none" strike="noStrike">
+        <a:defRPr sz="1400" b="0" i="0" u="none" strike="noStrike" cap="none">
           <a:solidFill>
             <a:srgbClr val="000000"/>
           </a:solidFill>
@@ -7250,7 +7371,7 @@
           <a:sym typeface="Arial"/>
         </a:defRPr>
       </a:lvl2pPr>
-      <a:lvl3pPr lvl="2" marR="0" rtl="0" algn="l">
+      <a:lvl3pPr marR="0" lvl="2" algn="l" rtl="0">
         <a:lnSpc>
           <a:spcPct val="100000"/>
         </a:lnSpc>
@@ -7264,7 +7385,7 @@
           <a:srgbClr val="000000"/>
         </a:buClr>
         <a:buFont typeface="Arial"/>
-        <a:defRPr b="0" i="0" sz="1400" u="none" cap="none" strike="noStrike">
+        <a:defRPr sz="1400" b="0" i="0" u="none" strike="noStrike" cap="none">
           <a:solidFill>
             <a:srgbClr val="000000"/>
           </a:solidFill>
@@ -7274,7 +7395,7 @@
           <a:sym typeface="Arial"/>
         </a:defRPr>
       </a:lvl3pPr>
-      <a:lvl4pPr lvl="3" marR="0" rtl="0" algn="l">
+      <a:lvl4pPr marR="0" lvl="3" algn="l" rtl="0">
         <a:lnSpc>
           <a:spcPct val="100000"/>
         </a:lnSpc>
@@ -7288,7 +7409,7 @@
           <a:srgbClr val="000000"/>
         </a:buClr>
         <a:buFont typeface="Arial"/>
-        <a:defRPr b="0" i="0" sz="1400" u="none" cap="none" strike="noStrike">
+        <a:defRPr sz="1400" b="0" i="0" u="none" strike="noStrike" cap="none">
           <a:solidFill>
             <a:srgbClr val="000000"/>
           </a:solidFill>
@@ -7298,7 +7419,7 @@
           <a:sym typeface="Arial"/>
         </a:defRPr>
       </a:lvl4pPr>
-      <a:lvl5pPr lvl="4" marR="0" rtl="0" algn="l">
+      <a:lvl5pPr marR="0" lvl="4" algn="l" rtl="0">
         <a:lnSpc>
           <a:spcPct val="100000"/>
         </a:lnSpc>
@@ -7312,7 +7433,7 @@
           <a:srgbClr val="000000"/>
         </a:buClr>
         <a:buFont typeface="Arial"/>
-        <a:defRPr b="0" i="0" sz="1400" u="none" cap="none" strike="noStrike">
+        <a:defRPr sz="1400" b="0" i="0" u="none" strike="noStrike" cap="none">
           <a:solidFill>
             <a:srgbClr val="000000"/>
           </a:solidFill>
@@ -7322,7 +7443,7 @@
           <a:sym typeface="Arial"/>
         </a:defRPr>
       </a:lvl5pPr>
-      <a:lvl6pPr lvl="5" marR="0" rtl="0" algn="l">
+      <a:lvl6pPr marR="0" lvl="5" algn="l" rtl="0">
         <a:lnSpc>
           <a:spcPct val="100000"/>
         </a:lnSpc>
@@ -7336,7 +7457,7 @@
           <a:srgbClr val="000000"/>
         </a:buClr>
         <a:buFont typeface="Arial"/>
-        <a:defRPr b="0" i="0" sz="1400" u="none" cap="none" strike="noStrike">
+        <a:defRPr sz="1400" b="0" i="0" u="none" strike="noStrike" cap="none">
           <a:solidFill>
             <a:srgbClr val="000000"/>
           </a:solidFill>
@@ -7346,7 +7467,7 @@
           <a:sym typeface="Arial"/>
         </a:defRPr>
       </a:lvl6pPr>
-      <a:lvl7pPr lvl="6" marR="0" rtl="0" algn="l">
+      <a:lvl7pPr marR="0" lvl="6" algn="l" rtl="0">
         <a:lnSpc>
           <a:spcPct val="100000"/>
         </a:lnSpc>
@@ -7360,7 +7481,7 @@
           <a:srgbClr val="000000"/>
         </a:buClr>
         <a:buFont typeface="Arial"/>
-        <a:defRPr b="0" i="0" sz="1400" u="none" cap="none" strike="noStrike">
+        <a:defRPr sz="1400" b="0" i="0" u="none" strike="noStrike" cap="none">
           <a:solidFill>
             <a:srgbClr val="000000"/>
           </a:solidFill>
@@ -7370,7 +7491,7 @@
           <a:sym typeface="Arial"/>
         </a:defRPr>
       </a:lvl7pPr>
-      <a:lvl8pPr lvl="7" marR="0" rtl="0" algn="l">
+      <a:lvl8pPr marR="0" lvl="7" algn="l" rtl="0">
         <a:lnSpc>
           <a:spcPct val="100000"/>
         </a:lnSpc>
@@ -7384,7 +7505,7 @@
           <a:srgbClr val="000000"/>
         </a:buClr>
         <a:buFont typeface="Arial"/>
-        <a:defRPr b="0" i="0" sz="1400" u="none" cap="none" strike="noStrike">
+        <a:defRPr sz="1400" b="0" i="0" u="none" strike="noStrike" cap="none">
           <a:solidFill>
             <a:srgbClr val="000000"/>
           </a:solidFill>
@@ -7394,7 +7515,7 @@
           <a:sym typeface="Arial"/>
         </a:defRPr>
       </a:lvl8pPr>
-      <a:lvl9pPr lvl="8" marR="0" rtl="0" algn="l">
+      <a:lvl9pPr marR="0" lvl="8" algn="l" rtl="0">
         <a:lnSpc>
           <a:spcPct val="100000"/>
         </a:lnSpc>
@@ -7408,7 +7529,7 @@
           <a:srgbClr val="000000"/>
         </a:buClr>
         <a:buFont typeface="Arial"/>
-        <a:defRPr b="0" i="0" sz="1400" u="none" cap="none" strike="noStrike">
+        <a:defRPr sz="1400" b="0" i="0" u="none" strike="noStrike" cap="none">
           <a:solidFill>
             <a:srgbClr val="000000"/>
           </a:solidFill>
@@ -7420,7 +7541,7 @@
       </a:lvl9pPr>
     </p:titleStyle>
     <p:bodyStyle>
-      <a:defPPr lvl="0" marR="0" rtl="0" algn="l">
+      <a:defPPr marR="0" lvl="0" algn="l" rtl="0">
         <a:lnSpc>
           <a:spcPct val="100000"/>
         </a:lnSpc>
@@ -7431,7 +7552,7 @@
           <a:spcPts val="0"/>
         </a:spcAft>
       </a:defPPr>
-      <a:lvl1pPr lvl="0" marR="0" rtl="0" algn="l">
+      <a:lvl1pPr marR="0" lvl="0" algn="l" rtl="0">
         <a:lnSpc>
           <a:spcPct val="100000"/>
         </a:lnSpc>
@@ -7445,7 +7566,7 @@
           <a:srgbClr val="000000"/>
         </a:buClr>
         <a:buFont typeface="Arial"/>
-        <a:defRPr b="0" i="0" sz="1400" u="none" cap="none" strike="noStrike">
+        <a:defRPr sz="1400" b="0" i="0" u="none" strike="noStrike" cap="none">
           <a:solidFill>
             <a:srgbClr val="000000"/>
           </a:solidFill>
@@ -7455,7 +7576,7 @@
           <a:sym typeface="Arial"/>
         </a:defRPr>
       </a:lvl1pPr>
-      <a:lvl2pPr lvl="1" marR="0" rtl="0" algn="l">
+      <a:lvl2pPr marR="0" lvl="1" algn="l" rtl="0">
         <a:lnSpc>
           <a:spcPct val="100000"/>
         </a:lnSpc>
@@ -7469,7 +7590,7 @@
           <a:srgbClr val="000000"/>
         </a:buClr>
         <a:buFont typeface="Arial"/>
-        <a:defRPr b="0" i="0" sz="1400" u="none" cap="none" strike="noStrike">
+        <a:defRPr sz="1400" b="0" i="0" u="none" strike="noStrike" cap="none">
           <a:solidFill>
             <a:srgbClr val="000000"/>
           </a:solidFill>
@@ -7479,7 +7600,7 @@
           <a:sym typeface="Arial"/>
         </a:defRPr>
       </a:lvl2pPr>
-      <a:lvl3pPr lvl="2" marR="0" rtl="0" algn="l">
+      <a:lvl3pPr marR="0" lvl="2" algn="l" rtl="0">
         <a:lnSpc>
           <a:spcPct val="100000"/>
         </a:lnSpc>
@@ -7493,7 +7614,7 @@
           <a:srgbClr val="000000"/>
         </a:buClr>
         <a:buFont typeface="Arial"/>
-        <a:defRPr b="0" i="0" sz="1400" u="none" cap="none" strike="noStrike">
+        <a:defRPr sz="1400" b="0" i="0" u="none" strike="noStrike" cap="none">
           <a:solidFill>
             <a:srgbClr val="000000"/>
           </a:solidFill>
@@ -7503,7 +7624,7 @@
           <a:sym typeface="Arial"/>
         </a:defRPr>
       </a:lvl3pPr>
-      <a:lvl4pPr lvl="3" marR="0" rtl="0" algn="l">
+      <a:lvl4pPr marR="0" lvl="3" algn="l" rtl="0">
         <a:lnSpc>
           <a:spcPct val="100000"/>
         </a:lnSpc>
@@ -7517,7 +7638,7 @@
           <a:srgbClr val="000000"/>
         </a:buClr>
         <a:buFont typeface="Arial"/>
-        <a:defRPr b="0" i="0" sz="1400" u="none" cap="none" strike="noStrike">
+        <a:defRPr sz="1400" b="0" i="0" u="none" strike="noStrike" cap="none">
           <a:solidFill>
             <a:srgbClr val="000000"/>
           </a:solidFill>
@@ -7527,7 +7648,7 @@
           <a:sym typeface="Arial"/>
         </a:defRPr>
       </a:lvl4pPr>
-      <a:lvl5pPr lvl="4" marR="0" rtl="0" algn="l">
+      <a:lvl5pPr marR="0" lvl="4" algn="l" rtl="0">
         <a:lnSpc>
           <a:spcPct val="100000"/>
         </a:lnSpc>
@@ -7541,7 +7662,7 @@
           <a:srgbClr val="000000"/>
         </a:buClr>
         <a:buFont typeface="Arial"/>
-        <a:defRPr b="0" i="0" sz="1400" u="none" cap="none" strike="noStrike">
+        <a:defRPr sz="1400" b="0" i="0" u="none" strike="noStrike" cap="none">
           <a:solidFill>
             <a:srgbClr val="000000"/>
           </a:solidFill>
@@ -7551,7 +7672,7 @@
           <a:sym typeface="Arial"/>
         </a:defRPr>
       </a:lvl5pPr>
-      <a:lvl6pPr lvl="5" marR="0" rtl="0" algn="l">
+      <a:lvl6pPr marR="0" lvl="5" algn="l" rtl="0">
         <a:lnSpc>
           <a:spcPct val="100000"/>
         </a:lnSpc>
@@ -7565,7 +7686,7 @@
           <a:srgbClr val="000000"/>
         </a:buClr>
         <a:buFont typeface="Arial"/>
-        <a:defRPr b="0" i="0" sz="1400" u="none" cap="none" strike="noStrike">
+        <a:defRPr sz="1400" b="0" i="0" u="none" strike="noStrike" cap="none">
           <a:solidFill>
             <a:srgbClr val="000000"/>
           </a:solidFill>
@@ -7575,7 +7696,7 @@
           <a:sym typeface="Arial"/>
         </a:defRPr>
       </a:lvl6pPr>
-      <a:lvl7pPr lvl="6" marR="0" rtl="0" algn="l">
+      <a:lvl7pPr marR="0" lvl="6" algn="l" rtl="0">
         <a:lnSpc>
           <a:spcPct val="100000"/>
         </a:lnSpc>
@@ -7589,7 +7710,7 @@
           <a:srgbClr val="000000"/>
         </a:buClr>
         <a:buFont typeface="Arial"/>
-        <a:defRPr b="0" i="0" sz="1400" u="none" cap="none" strike="noStrike">
+        <a:defRPr sz="1400" b="0" i="0" u="none" strike="noStrike" cap="none">
           <a:solidFill>
             <a:srgbClr val="000000"/>
           </a:solidFill>
@@ -7599,7 +7720,7 @@
           <a:sym typeface="Arial"/>
         </a:defRPr>
       </a:lvl7pPr>
-      <a:lvl8pPr lvl="7" marR="0" rtl="0" algn="l">
+      <a:lvl8pPr marR="0" lvl="7" algn="l" rtl="0">
         <a:lnSpc>
           <a:spcPct val="100000"/>
         </a:lnSpc>
@@ -7613,7 +7734,7 @@
           <a:srgbClr val="000000"/>
         </a:buClr>
         <a:buFont typeface="Arial"/>
-        <a:defRPr b="0" i="0" sz="1400" u="none" cap="none" strike="noStrike">
+        <a:defRPr sz="1400" b="0" i="0" u="none" strike="noStrike" cap="none">
           <a:solidFill>
             <a:srgbClr val="000000"/>
           </a:solidFill>
@@ -7623,7 +7744,7 @@
           <a:sym typeface="Arial"/>
         </a:defRPr>
       </a:lvl8pPr>
-      <a:lvl9pPr lvl="8" marR="0" rtl="0" algn="l">
+      <a:lvl9pPr marR="0" lvl="8" algn="l" rtl="0">
         <a:lnSpc>
           <a:spcPct val="100000"/>
         </a:lnSpc>
@@ -7637,7 +7758,7 @@
           <a:srgbClr val="000000"/>
         </a:buClr>
         <a:buFont typeface="Arial"/>
-        <a:defRPr b="0" i="0" sz="1400" u="none" cap="none" strike="noStrike">
+        <a:defRPr sz="1400" b="0" i="0" u="none" strike="noStrike" cap="none">
           <a:solidFill>
             <a:srgbClr val="000000"/>
           </a:solidFill>
@@ -7649,7 +7770,7 @@
       </a:lvl9pPr>
     </p:bodyStyle>
     <p:otherStyle>
-      <a:defPPr lvl="0" marR="0" rtl="0" algn="l">
+      <a:defPPr marR="0" lvl="0" algn="l" rtl="0">
         <a:lnSpc>
           <a:spcPct val="100000"/>
         </a:lnSpc>
@@ -7660,7 +7781,7 @@
           <a:spcPts val="0"/>
         </a:spcAft>
       </a:defPPr>
-      <a:lvl1pPr lvl="0" marR="0" rtl="0" algn="l">
+      <a:lvl1pPr marR="0" lvl="0" algn="l" rtl="0">
         <a:lnSpc>
           <a:spcPct val="100000"/>
         </a:lnSpc>
@@ -7674,7 +7795,7 @@
           <a:srgbClr val="000000"/>
         </a:buClr>
         <a:buFont typeface="Arial"/>
-        <a:defRPr b="0" i="0" sz="1400" u="none" cap="none" strike="noStrike">
+        <a:defRPr sz="1400" b="0" i="0" u="none" strike="noStrike" cap="none">
           <a:solidFill>
             <a:srgbClr val="000000"/>
           </a:solidFill>
@@ -7684,7 +7805,7 @@
           <a:sym typeface="Arial"/>
         </a:defRPr>
       </a:lvl1pPr>
-      <a:lvl2pPr lvl="1" marR="0" rtl="0" algn="l">
+      <a:lvl2pPr marR="0" lvl="1" algn="l" rtl="0">
         <a:lnSpc>
           <a:spcPct val="100000"/>
         </a:lnSpc>
@@ -7698,7 +7819,7 @@
           <a:srgbClr val="000000"/>
         </a:buClr>
         <a:buFont typeface="Arial"/>
-        <a:defRPr b="0" i="0" sz="1400" u="none" cap="none" strike="noStrike">
+        <a:defRPr sz="1400" b="0" i="0" u="none" strike="noStrike" cap="none">
           <a:solidFill>
             <a:srgbClr val="000000"/>
           </a:solidFill>
@@ -7708,7 +7829,7 @@
           <a:sym typeface="Arial"/>
         </a:defRPr>
       </a:lvl2pPr>
-      <a:lvl3pPr lvl="2" marR="0" rtl="0" algn="l">
+      <a:lvl3pPr marR="0" lvl="2" algn="l" rtl="0">
         <a:lnSpc>
           <a:spcPct val="100000"/>
         </a:lnSpc>
@@ -7722,7 +7843,7 @@
           <a:srgbClr val="000000"/>
         </a:buClr>
         <a:buFont typeface="Arial"/>
-        <a:defRPr b="0" i="0" sz="1400" u="none" cap="none" strike="noStrike">
+        <a:defRPr sz="1400" b="0" i="0" u="none" strike="noStrike" cap="none">
           <a:solidFill>
             <a:srgbClr val="000000"/>
           </a:solidFill>
@@ -7732,7 +7853,7 @@
           <a:sym typeface="Arial"/>
         </a:defRPr>
       </a:lvl3pPr>
-      <a:lvl4pPr lvl="3" marR="0" rtl="0" algn="l">
+      <a:lvl4pPr marR="0" lvl="3" algn="l" rtl="0">
         <a:lnSpc>
           <a:spcPct val="100000"/>
         </a:lnSpc>
@@ -7746,7 +7867,7 @@
           <a:srgbClr val="000000"/>
         </a:buClr>
         <a:buFont typeface="Arial"/>
-        <a:defRPr b="0" i="0" sz="1400" u="none" cap="none" strike="noStrike">
+        <a:defRPr sz="1400" b="0" i="0" u="none" strike="noStrike" cap="none">
           <a:solidFill>
             <a:srgbClr val="000000"/>
           </a:solidFill>
@@ -7756,7 +7877,7 @@
           <a:sym typeface="Arial"/>
         </a:defRPr>
       </a:lvl4pPr>
-      <a:lvl5pPr lvl="4" marR="0" rtl="0" algn="l">
+      <a:lvl5pPr marR="0" lvl="4" algn="l" rtl="0">
         <a:lnSpc>
           <a:spcPct val="100000"/>
         </a:lnSpc>
@@ -7770,7 +7891,7 @@
           <a:srgbClr val="000000"/>
         </a:buClr>
         <a:buFont typeface="Arial"/>
-        <a:defRPr b="0" i="0" sz="1400" u="none" cap="none" strike="noStrike">
+        <a:defRPr sz="1400" b="0" i="0" u="none" strike="noStrike" cap="none">
           <a:solidFill>
             <a:srgbClr val="000000"/>
           </a:solidFill>
@@ -7780,7 +7901,7 @@
           <a:sym typeface="Arial"/>
         </a:defRPr>
       </a:lvl5pPr>
-      <a:lvl6pPr lvl="5" marR="0" rtl="0" algn="l">
+      <a:lvl6pPr marR="0" lvl="5" algn="l" rtl="0">
         <a:lnSpc>
           <a:spcPct val="100000"/>
         </a:lnSpc>
@@ -7794,7 +7915,7 @@
           <a:srgbClr val="000000"/>
         </a:buClr>
         <a:buFont typeface="Arial"/>
-        <a:defRPr b="0" i="0" sz="1400" u="none" cap="none" strike="noStrike">
+        <a:defRPr sz="1400" b="0" i="0" u="none" strike="noStrike" cap="none">
           <a:solidFill>
             <a:srgbClr val="000000"/>
           </a:solidFill>
@@ -7804,7 +7925,7 @@
           <a:sym typeface="Arial"/>
         </a:defRPr>
       </a:lvl6pPr>
-      <a:lvl7pPr lvl="6" marR="0" rtl="0" algn="l">
+      <a:lvl7pPr marR="0" lvl="6" algn="l" rtl="0">
         <a:lnSpc>
           <a:spcPct val="100000"/>
         </a:lnSpc>
@@ -7818,7 +7939,7 @@
           <a:srgbClr val="000000"/>
         </a:buClr>
         <a:buFont typeface="Arial"/>
-        <a:defRPr b="0" i="0" sz="1400" u="none" cap="none" strike="noStrike">
+        <a:defRPr sz="1400" b="0" i="0" u="none" strike="noStrike" cap="none">
           <a:solidFill>
             <a:srgbClr val="000000"/>
           </a:solidFill>
@@ -7828,7 +7949,7 @@
           <a:sym typeface="Arial"/>
         </a:defRPr>
       </a:lvl7pPr>
-      <a:lvl8pPr lvl="7" marR="0" rtl="0" algn="l">
+      <a:lvl8pPr marR="0" lvl="7" algn="l" rtl="0">
         <a:lnSpc>
           <a:spcPct val="100000"/>
         </a:lnSpc>
@@ -7842,7 +7963,7 @@
           <a:srgbClr val="000000"/>
         </a:buClr>
         <a:buFont typeface="Arial"/>
-        <a:defRPr b="0" i="0" sz="1400" u="none" cap="none" strike="noStrike">
+        <a:defRPr sz="1400" b="0" i="0" u="none" strike="noStrike" cap="none">
           <a:solidFill>
             <a:srgbClr val="000000"/>
           </a:solidFill>
@@ -7852,7 +7973,7 @@
           <a:sym typeface="Arial"/>
         </a:defRPr>
       </a:lvl8pPr>
-      <a:lvl9pPr lvl="8" marR="0" rtl="0" algn="l">
+      <a:lvl9pPr marR="0" lvl="8" algn="l" rtl="0">
         <a:lnSpc>
           <a:spcPct val="100000"/>
         </a:lnSpc>
@@ -7866,7 +7987,7 @@
           <a:srgbClr val="000000"/>
         </a:buClr>
         <a:buFont typeface="Arial"/>
-        <a:defRPr b="0" i="0" sz="1400" u="none" cap="none" strike="noStrike">
+        <a:defRPr sz="1400" b="0" i="0" u="none" strike="noStrike" cap="none">
           <a:solidFill>
             <a:srgbClr val="000000"/>
           </a:solidFill>
@@ -7882,11 +8003,11 @@
 </file>
 
 <file path=ppt/slides/slide1.xml><?xml version="1.0" encoding="utf-8"?>
-<p:sld xmlns:a="http://schemas.openxmlformats.org/drawingml/2006/main" xmlns:r="http://schemas.openxmlformats.org/officeDocument/2006/relationships" xmlns:mc="http://schemas.openxmlformats.org/markup-compatibility/2006" xmlns:mv="urn:schemas-microsoft-com:mac:vml" xmlns:p="http://schemas.openxmlformats.org/presentationml/2006/main" xmlns:c="http://schemas.openxmlformats.org/drawingml/2006/chart" xmlns:dgm="http://schemas.openxmlformats.org/drawingml/2006/diagram" xmlns:o="urn:schemas-microsoft-com:office:office" xmlns:v="urn:schemas-microsoft-com:vml" xmlns:pvml="urn:schemas-microsoft-com:office:powerpoint" xmlns:com="http://schemas.openxmlformats.org/drawingml/2006/compatibility" xmlns:p14="http://schemas.microsoft.com/office/powerpoint/2010/main" xmlns:p15="http://schemas.microsoft.com/office/powerpoint/2012/main" xmlns:ahyp="http://schemas.microsoft.com/office/drawing/2018/hyperlinkcolor">
+<p:sld xmlns:a="http://schemas.openxmlformats.org/drawingml/2006/main" xmlns:r="http://schemas.openxmlformats.org/officeDocument/2006/relationships" xmlns:p="http://schemas.openxmlformats.org/presentationml/2006/main">
   <p:cSld>
     <p:spTree>
       <p:nvGrpSpPr>
-        <p:cNvPr id="40" name="Shape 40"/>
+        <p:cNvPr id="1" name="Shape 40"/>
         <p:cNvGrpSpPr/>
         <p:nvPr/>
       </p:nvGrpSpPr>
@@ -7901,7 +8022,9 @@
       <p:sp>
         <p:nvSpPr>
           <p:cNvPr id="41" name="Google Shape;41;p8"/>
-          <p:cNvSpPr txBox="1"/>
+          <p:cNvSpPr txBox="1">
+            <a:spLocks noGrp="1"/>
+          </p:cNvSpPr>
           <p:nvPr>
             <p:ph type="ctrTitle"/>
           </p:nvPr>
@@ -7920,12 +8043,12 @@
           </a:ln>
         </p:spPr>
         <p:txBody>
-          <a:bodyPr anchorCtr="0" anchor="b" bIns="91425" lIns="91425" spcFirstLastPara="1" rIns="91425" wrap="square" tIns="91425">
+          <a:bodyPr spcFirstLastPara="1" wrap="square" lIns="91425" tIns="91425" rIns="91425" bIns="91425" anchor="b" anchorCtr="0">
             <a:noAutofit/>
           </a:bodyPr>
           <a:lstStyle/>
           <a:p>
-            <a:pPr indent="0" lvl="0" marL="0" rtl="0" algn="l">
+            <a:pPr marL="0" lvl="0" indent="0" algn="l" rtl="0">
               <a:lnSpc>
                 <a:spcPct val="100000"/>
               </a:lnSpc>
@@ -7983,9 +8106,13 @@
               <a:ext cx="443300" cy="443325"/>
             </a:xfrm>
             <a:custGeom>
-              <a:rect b="b" l="l" r="r" t="t"/>
+              <a:avLst/>
+              <a:gdLst/>
+              <a:ahLst/>
+              <a:cxnLst/>
+              <a:rect l="l" t="t" r="r" b="b"/>
               <a:pathLst>
-                <a:path extrusionOk="0" h="17733" w="17732">
+                <a:path w="17732" h="17733" extrusionOk="0">
                   <a:moveTo>
                     <a:pt x="13091" y="2712"/>
                   </a:moveTo>
@@ -8495,12 +8622,12 @@
             </a:ln>
           </p:spPr>
           <p:txBody>
-            <a:bodyPr anchorCtr="0" anchor="ctr" bIns="91425" lIns="91425" spcFirstLastPara="1" rIns="91425" wrap="square" tIns="91425">
+            <a:bodyPr spcFirstLastPara="1" wrap="square" lIns="91425" tIns="91425" rIns="91425" bIns="91425" anchor="ctr" anchorCtr="0">
               <a:noAutofit/>
             </a:bodyPr>
             <a:lstStyle/>
             <a:p>
-              <a:pPr indent="0" lvl="0" marL="0" marR="0" rtl="0" algn="l">
+              <a:pPr marL="0" marR="0" lvl="0" indent="0" algn="l" rtl="0">
                 <a:lnSpc>
                   <a:spcPct val="100000"/>
                 </a:lnSpc>
@@ -8517,10 +8644,7 @@
                 <a:buFont typeface="Arial"/>
                 <a:buNone/>
               </a:pPr>
-              <a:r>
-                <a:t/>
-              </a:r>
-              <a:endParaRPr b="0" i="0" sz="1400" u="none" cap="none" strike="noStrike">
+              <a:endParaRPr sz="1400" b="0" i="0" u="none" strike="noStrike" cap="none">
                 <a:solidFill>
                   <a:srgbClr val="000000"/>
                 </a:solidFill>
@@ -8544,9 +8668,13 @@
               <a:ext cx="73300" cy="73300"/>
             </a:xfrm>
             <a:custGeom>
-              <a:rect b="b" l="l" r="r" t="t"/>
+              <a:avLst/>
+              <a:gdLst/>
+              <a:ahLst/>
+              <a:cxnLst/>
+              <a:rect l="l" t="t" r="r" b="b"/>
               <a:pathLst>
-                <a:path extrusionOk="0" h="2932" w="2932">
+                <a:path w="2932" h="2932" extrusionOk="0">
                   <a:moveTo>
                     <a:pt x="2028" y="1"/>
                   </a:moveTo>
@@ -8643,12 +8771,12 @@
             </a:ln>
           </p:spPr>
           <p:txBody>
-            <a:bodyPr anchorCtr="0" anchor="ctr" bIns="91425" lIns="91425" spcFirstLastPara="1" rIns="91425" wrap="square" tIns="91425">
+            <a:bodyPr spcFirstLastPara="1" wrap="square" lIns="91425" tIns="91425" rIns="91425" bIns="91425" anchor="ctr" anchorCtr="0">
               <a:noAutofit/>
             </a:bodyPr>
             <a:lstStyle/>
             <a:p>
-              <a:pPr indent="0" lvl="0" marL="0" marR="0" rtl="0" algn="l">
+              <a:pPr marL="0" marR="0" lvl="0" indent="0" algn="l" rtl="0">
                 <a:lnSpc>
                   <a:spcPct val="100000"/>
                 </a:lnSpc>
@@ -8665,10 +8793,7 @@
                 <a:buFont typeface="Arial"/>
                 <a:buNone/>
               </a:pPr>
-              <a:r>
-                <a:t/>
-              </a:r>
-              <a:endParaRPr b="0" i="0" sz="1400" u="none" cap="none" strike="noStrike">
+              <a:endParaRPr sz="1400" b="0" i="0" u="none" strike="noStrike" cap="none">
                 <a:solidFill>
                   <a:srgbClr val="000000"/>
                 </a:solidFill>
@@ -8692,9 +8817,13 @@
               <a:ext cx="47025" cy="47025"/>
             </a:xfrm>
             <a:custGeom>
-              <a:rect b="b" l="l" r="r" t="t"/>
+              <a:avLst/>
+              <a:gdLst/>
+              <a:ahLst/>
+              <a:cxnLst/>
+              <a:rect l="l" t="t" r="r" b="b"/>
               <a:pathLst>
-                <a:path extrusionOk="0" h="1881" w="1881">
+                <a:path w="1881" h="1881" extrusionOk="0">
                   <a:moveTo>
                     <a:pt x="1124" y="0"/>
                   </a:moveTo>
@@ -8797,12 +8926,12 @@
             </a:ln>
           </p:spPr>
           <p:txBody>
-            <a:bodyPr anchorCtr="0" anchor="ctr" bIns="91425" lIns="91425" spcFirstLastPara="1" rIns="91425" wrap="square" tIns="91425">
+            <a:bodyPr spcFirstLastPara="1" wrap="square" lIns="91425" tIns="91425" rIns="91425" bIns="91425" anchor="ctr" anchorCtr="0">
               <a:noAutofit/>
             </a:bodyPr>
             <a:lstStyle/>
             <a:p>
-              <a:pPr indent="0" lvl="0" marL="0" marR="0" rtl="0" algn="l">
+              <a:pPr marL="0" marR="0" lvl="0" indent="0" algn="l" rtl="0">
                 <a:lnSpc>
                   <a:spcPct val="100000"/>
                 </a:lnSpc>
@@ -8819,10 +8948,7 @@
                 <a:buFont typeface="Arial"/>
                 <a:buNone/>
               </a:pPr>
-              <a:r>
-                <a:t/>
-              </a:r>
-              <a:endParaRPr b="0" i="0" sz="1400" u="none" cap="none" strike="noStrike">
+              <a:endParaRPr sz="1400" b="0" i="0" u="none" strike="noStrike" cap="none">
                 <a:solidFill>
                   <a:srgbClr val="000000"/>
                 </a:solidFill>
@@ -8846,9 +8972,13 @@
               <a:ext cx="47050" cy="47050"/>
             </a:xfrm>
             <a:custGeom>
-              <a:rect b="b" l="l" r="r" t="t"/>
+              <a:avLst/>
+              <a:gdLst/>
+              <a:ahLst/>
+              <a:cxnLst/>
+              <a:rect l="l" t="t" r="r" b="b"/>
               <a:pathLst>
-                <a:path extrusionOk="0" h="1882" w="1882">
+                <a:path w="1882" h="1882" extrusionOk="0">
                   <a:moveTo>
                     <a:pt x="953" y="1"/>
                   </a:moveTo>
@@ -8942,12 +9072,12 @@
             </a:ln>
           </p:spPr>
           <p:txBody>
-            <a:bodyPr anchorCtr="0" anchor="ctr" bIns="91425" lIns="91425" spcFirstLastPara="1" rIns="91425" wrap="square" tIns="91425">
+            <a:bodyPr spcFirstLastPara="1" wrap="square" lIns="91425" tIns="91425" rIns="91425" bIns="91425" anchor="ctr" anchorCtr="0">
               <a:noAutofit/>
             </a:bodyPr>
             <a:lstStyle/>
             <a:p>
-              <a:pPr indent="0" lvl="0" marL="0" marR="0" rtl="0" algn="l">
+              <a:pPr marL="0" marR="0" lvl="0" indent="0" algn="l" rtl="0">
                 <a:lnSpc>
                   <a:spcPct val="100000"/>
                 </a:lnSpc>
@@ -8964,10 +9094,7 @@
                 <a:buFont typeface="Arial"/>
                 <a:buNone/>
               </a:pPr>
-              <a:r>
-                <a:t/>
-              </a:r>
-              <a:endParaRPr b="0" i="0" sz="1400" u="none" cap="none" strike="noStrike">
+              <a:endParaRPr sz="1400" b="0" i="0" u="none" strike="noStrike" cap="none">
                 <a:solidFill>
                   <a:srgbClr val="000000"/>
                 </a:solidFill>
@@ -8989,11 +9116,11 @@
 </file>
 
 <file path=ppt/slides/slide2.xml><?xml version="1.0" encoding="utf-8"?>
-<p:sld xmlns:a="http://schemas.openxmlformats.org/drawingml/2006/main" xmlns:r="http://schemas.openxmlformats.org/officeDocument/2006/relationships" xmlns:mc="http://schemas.openxmlformats.org/markup-compatibility/2006" xmlns:mv="urn:schemas-microsoft-com:mac:vml" xmlns:p="http://schemas.openxmlformats.org/presentationml/2006/main" xmlns:c="http://schemas.openxmlformats.org/drawingml/2006/chart" xmlns:dgm="http://schemas.openxmlformats.org/drawingml/2006/diagram" xmlns:o="urn:schemas-microsoft-com:office:office" xmlns:v="urn:schemas-microsoft-com:vml" xmlns:pvml="urn:schemas-microsoft-com:office:powerpoint" xmlns:com="http://schemas.openxmlformats.org/drawingml/2006/compatibility" xmlns:p14="http://schemas.microsoft.com/office/powerpoint/2010/main" xmlns:p15="http://schemas.microsoft.com/office/powerpoint/2012/main" xmlns:ahyp="http://schemas.microsoft.com/office/drawing/2018/hyperlinkcolor">
+<p:sld xmlns:a="http://schemas.openxmlformats.org/drawingml/2006/main" xmlns:r="http://schemas.openxmlformats.org/officeDocument/2006/relationships" xmlns:p="http://schemas.openxmlformats.org/presentationml/2006/main">
   <p:cSld>
     <p:spTree>
       <p:nvGrpSpPr>
-        <p:cNvPr id="50" name="Shape 50"/>
+        <p:cNvPr id="1" name="Shape 50"/>
         <p:cNvGrpSpPr/>
         <p:nvPr/>
       </p:nvGrpSpPr>
@@ -9008,7 +9135,9 @@
       <p:sp>
         <p:nvSpPr>
           <p:cNvPr id="51" name="Google Shape;51;p9"/>
-          <p:cNvSpPr txBox="1"/>
+          <p:cNvSpPr txBox="1">
+            <a:spLocks noGrp="1"/>
+          </p:cNvSpPr>
           <p:nvPr>
             <p:ph type="title"/>
           </p:nvPr>
@@ -9027,12 +9156,12 @@
           </a:ln>
         </p:spPr>
         <p:txBody>
-          <a:bodyPr anchorCtr="0" anchor="t" bIns="91425" lIns="91425" spcFirstLastPara="1" rIns="91425" wrap="square" tIns="91425">
+          <a:bodyPr spcFirstLastPara="1" wrap="square" lIns="91425" tIns="91425" rIns="91425" bIns="91425" anchor="t" anchorCtr="0">
             <a:noAutofit/>
           </a:bodyPr>
           <a:lstStyle/>
           <a:p>
-            <a:pPr indent="0" lvl="0" marL="0" rtl="0" algn="l">
+            <a:pPr marL="0" lvl="0" indent="0" algn="l" rtl="0">
               <a:lnSpc>
                 <a:spcPct val="100000"/>
               </a:lnSpc>
@@ -9060,9 +9189,11 @@
       <p:sp>
         <p:nvSpPr>
           <p:cNvPr id="52" name="Google Shape;52;p9"/>
-          <p:cNvSpPr txBox="1"/>
+          <p:cNvSpPr txBox="1">
+            <a:spLocks noGrp="1"/>
+          </p:cNvSpPr>
           <p:nvPr>
-            <p:ph idx="1" type="body"/>
+            <p:ph type="body" idx="1"/>
           </p:nvPr>
         </p:nvSpPr>
         <p:spPr>
@@ -9079,12 +9210,12 @@
           </a:ln>
         </p:spPr>
         <p:txBody>
-          <a:bodyPr anchorCtr="0" anchor="t" bIns="91425" lIns="91425" spcFirstLastPara="1" rIns="91425" wrap="square" tIns="91425">
+          <a:bodyPr spcFirstLastPara="1" wrap="square" lIns="91425" tIns="91425" rIns="91425" bIns="91425" anchor="t" anchorCtr="0">
             <a:noAutofit/>
           </a:bodyPr>
           <a:lstStyle/>
           <a:p>
-            <a:pPr indent="-342900" lvl="0" marL="342900" rtl="0" algn="l">
+            <a:pPr marL="342900" lvl="0" indent="-342900" algn="l" rtl="0">
               <a:lnSpc>
                 <a:spcPct val="100000"/>
               </a:lnSpc>
@@ -9107,7 +9238,7 @@
             <a:endParaRPr/>
           </a:p>
           <a:p>
-            <a:pPr indent="-342900" lvl="0" marL="342900" rtl="0" algn="l">
+            <a:pPr marL="342900" lvl="0" indent="-342900" algn="l" rtl="0">
               <a:lnSpc>
                 <a:spcPct val="100000"/>
               </a:lnSpc>
@@ -9130,7 +9261,7 @@
             <a:endParaRPr/>
           </a:p>
           <a:p>
-            <a:pPr indent="-342900" lvl="0" marL="342900" rtl="0" algn="l">
+            <a:pPr marL="342900" lvl="0" indent="-342900" algn="l" rtl="0">
               <a:lnSpc>
                 <a:spcPct val="100000"/>
               </a:lnSpc>
@@ -9153,7 +9284,7 @@
             <a:endParaRPr/>
           </a:p>
           <a:p>
-            <a:pPr indent="-342900" lvl="0" marL="342900" rtl="0" algn="l">
+            <a:pPr marL="342900" lvl="0" indent="-342900" algn="l" rtl="0">
               <a:lnSpc>
                 <a:spcPct val="100000"/>
               </a:lnSpc>
@@ -9176,7 +9307,7 @@
             <a:endParaRPr/>
           </a:p>
           <a:p>
-            <a:pPr indent="-342900" lvl="0" marL="342900" rtl="0" algn="l">
+            <a:pPr marL="342900" lvl="0" indent="-342900" algn="l" rtl="0">
               <a:lnSpc>
                 <a:spcPct val="100000"/>
               </a:lnSpc>
@@ -9199,7 +9330,7 @@
             <a:endParaRPr/>
           </a:p>
           <a:p>
-            <a:pPr indent="-273050" lvl="0" marL="342900" rtl="0" algn="l">
+            <a:pPr marL="342900" lvl="0" indent="-273050" algn="l" rtl="0">
               <a:lnSpc>
                 <a:spcPct val="100000"/>
               </a:lnSpc>
@@ -9215,13 +9346,10 @@
               <a:buSzPts val="1100"/>
               <a:buNone/>
             </a:pPr>
-            <a:r>
-              <a:t/>
-            </a:r>
             <a:endParaRPr sz="2400"/>
           </a:p>
           <a:p>
-            <a:pPr indent="-273050" lvl="0" marL="342900" rtl="0" algn="l">
+            <a:pPr marL="342900" lvl="0" indent="-273050" algn="l" rtl="0">
               <a:lnSpc>
                 <a:spcPct val="100000"/>
               </a:lnSpc>
@@ -9237,9 +9365,6 @@
               <a:buSzPts val="1100"/>
               <a:buNone/>
             </a:pPr>
-            <a:r>
-              <a:t/>
-            </a:r>
             <a:endParaRPr sz="2400"/>
           </a:p>
         </p:txBody>
@@ -9247,9 +9372,11 @@
       <p:sp>
         <p:nvSpPr>
           <p:cNvPr id="53" name="Google Shape;53;p9"/>
-          <p:cNvSpPr txBox="1"/>
+          <p:cNvSpPr txBox="1">
+            <a:spLocks noGrp="1"/>
+          </p:cNvSpPr>
           <p:nvPr>
-            <p:ph idx="12" type="sldNum"/>
+            <p:ph type="sldNum" idx="12"/>
           </p:nvPr>
         </p:nvSpPr>
         <p:spPr>
@@ -9266,12 +9393,12 @@
           </a:ln>
         </p:spPr>
         <p:txBody>
-          <a:bodyPr anchorCtr="0" anchor="ctr" bIns="91425" lIns="91425" spcFirstLastPara="1" rIns="91425" wrap="square" tIns="91425">
+          <a:bodyPr spcFirstLastPara="1" wrap="square" lIns="91425" tIns="91425" rIns="91425" bIns="91425" anchor="ctr" anchorCtr="0">
             <a:noAutofit/>
           </a:bodyPr>
           <a:lstStyle/>
           <a:p>
-            <a:pPr indent="0" lvl="0" marL="0" rtl="0" algn="ctr">
+            <a:pPr marL="0" lvl="0" indent="0" algn="ctr" rtl="0">
               <a:lnSpc>
                 <a:spcPct val="100000"/>
               </a:lnSpc>
@@ -9286,7 +9413,7 @@
             </a:pPr>
             <a:fld id="{00000000-1234-1234-1234-123412341234}" type="slidenum">
               <a:rPr lang="en-US"/>
-              <a:t>‹#›</a:t>
+              <a:t>2</a:t>
             </a:fld>
             <a:endParaRPr/>
           </a:p>
@@ -9318,9 +9445,13 @@
               <a:ext cx="378575" cy="464075"/>
             </a:xfrm>
             <a:custGeom>
-              <a:rect b="b" l="l" r="r" t="t"/>
+              <a:avLst/>
+              <a:gdLst/>
+              <a:ahLst/>
+              <a:cxnLst/>
+              <a:rect l="l" t="t" r="r" b="b"/>
               <a:pathLst>
-                <a:path extrusionOk="0" h="18563" w="15143">
+                <a:path w="15143" h="18563" extrusionOk="0">
                   <a:moveTo>
                     <a:pt x="782" y="1"/>
                   </a:moveTo>
@@ -9447,12 +9578,12 @@
             </a:ln>
           </p:spPr>
           <p:txBody>
-            <a:bodyPr anchorCtr="0" anchor="ctr" bIns="91425" lIns="91425" spcFirstLastPara="1" rIns="91425" wrap="square" tIns="91425">
+            <a:bodyPr spcFirstLastPara="1" wrap="square" lIns="91425" tIns="91425" rIns="91425" bIns="91425" anchor="ctr" anchorCtr="0">
               <a:noAutofit/>
             </a:bodyPr>
             <a:lstStyle/>
             <a:p>
-              <a:pPr indent="0" lvl="0" marL="0" marR="0" rtl="0" algn="l">
+              <a:pPr marL="0" marR="0" lvl="0" indent="0" algn="l" rtl="0">
                 <a:lnSpc>
                   <a:spcPct val="100000"/>
                 </a:lnSpc>
@@ -9469,10 +9600,7 @@
                 <a:buFont typeface="Arial"/>
                 <a:buNone/>
               </a:pPr>
-              <a:r>
-                <a:t/>
-              </a:r>
-              <a:endParaRPr b="0" i="0" sz="1400" u="none" cap="none" strike="noStrike">
+              <a:endParaRPr sz="1400" b="0" i="0" u="none" strike="noStrike" cap="none">
                 <a:solidFill>
                   <a:srgbClr val="000000"/>
                 </a:solidFill>
@@ -9496,9 +9624,13 @@
               <a:ext cx="378575" cy="464050"/>
             </a:xfrm>
             <a:custGeom>
-              <a:rect b="b" l="l" r="r" t="t"/>
+              <a:avLst/>
+              <a:gdLst/>
+              <a:ahLst/>
+              <a:cxnLst/>
+              <a:rect l="l" t="t" r="r" b="b"/>
               <a:pathLst>
-                <a:path extrusionOk="0" h="18562" w="15143">
+                <a:path w="15143" h="18562" extrusionOk="0">
                   <a:moveTo>
                     <a:pt x="13140" y="6472"/>
                   </a:moveTo>
@@ -9836,12 +9968,12 @@
             </a:ln>
           </p:spPr>
           <p:txBody>
-            <a:bodyPr anchorCtr="0" anchor="ctr" bIns="91425" lIns="91425" spcFirstLastPara="1" rIns="91425" wrap="square" tIns="91425">
+            <a:bodyPr spcFirstLastPara="1" wrap="square" lIns="91425" tIns="91425" rIns="91425" bIns="91425" anchor="ctr" anchorCtr="0">
               <a:noAutofit/>
             </a:bodyPr>
             <a:lstStyle/>
             <a:p>
-              <a:pPr indent="0" lvl="0" marL="0" marR="0" rtl="0" algn="l">
+              <a:pPr marL="0" marR="0" lvl="0" indent="0" algn="l" rtl="0">
                 <a:lnSpc>
                   <a:spcPct val="100000"/>
                 </a:lnSpc>
@@ -9858,10 +9990,7 @@
                 <a:buFont typeface="Arial"/>
                 <a:buNone/>
               </a:pPr>
-              <a:r>
-                <a:t/>
-              </a:r>
-              <a:endParaRPr b="0" i="0" sz="1400" u="none" cap="none" strike="noStrike">
+              <a:endParaRPr sz="1400" b="0" i="0" u="none" strike="noStrike" cap="none">
                 <a:solidFill>
                   <a:srgbClr val="000000"/>
                 </a:solidFill>
@@ -9885,9 +10014,13 @@
               <a:ext cx="84275" cy="84275"/>
             </a:xfrm>
             <a:custGeom>
-              <a:rect b="b" l="l" r="r" t="t"/>
+              <a:avLst/>
+              <a:gdLst/>
+              <a:ahLst/>
+              <a:cxnLst/>
+              <a:rect l="l" t="t" r="r" b="b"/>
               <a:pathLst>
-                <a:path extrusionOk="0" h="3371" w="3371">
+                <a:path w="3371" h="3371" extrusionOk="0">
                   <a:moveTo>
                     <a:pt x="0" y="0"/>
                   </a:moveTo>
@@ -9936,12 +10069,12 @@
             </a:ln>
           </p:spPr>
           <p:txBody>
-            <a:bodyPr anchorCtr="0" anchor="ctr" bIns="91425" lIns="91425" spcFirstLastPara="1" rIns="91425" wrap="square" tIns="91425">
+            <a:bodyPr spcFirstLastPara="1" wrap="square" lIns="91425" tIns="91425" rIns="91425" bIns="91425" anchor="ctr" anchorCtr="0">
               <a:noAutofit/>
             </a:bodyPr>
             <a:lstStyle/>
             <a:p>
-              <a:pPr indent="0" lvl="0" marL="0" marR="0" rtl="0" algn="l">
+              <a:pPr marL="0" marR="0" lvl="0" indent="0" algn="l" rtl="0">
                 <a:lnSpc>
                   <a:spcPct val="100000"/>
                 </a:lnSpc>
@@ -9958,10 +10091,7 @@
                 <a:buFont typeface="Arial"/>
                 <a:buNone/>
               </a:pPr>
-              <a:r>
-                <a:t/>
-              </a:r>
-              <a:endParaRPr b="0" i="0" sz="1400" u="none" cap="none" strike="noStrike">
+              <a:endParaRPr sz="1400" b="0" i="0" u="none" strike="noStrike" cap="none">
                 <a:solidFill>
                   <a:srgbClr val="000000"/>
                 </a:solidFill>
@@ -9994,12 +10124,12 @@
           </a:ln>
         </p:spPr>
         <p:txBody>
-          <a:bodyPr anchorCtr="0" anchor="t" bIns="91425" lIns="91425" spcFirstLastPara="1" rIns="91425" wrap="square" tIns="91425">
+          <a:bodyPr spcFirstLastPara="1" wrap="square" lIns="91425" tIns="91425" rIns="91425" bIns="91425" anchor="t" anchorCtr="0">
             <a:noAutofit/>
           </a:bodyPr>
           <a:lstStyle/>
           <a:p>
-            <a:pPr indent="0" lvl="0" marL="0" marR="0" rtl="0" algn="l">
+            <a:pPr marL="0" marR="0" lvl="0" indent="0" algn="l" rtl="0">
               <a:lnSpc>
                 <a:spcPct val="100000"/>
               </a:lnSpc>
@@ -10016,10 +10146,7 @@
               <a:buFont typeface="Raleway Thin"/>
               <a:buNone/>
             </a:pPr>
-            <a:r>
-              <a:t/>
-            </a:r>
-            <a:endParaRPr b="0" i="0" sz="4800" u="none" cap="none" strike="noStrike">
+            <a:endParaRPr sz="4800" b="0" i="0" u="none" strike="noStrike" cap="none">
               <a:solidFill>
                 <a:schemeClr val="dk1"/>
               </a:solidFill>
@@ -10040,11 +10167,11 @@
 </file>
 
 <file path=ppt/slides/slide3.xml><?xml version="1.0" encoding="utf-8"?>
-<p:sld xmlns:a="http://schemas.openxmlformats.org/drawingml/2006/main" xmlns:r="http://schemas.openxmlformats.org/officeDocument/2006/relationships" xmlns:mc="http://schemas.openxmlformats.org/markup-compatibility/2006" xmlns:mv="urn:schemas-microsoft-com:mac:vml" xmlns:p="http://schemas.openxmlformats.org/presentationml/2006/main" xmlns:c="http://schemas.openxmlformats.org/drawingml/2006/chart" xmlns:dgm="http://schemas.openxmlformats.org/drawingml/2006/diagram" xmlns:o="urn:schemas-microsoft-com:office:office" xmlns:v="urn:schemas-microsoft-com:vml" xmlns:pvml="urn:schemas-microsoft-com:office:powerpoint" xmlns:com="http://schemas.openxmlformats.org/drawingml/2006/compatibility" xmlns:p14="http://schemas.microsoft.com/office/powerpoint/2010/main" xmlns:p15="http://schemas.microsoft.com/office/powerpoint/2012/main" xmlns:ahyp="http://schemas.microsoft.com/office/drawing/2018/hyperlinkcolor">
+<p:sld xmlns:a="http://schemas.openxmlformats.org/drawingml/2006/main" xmlns:r="http://schemas.openxmlformats.org/officeDocument/2006/relationships" xmlns:p="http://schemas.openxmlformats.org/presentationml/2006/main">
   <p:cSld>
     <p:spTree>
       <p:nvGrpSpPr>
-        <p:cNvPr id="62" name="Shape 62"/>
+        <p:cNvPr id="1" name="Shape 62"/>
         <p:cNvGrpSpPr/>
         <p:nvPr/>
       </p:nvGrpSpPr>
@@ -10059,7 +10186,9 @@
       <p:sp>
         <p:nvSpPr>
           <p:cNvPr id="63" name="Google Shape;63;p10"/>
-          <p:cNvSpPr txBox="1"/>
+          <p:cNvSpPr txBox="1">
+            <a:spLocks noGrp="1"/>
+          </p:cNvSpPr>
           <p:nvPr>
             <p:ph type="ctrTitle"/>
           </p:nvPr>
@@ -10078,12 +10207,12 @@
           </a:ln>
         </p:spPr>
         <p:txBody>
-          <a:bodyPr anchorCtr="0" anchor="b" bIns="91425" lIns="91425" spcFirstLastPara="1" rIns="91425" wrap="square" tIns="91425">
+          <a:bodyPr spcFirstLastPara="1" wrap="square" lIns="91425" tIns="91425" rIns="91425" bIns="91425" anchor="b" anchorCtr="0">
             <a:noAutofit/>
           </a:bodyPr>
           <a:lstStyle/>
           <a:p>
-            <a:pPr indent="0" lvl="0" marL="0" rtl="0" algn="l">
+            <a:pPr marL="0" lvl="0" indent="0" algn="l" rtl="0">
               <a:lnSpc>
                 <a:spcPct val="100000"/>
               </a:lnSpc>
@@ -10107,9 +10236,11 @@
       <p:sp>
         <p:nvSpPr>
           <p:cNvPr id="64" name="Google Shape;64;p10"/>
-          <p:cNvSpPr txBox="1"/>
+          <p:cNvSpPr txBox="1">
+            <a:spLocks noGrp="1"/>
+          </p:cNvSpPr>
           <p:nvPr>
-            <p:ph idx="1" type="subTitle"/>
+            <p:ph type="subTitle" idx="1"/>
           </p:nvPr>
         </p:nvSpPr>
         <p:spPr>
@@ -10126,12 +10257,12 @@
           </a:ln>
         </p:spPr>
         <p:txBody>
-          <a:bodyPr anchorCtr="0" anchor="t" bIns="91425" lIns="91425" spcFirstLastPara="1" rIns="91425" wrap="square" tIns="91425">
+          <a:bodyPr spcFirstLastPara="1" wrap="square" lIns="91425" tIns="91425" rIns="91425" bIns="91425" anchor="t" anchorCtr="0">
             <a:noAutofit/>
           </a:bodyPr>
           <a:lstStyle/>
           <a:p>
-            <a:pPr indent="-342900" lvl="0" marL="342900" rtl="0" algn="l">
+            <a:pPr marL="342900" lvl="0" indent="-342900" algn="l" rtl="0">
               <a:lnSpc>
                 <a:spcPct val="100000"/>
               </a:lnSpc>
@@ -10146,13 +10277,13 @@
               <a:buChar char="•"/>
             </a:pPr>
             <a:r>
-              <a:rPr lang="en-US" sz="2400"/>
+              <a:rPr lang="en-US" sz="2400" dirty="0"/>
               <a:t>We made wireframes</a:t>
             </a:r>
-            <a:endParaRPr/>
+            <a:endParaRPr dirty="0"/>
           </a:p>
           <a:p>
-            <a:pPr indent="-342900" lvl="0" marL="342900" rtl="0" algn="l">
+            <a:pPr marL="342900" lvl="0" indent="-342900" algn="l" rtl="0">
               <a:lnSpc>
                 <a:spcPct val="100000"/>
               </a:lnSpc>
@@ -10167,13 +10298,13 @@
               <a:buChar char="•"/>
             </a:pPr>
             <a:r>
-              <a:rPr lang="en-US" sz="2400"/>
-              <a:t>Add more user stories</a:t>
+              <a:rPr lang="en-US" sz="2400" dirty="0"/>
+              <a:t>Added more user stories</a:t>
             </a:r>
-            <a:endParaRPr/>
+            <a:endParaRPr dirty="0"/>
           </a:p>
           <a:p>
-            <a:pPr indent="-342900" lvl="0" marL="342900" rtl="0" algn="l">
+            <a:pPr marL="342900" lvl="0" indent="-342900" algn="l" rtl="0">
               <a:lnSpc>
                 <a:spcPct val="100000"/>
               </a:lnSpc>
@@ -10188,13 +10319,13 @@
               <a:buChar char="•"/>
             </a:pPr>
             <a:r>
-              <a:rPr lang="en-US" sz="2400"/>
+              <a:rPr lang="en-US" sz="2400" dirty="0"/>
               <a:t>Put everything in Jira</a:t>
             </a:r>
-            <a:endParaRPr/>
+            <a:endParaRPr dirty="0"/>
           </a:p>
           <a:p>
-            <a:pPr indent="-342900" lvl="0" marL="342900" rtl="0" algn="l">
+            <a:pPr marL="342900" lvl="0" indent="-342900" algn="l" rtl="0">
               <a:lnSpc>
                 <a:spcPct val="100000"/>
               </a:lnSpc>
@@ -10209,13 +10340,13 @@
               <a:buChar char="•"/>
             </a:pPr>
             <a:r>
-              <a:rPr lang="en-US" sz="2400"/>
+              <a:rPr lang="en-US" sz="2400" dirty="0"/>
               <a:t>Initialize git repository</a:t>
             </a:r>
-            <a:endParaRPr/>
+            <a:endParaRPr dirty="0"/>
           </a:p>
           <a:p>
-            <a:pPr indent="-342900" lvl="0" marL="342900" rtl="0" algn="l">
+            <a:pPr marL="342900" lvl="0" indent="-342900" algn="l" rtl="0">
               <a:lnSpc>
                 <a:spcPct val="100000"/>
               </a:lnSpc>
@@ -10230,13 +10361,13 @@
               <a:buChar char="•"/>
             </a:pPr>
             <a:r>
-              <a:rPr lang="en-US" sz="2400"/>
+              <a:rPr lang="en-US" sz="2400" dirty="0"/>
               <a:t>Plan Sprint 2</a:t>
             </a:r>
-            <a:endParaRPr/>
+            <a:endParaRPr dirty="0"/>
           </a:p>
           <a:p>
-            <a:pPr indent="-228600" lvl="0" marL="342900" rtl="0" algn="l">
+            <a:pPr marL="342900" lvl="0" indent="-228600" algn="l" rtl="0">
               <a:lnSpc>
                 <a:spcPct val="100000"/>
               </a:lnSpc>
@@ -10250,10 +10381,7 @@
               <a:buFont typeface="Arial"/>
               <a:buNone/>
             </a:pPr>
-            <a:r>
-              <a:t/>
-            </a:r>
-            <a:endParaRPr sz="2400"/>
+            <a:endParaRPr sz="2400" dirty="0"/>
           </a:p>
         </p:txBody>
       </p:sp>
@@ -10277,12 +10405,12 @@
           </a:ln>
         </p:spPr>
         <p:txBody>
-          <a:bodyPr anchorCtr="0" anchor="ctr" bIns="91425" lIns="91425" spcFirstLastPara="1" rIns="91425" wrap="square" tIns="91425">
+          <a:bodyPr spcFirstLastPara="1" wrap="square" lIns="91425" tIns="91425" rIns="91425" bIns="91425" anchor="ctr" anchorCtr="0">
             <a:noAutofit/>
           </a:bodyPr>
           <a:lstStyle/>
           <a:p>
-            <a:pPr indent="0" lvl="0" marL="0" marR="0" rtl="0" algn="ctr">
+            <a:pPr marL="0" marR="0" lvl="0" indent="0" algn="ctr" rtl="0">
               <a:lnSpc>
                 <a:spcPct val="100000"/>
               </a:lnSpc>
@@ -10300,7 +10428,7 @@
               <a:buNone/>
             </a:pPr>
             <a:r>
-              <a:rPr b="0" i="0" lang="en-US" sz="9600" u="none" cap="none" strike="noStrike">
+              <a:rPr lang="en-US" sz="9600" b="0" i="0" u="none" strike="noStrike" cap="none">
                 <a:solidFill>
                   <a:schemeClr val="dk1"/>
                 </a:solidFill>
@@ -10311,7 +10439,7 @@
               </a:rPr>
               <a:t>1</a:t>
             </a:r>
-            <a:endParaRPr b="0" i="0" sz="9600" u="none" cap="none" strike="noStrike">
+            <a:endParaRPr sz="9600" b="0" i="0" u="none" strike="noStrike" cap="none">
               <a:solidFill>
                 <a:schemeClr val="dk1"/>
               </a:solidFill>
@@ -10343,12 +10471,12 @@
           </a:ln>
         </p:spPr>
         <p:txBody>
-          <a:bodyPr anchorCtr="0" anchor="t" bIns="91425" lIns="91425" spcFirstLastPara="1" rIns="91425" wrap="square" tIns="91425">
+          <a:bodyPr spcFirstLastPara="1" wrap="square" lIns="91425" tIns="91425" rIns="91425" bIns="91425" anchor="t" anchorCtr="0">
             <a:noAutofit/>
           </a:bodyPr>
           <a:lstStyle/>
           <a:p>
-            <a:pPr indent="0" lvl="0" marL="0" marR="0" rtl="0" algn="l">
+            <a:pPr marL="0" marR="0" lvl="0" indent="0" algn="l" rtl="0">
               <a:lnSpc>
                 <a:spcPct val="100000"/>
               </a:lnSpc>
@@ -10365,10 +10493,7 @@
               <a:buFont typeface="Raleway Thin"/>
               <a:buNone/>
             </a:pPr>
-            <a:r>
-              <a:t/>
-            </a:r>
-            <a:endParaRPr b="0" i="0" sz="4800" u="none" cap="none" strike="noStrike">
+            <a:endParaRPr sz="4800" b="0" i="0" u="none" strike="noStrike" cap="none">
               <a:solidFill>
                 <a:schemeClr val="dk1"/>
               </a:solidFill>
@@ -10389,11 +10514,11 @@
 </file>
 
 <file path=ppt/slides/slide4.xml><?xml version="1.0" encoding="utf-8"?>
-<p:sld xmlns:a="http://schemas.openxmlformats.org/drawingml/2006/main" xmlns:r="http://schemas.openxmlformats.org/officeDocument/2006/relationships" xmlns:mc="http://schemas.openxmlformats.org/markup-compatibility/2006" xmlns:mv="urn:schemas-microsoft-com:mac:vml" xmlns:p="http://schemas.openxmlformats.org/presentationml/2006/main" xmlns:c="http://schemas.openxmlformats.org/drawingml/2006/chart" xmlns:dgm="http://schemas.openxmlformats.org/drawingml/2006/diagram" xmlns:o="urn:schemas-microsoft-com:office:office" xmlns:v="urn:schemas-microsoft-com:vml" xmlns:pvml="urn:schemas-microsoft-com:office:powerpoint" xmlns:com="http://schemas.openxmlformats.org/drawingml/2006/compatibility" xmlns:p14="http://schemas.microsoft.com/office/powerpoint/2010/main" xmlns:p15="http://schemas.microsoft.com/office/powerpoint/2012/main" xmlns:ahyp="http://schemas.microsoft.com/office/drawing/2018/hyperlinkcolor">
+<p:sld xmlns:a="http://schemas.openxmlformats.org/drawingml/2006/main" xmlns:r="http://schemas.openxmlformats.org/officeDocument/2006/relationships" xmlns:p="http://schemas.openxmlformats.org/presentationml/2006/main">
   <p:cSld>
     <p:spTree>
       <p:nvGrpSpPr>
-        <p:cNvPr id="70" name="Shape 70"/>
+        <p:cNvPr id="1" name="Shape 70"/>
         <p:cNvGrpSpPr/>
         <p:nvPr/>
       </p:nvGrpSpPr>
@@ -10408,7 +10533,9 @@
       <p:sp>
         <p:nvSpPr>
           <p:cNvPr id="71" name="Google Shape;71;p11"/>
-          <p:cNvSpPr txBox="1"/>
+          <p:cNvSpPr txBox="1">
+            <a:spLocks noGrp="1"/>
+          </p:cNvSpPr>
           <p:nvPr>
             <p:ph type="title"/>
           </p:nvPr>
@@ -10427,12 +10554,12 @@
           </a:ln>
         </p:spPr>
         <p:txBody>
-          <a:bodyPr anchorCtr="0" anchor="t" bIns="91425" lIns="91425" spcFirstLastPara="1" rIns="91425" wrap="square" tIns="91425">
+          <a:bodyPr spcFirstLastPara="1" wrap="square" lIns="91425" tIns="91425" rIns="91425" bIns="91425" anchor="t" anchorCtr="0">
             <a:noAutofit/>
           </a:bodyPr>
           <a:lstStyle/>
           <a:p>
-            <a:pPr indent="0" lvl="0" marL="0" rtl="0" algn="l">
+            <a:pPr marL="0" lvl="0" indent="0" algn="l" rtl="0">
               <a:lnSpc>
                 <a:spcPct val="100000"/>
               </a:lnSpc>
@@ -10446,8 +10573,12 @@
               <a:buNone/>
             </a:pPr>
             <a:r>
+              <a:rPr lang="en-US" sz="4800" dirty="0"/>
+              <a:t>Agreements </a:t>
+            </a:r>
+            <a:r>
               <a:rPr lang="en-US" sz="4800"/>
-              <a:t>Agreements</a:t>
+              <a:t>for Sprint B</a:t>
             </a:r>
             <a:endParaRPr/>
           </a:p>
@@ -10456,9 +10587,11 @@
       <p:sp>
         <p:nvSpPr>
           <p:cNvPr id="72" name="Google Shape;72;p11"/>
-          <p:cNvSpPr txBox="1"/>
+          <p:cNvSpPr txBox="1">
+            <a:spLocks noGrp="1"/>
+          </p:cNvSpPr>
           <p:nvPr>
-            <p:ph idx="1" type="body"/>
+            <p:ph type="body" idx="1"/>
           </p:nvPr>
         </p:nvSpPr>
         <p:spPr>
@@ -10475,12 +10608,12 @@
           </a:ln>
         </p:spPr>
         <p:txBody>
-          <a:bodyPr anchorCtr="0" anchor="t" bIns="91425" lIns="91425" spcFirstLastPara="1" rIns="91425" wrap="square" tIns="91425">
+          <a:bodyPr spcFirstLastPara="1" wrap="square" lIns="91425" tIns="91425" rIns="91425" bIns="91425" anchor="t" anchorCtr="0">
             <a:noAutofit/>
           </a:bodyPr>
           <a:lstStyle/>
           <a:p>
-            <a:pPr indent="-342900" lvl="0" marL="457200" rtl="0" algn="l">
+            <a:pPr marL="457200" lvl="0" indent="-342900" algn="l" rtl="0">
               <a:lnSpc>
                 <a:spcPct val="100000"/>
               </a:lnSpc>
@@ -10500,7 +10633,7 @@
             <a:endParaRPr/>
           </a:p>
           <a:p>
-            <a:pPr indent="-342900" lvl="0" marL="457200" rtl="0" algn="l">
+            <a:pPr marL="457200" lvl="0" indent="-342900" algn="l" rtl="0">
               <a:lnSpc>
                 <a:spcPct val="100000"/>
               </a:lnSpc>
@@ -10520,7 +10653,7 @@
             <a:endParaRPr/>
           </a:p>
           <a:p>
-            <a:pPr indent="-342900" lvl="0" marL="457200" rtl="0" algn="l">
+            <a:pPr marL="457200" lvl="0" indent="-342900" algn="l" rtl="0">
               <a:lnSpc>
                 <a:spcPct val="100000"/>
               </a:lnSpc>
@@ -10540,7 +10673,7 @@
             <a:endParaRPr/>
           </a:p>
           <a:p>
-            <a:pPr indent="-342900" lvl="0" marL="457200" rtl="0" algn="l">
+            <a:pPr marL="457200" lvl="0" indent="-342900" algn="l" rtl="0">
               <a:lnSpc>
                 <a:spcPct val="100000"/>
               </a:lnSpc>
@@ -10564,9 +10697,11 @@
       <p:sp>
         <p:nvSpPr>
           <p:cNvPr id="73" name="Google Shape;73;p11"/>
-          <p:cNvSpPr txBox="1"/>
+          <p:cNvSpPr txBox="1">
+            <a:spLocks noGrp="1"/>
+          </p:cNvSpPr>
           <p:nvPr>
-            <p:ph idx="12" type="sldNum"/>
+            <p:ph type="sldNum" idx="12"/>
           </p:nvPr>
         </p:nvSpPr>
         <p:spPr>
@@ -10583,12 +10718,12 @@
           </a:ln>
         </p:spPr>
         <p:txBody>
-          <a:bodyPr anchorCtr="0" anchor="ctr" bIns="91425" lIns="91425" spcFirstLastPara="1" rIns="91425" wrap="square" tIns="91425">
+          <a:bodyPr spcFirstLastPara="1" wrap="square" lIns="91425" tIns="91425" rIns="91425" bIns="91425" anchor="ctr" anchorCtr="0">
             <a:noAutofit/>
           </a:bodyPr>
           <a:lstStyle/>
           <a:p>
-            <a:pPr indent="0" lvl="0" marL="0" rtl="0" algn="ctr">
+            <a:pPr marL="0" lvl="0" indent="0" algn="ctr" rtl="0">
               <a:lnSpc>
                 <a:spcPct val="100000"/>
               </a:lnSpc>
@@ -10603,7 +10738,7 @@
             </a:pPr>
             <a:fld id="{00000000-1234-1234-1234-123412341234}" type="slidenum">
               <a:rPr lang="en-US"/>
-              <a:t>‹#›</a:t>
+              <a:t>4</a:t>
             </a:fld>
             <a:endParaRPr/>
           </a:p>
@@ -10635,9 +10770,13 @@
               <a:ext cx="377975" cy="377950"/>
             </a:xfrm>
             <a:custGeom>
-              <a:rect b="b" l="l" r="r" t="t"/>
+              <a:avLst/>
+              <a:gdLst/>
+              <a:ahLst/>
+              <a:cxnLst/>
+              <a:rect l="l" t="t" r="r" b="b"/>
               <a:pathLst>
-                <a:path extrusionOk="0" h="15118" w="15119">
+                <a:path w="15119" h="15118" extrusionOk="0">
                   <a:moveTo>
                     <a:pt x="7181" y="0"/>
                   </a:moveTo>
@@ -11190,12 +11329,12 @@
             </a:ln>
           </p:spPr>
           <p:txBody>
-            <a:bodyPr anchorCtr="0" anchor="ctr" bIns="91425" lIns="91425" spcFirstLastPara="1" rIns="91425" wrap="square" tIns="91425">
+            <a:bodyPr spcFirstLastPara="1" wrap="square" lIns="91425" tIns="91425" rIns="91425" bIns="91425" anchor="ctr" anchorCtr="0">
               <a:noAutofit/>
             </a:bodyPr>
             <a:lstStyle/>
             <a:p>
-              <a:pPr indent="0" lvl="0" marL="0" marR="0" rtl="0" algn="l">
+              <a:pPr marL="0" marR="0" lvl="0" indent="0" algn="l" rtl="0">
                 <a:lnSpc>
                   <a:spcPct val="100000"/>
                 </a:lnSpc>
@@ -11212,10 +11351,7 @@
                 <a:buFont typeface="Arial"/>
                 <a:buNone/>
               </a:pPr>
-              <a:r>
-                <a:t/>
-              </a:r>
-              <a:endParaRPr b="0" i="0" sz="1400" u="none" cap="none" strike="noStrike">
+              <a:endParaRPr sz="1400" b="0" i="0" u="none" strike="noStrike" cap="none">
                 <a:solidFill>
                   <a:srgbClr val="000000"/>
                 </a:solidFill>
@@ -11239,9 +11375,13 @@
               <a:ext cx="182575" cy="182600"/>
             </a:xfrm>
             <a:custGeom>
-              <a:rect b="b" l="l" r="r" t="t"/>
+              <a:avLst/>
+              <a:gdLst/>
+              <a:ahLst/>
+              <a:cxnLst/>
+              <a:rect l="l" t="t" r="r" b="b"/>
               <a:pathLst>
-                <a:path extrusionOk="0" h="7304" w="7303">
+                <a:path w="7303" h="7304" extrusionOk="0">
                   <a:moveTo>
                     <a:pt x="3664" y="1"/>
                   </a:moveTo>
@@ -11593,12 +11733,12 @@
             </a:ln>
           </p:spPr>
           <p:txBody>
-            <a:bodyPr anchorCtr="0" anchor="ctr" bIns="91425" lIns="91425" spcFirstLastPara="1" rIns="91425" wrap="square" tIns="91425">
+            <a:bodyPr spcFirstLastPara="1" wrap="square" lIns="91425" tIns="91425" rIns="91425" bIns="91425" anchor="ctr" anchorCtr="0">
               <a:noAutofit/>
             </a:bodyPr>
             <a:lstStyle/>
             <a:p>
-              <a:pPr indent="0" lvl="0" marL="0" marR="0" rtl="0" algn="l">
+              <a:pPr marL="0" marR="0" lvl="0" indent="0" algn="l" rtl="0">
                 <a:lnSpc>
                   <a:spcPct val="100000"/>
                 </a:lnSpc>
@@ -11615,10 +11755,7 @@
                 <a:buFont typeface="Arial"/>
                 <a:buNone/>
               </a:pPr>
-              <a:r>
-                <a:t/>
-              </a:r>
-              <a:endParaRPr b="0" i="0" sz="1400" u="none" cap="none" strike="noStrike">
+              <a:endParaRPr sz="1400" b="0" i="0" u="none" strike="noStrike" cap="none">
                 <a:solidFill>
                   <a:srgbClr val="000000"/>
                 </a:solidFill>
@@ -11642,9 +11779,13 @@
               <a:ext cx="75125" cy="70850"/>
             </a:xfrm>
             <a:custGeom>
-              <a:rect b="b" l="l" r="r" t="t"/>
+              <a:avLst/>
+              <a:gdLst/>
+              <a:ahLst/>
+              <a:cxnLst/>
+              <a:rect l="l" t="t" r="r" b="b"/>
               <a:pathLst>
-                <a:path extrusionOk="0" h="2834" w="3005">
+                <a:path w="3005" h="2834" extrusionOk="0">
                   <a:moveTo>
                     <a:pt x="1466" y="0"/>
                   </a:moveTo>
@@ -11729,12 +11870,12 @@
             </a:ln>
           </p:spPr>
           <p:txBody>
-            <a:bodyPr anchorCtr="0" anchor="ctr" bIns="91425" lIns="91425" spcFirstLastPara="1" rIns="91425" wrap="square" tIns="91425">
+            <a:bodyPr spcFirstLastPara="1" wrap="square" lIns="91425" tIns="91425" rIns="91425" bIns="91425" anchor="ctr" anchorCtr="0">
               <a:noAutofit/>
             </a:bodyPr>
             <a:lstStyle/>
             <a:p>
-              <a:pPr indent="0" lvl="0" marL="0" marR="0" rtl="0" algn="l">
+              <a:pPr marL="0" marR="0" lvl="0" indent="0" algn="l" rtl="0">
                 <a:lnSpc>
                   <a:spcPct val="100000"/>
                 </a:lnSpc>
@@ -11751,10 +11892,7 @@
                 <a:buFont typeface="Arial"/>
                 <a:buNone/>
               </a:pPr>
-              <a:r>
-                <a:t/>
-              </a:r>
-              <a:endParaRPr b="0" i="0" sz="1400" u="none" cap="none" strike="noStrike">
+              <a:endParaRPr sz="1400" b="0" i="0" u="none" strike="noStrike" cap="none">
                 <a:solidFill>
                   <a:srgbClr val="000000"/>
                 </a:solidFill>
@@ -11778,9 +11916,13 @@
               <a:ext cx="74525" cy="70850"/>
             </a:xfrm>
             <a:custGeom>
-              <a:rect b="b" l="l" r="r" t="t"/>
+              <a:avLst/>
+              <a:gdLst/>
+              <a:ahLst/>
+              <a:cxnLst/>
+              <a:rect l="l" t="t" r="r" b="b"/>
               <a:pathLst>
-                <a:path extrusionOk="0" h="2834" w="2981">
+                <a:path w="2981" h="2834" extrusionOk="0">
                   <a:moveTo>
                     <a:pt x="1539" y="0"/>
                   </a:moveTo>
@@ -11865,12 +12007,12 @@
             </a:ln>
           </p:spPr>
           <p:txBody>
-            <a:bodyPr anchorCtr="0" anchor="ctr" bIns="91425" lIns="91425" spcFirstLastPara="1" rIns="91425" wrap="square" tIns="91425">
+            <a:bodyPr spcFirstLastPara="1" wrap="square" lIns="91425" tIns="91425" rIns="91425" bIns="91425" anchor="ctr" anchorCtr="0">
               <a:noAutofit/>
             </a:bodyPr>
             <a:lstStyle/>
             <a:p>
-              <a:pPr indent="0" lvl="0" marL="0" marR="0" rtl="0" algn="l">
+              <a:pPr marL="0" marR="0" lvl="0" indent="0" algn="l" rtl="0">
                 <a:lnSpc>
                   <a:spcPct val="100000"/>
                 </a:lnSpc>
@@ -11887,10 +12029,7 @@
                 <a:buFont typeface="Arial"/>
                 <a:buNone/>
               </a:pPr>
-              <a:r>
-                <a:t/>
-              </a:r>
-              <a:endParaRPr b="0" i="0" sz="1400" u="none" cap="none" strike="noStrike">
+              <a:endParaRPr sz="1400" b="0" i="0" u="none" strike="noStrike" cap="none">
                 <a:solidFill>
                   <a:srgbClr val="000000"/>
                 </a:solidFill>
@@ -11914,9 +12053,13 @@
               <a:ext cx="251575" cy="255850"/>
             </a:xfrm>
             <a:custGeom>
-              <a:rect b="b" l="l" r="r" t="t"/>
+              <a:avLst/>
+              <a:gdLst/>
+              <a:ahLst/>
+              <a:cxnLst/>
+              <a:rect l="l" t="t" r="r" b="b"/>
               <a:pathLst>
-                <a:path extrusionOk="0" h="10234" w="10063">
+                <a:path w="10063" h="10234" extrusionOk="0">
                   <a:moveTo>
                     <a:pt x="7352" y="0"/>
                   </a:moveTo>
@@ -12151,12 +12294,12 @@
             </a:ln>
           </p:spPr>
           <p:txBody>
-            <a:bodyPr anchorCtr="0" anchor="ctr" bIns="91425" lIns="91425" spcFirstLastPara="1" rIns="91425" wrap="square" tIns="91425">
+            <a:bodyPr spcFirstLastPara="1" wrap="square" lIns="91425" tIns="91425" rIns="91425" bIns="91425" anchor="ctr" anchorCtr="0">
               <a:noAutofit/>
             </a:bodyPr>
             <a:lstStyle/>
             <a:p>
-              <a:pPr indent="0" lvl="0" marL="0" marR="0" rtl="0" algn="l">
+              <a:pPr marL="0" marR="0" lvl="0" indent="0" algn="l" rtl="0">
                 <a:lnSpc>
                   <a:spcPct val="100000"/>
                 </a:lnSpc>
@@ -12173,10 +12316,7 @@
                 <a:buFont typeface="Arial"/>
                 <a:buNone/>
               </a:pPr>
-              <a:r>
-                <a:t/>
-              </a:r>
-              <a:endParaRPr b="0" i="0" sz="1400" u="none" cap="none" strike="noStrike">
+              <a:endParaRPr sz="1400" b="0" i="0" u="none" strike="noStrike" cap="none">
                 <a:solidFill>
                   <a:srgbClr val="000000"/>
                 </a:solidFill>
@@ -12209,12 +12349,12 @@
           </a:ln>
         </p:spPr>
         <p:txBody>
-          <a:bodyPr anchorCtr="0" anchor="t" bIns="91425" lIns="91425" spcFirstLastPara="1" rIns="91425" wrap="square" tIns="91425">
+          <a:bodyPr spcFirstLastPara="1" wrap="square" lIns="91425" tIns="91425" rIns="91425" bIns="91425" anchor="t" anchorCtr="0">
             <a:noAutofit/>
           </a:bodyPr>
           <a:lstStyle/>
           <a:p>
-            <a:pPr indent="0" lvl="0" marL="0" marR="0" rtl="0" algn="l">
+            <a:pPr marL="0" marR="0" lvl="0" indent="0" algn="l" rtl="0">
               <a:lnSpc>
                 <a:spcPct val="100000"/>
               </a:lnSpc>
@@ -12231,10 +12371,7 @@
               <a:buFont typeface="Raleway Thin"/>
               <a:buNone/>
             </a:pPr>
-            <a:r>
-              <a:t/>
-            </a:r>
-            <a:endParaRPr b="0" i="0" sz="4800" u="none" cap="none" strike="noStrike">
+            <a:endParaRPr sz="4800" b="0" i="0" u="none" strike="noStrike" cap="none">
               <a:solidFill>
                 <a:schemeClr val="dk1"/>
               </a:solidFill>
@@ -12255,11 +12392,11 @@
 </file>
 
 <file path=ppt/slides/slide5.xml><?xml version="1.0" encoding="utf-8"?>
-<p:sld xmlns:a="http://schemas.openxmlformats.org/drawingml/2006/main" xmlns:r="http://schemas.openxmlformats.org/officeDocument/2006/relationships" xmlns:mc="http://schemas.openxmlformats.org/markup-compatibility/2006" xmlns:mv="urn:schemas-microsoft-com:mac:vml" xmlns:p="http://schemas.openxmlformats.org/presentationml/2006/main" xmlns:c="http://schemas.openxmlformats.org/drawingml/2006/chart" xmlns:dgm="http://schemas.openxmlformats.org/drawingml/2006/diagram" xmlns:o="urn:schemas-microsoft-com:office:office" xmlns:v="urn:schemas-microsoft-com:vml" xmlns:pvml="urn:schemas-microsoft-com:office:powerpoint" xmlns:com="http://schemas.openxmlformats.org/drawingml/2006/compatibility" xmlns:p14="http://schemas.microsoft.com/office/powerpoint/2010/main" xmlns:p15="http://schemas.microsoft.com/office/powerpoint/2012/main" xmlns:ahyp="http://schemas.microsoft.com/office/drawing/2018/hyperlinkcolor">
+<p:sld xmlns:a="http://schemas.openxmlformats.org/drawingml/2006/main" xmlns:r="http://schemas.openxmlformats.org/officeDocument/2006/relationships" xmlns:p="http://schemas.openxmlformats.org/presentationml/2006/main">
   <p:cSld>
     <p:spTree>
       <p:nvGrpSpPr>
-        <p:cNvPr id="84" name="Shape 84"/>
+        <p:cNvPr id="1" name="Shape 84"/>
         <p:cNvGrpSpPr/>
         <p:nvPr/>
       </p:nvGrpSpPr>
@@ -12274,7 +12411,9 @@
       <p:sp>
         <p:nvSpPr>
           <p:cNvPr id="85" name="Google Shape;85;p12"/>
-          <p:cNvSpPr txBox="1"/>
+          <p:cNvSpPr txBox="1">
+            <a:spLocks noGrp="1"/>
+          </p:cNvSpPr>
           <p:nvPr>
             <p:ph type="title"/>
           </p:nvPr>
@@ -12293,12 +12432,12 @@
           </a:ln>
         </p:spPr>
         <p:txBody>
-          <a:bodyPr anchorCtr="0" anchor="t" bIns="91425" lIns="91425" spcFirstLastPara="1" rIns="91425" wrap="square" tIns="91425">
+          <a:bodyPr spcFirstLastPara="1" wrap="square" lIns="91425" tIns="91425" rIns="91425" bIns="91425" anchor="t" anchorCtr="0">
             <a:noAutofit/>
           </a:bodyPr>
           <a:lstStyle/>
           <a:p>
-            <a:pPr indent="0" lvl="0" marL="0" rtl="0" algn="l">
+            <a:pPr marL="0" lvl="0" indent="0" algn="l" rtl="0">
               <a:lnSpc>
                 <a:spcPct val="100000"/>
               </a:lnSpc>
@@ -12322,9 +12461,11 @@
       <p:sp>
         <p:nvSpPr>
           <p:cNvPr id="86" name="Google Shape;86;p12"/>
-          <p:cNvSpPr txBox="1"/>
+          <p:cNvSpPr txBox="1">
+            <a:spLocks noGrp="1"/>
+          </p:cNvSpPr>
           <p:nvPr>
-            <p:ph idx="12" type="sldNum"/>
+            <p:ph type="sldNum" idx="12"/>
           </p:nvPr>
         </p:nvSpPr>
         <p:spPr>
@@ -12341,12 +12482,12 @@
           </a:ln>
         </p:spPr>
         <p:txBody>
-          <a:bodyPr anchorCtr="0" anchor="ctr" bIns="91425" lIns="91425" spcFirstLastPara="1" rIns="91425" wrap="square" tIns="91425">
+          <a:bodyPr spcFirstLastPara="1" wrap="square" lIns="91425" tIns="91425" rIns="91425" bIns="91425" anchor="ctr" anchorCtr="0">
             <a:noAutofit/>
           </a:bodyPr>
           <a:lstStyle/>
           <a:p>
-            <a:pPr indent="0" lvl="0" marL="0" rtl="0" algn="ctr">
+            <a:pPr marL="0" lvl="0" indent="0" algn="ctr" rtl="0">
               <a:lnSpc>
                 <a:spcPct val="100000"/>
               </a:lnSpc>
@@ -12361,7 +12502,7 @@
             </a:pPr>
             <a:fld id="{00000000-1234-1234-1234-123412341234}" type="slidenum">
               <a:rPr lang="en-US"/>
-              <a:t>‹#›</a:t>
+              <a:t>5</a:t>
             </a:fld>
             <a:endParaRPr/>
           </a:p>
@@ -12370,9 +12511,11 @@
       <p:sp>
         <p:nvSpPr>
           <p:cNvPr id="87" name="Google Shape;87;p12"/>
-          <p:cNvSpPr txBox="1"/>
+          <p:cNvSpPr txBox="1">
+            <a:spLocks noGrp="1"/>
+          </p:cNvSpPr>
           <p:nvPr>
-            <p:ph idx="1" type="body"/>
+            <p:ph type="body" idx="1"/>
           </p:nvPr>
         </p:nvSpPr>
         <p:spPr>
@@ -12389,12 +12532,12 @@
           </a:ln>
         </p:spPr>
         <p:txBody>
-          <a:bodyPr anchorCtr="0" anchor="t" bIns="91425" lIns="91425" spcFirstLastPara="1" rIns="91425" wrap="square" tIns="91425">
+          <a:bodyPr spcFirstLastPara="1" wrap="square" lIns="91425" tIns="91425" rIns="91425" bIns="91425" anchor="t" anchorCtr="0">
             <a:noAutofit/>
           </a:bodyPr>
           <a:lstStyle/>
           <a:p>
-            <a:pPr indent="-342900" lvl="0" marL="457200" rtl="0" algn="l">
+            <a:pPr marL="457200" lvl="0" indent="-342900" algn="l" rtl="0">
               <a:lnSpc>
                 <a:spcPct val="100000"/>
               </a:lnSpc>
@@ -12414,7 +12557,7 @@
             <a:endParaRPr/>
           </a:p>
           <a:p>
-            <a:pPr indent="-342900" lvl="0" marL="457200" rtl="0" algn="l">
+            <a:pPr marL="457200" lvl="0" indent="-342900" algn="l" rtl="0">
               <a:lnSpc>
                 <a:spcPct val="100000"/>
               </a:lnSpc>
@@ -12434,7 +12577,7 @@
             <a:endParaRPr/>
           </a:p>
           <a:p>
-            <a:pPr indent="-342900" lvl="0" marL="457200" rtl="0" algn="l">
+            <a:pPr marL="457200" lvl="0" indent="-342900" algn="l" rtl="0">
               <a:lnSpc>
                 <a:spcPct val="100000"/>
               </a:lnSpc>
@@ -12481,9 +12624,13 @@
               <a:ext cx="102600" cy="22625"/>
             </a:xfrm>
             <a:custGeom>
-              <a:rect b="b" l="l" r="r" t="t"/>
+              <a:avLst/>
+              <a:gdLst/>
+              <a:ahLst/>
+              <a:cxnLst/>
+              <a:rect l="l" t="t" r="r" b="b"/>
               <a:pathLst>
-                <a:path extrusionOk="0" h="905" w="4104">
+                <a:path w="4104" h="905" extrusionOk="0">
                   <a:moveTo>
                     <a:pt x="1" y="1"/>
                   </a:moveTo>
@@ -12508,12 +12655,12 @@
             </a:ln>
           </p:spPr>
           <p:txBody>
-            <a:bodyPr anchorCtr="0" anchor="ctr" bIns="91425" lIns="91425" spcFirstLastPara="1" rIns="91425" wrap="square" tIns="91425">
+            <a:bodyPr spcFirstLastPara="1" wrap="square" lIns="91425" tIns="91425" rIns="91425" bIns="91425" anchor="ctr" anchorCtr="0">
               <a:noAutofit/>
             </a:bodyPr>
             <a:lstStyle/>
             <a:p>
-              <a:pPr indent="0" lvl="0" marL="0" marR="0" rtl="0" algn="l">
+              <a:pPr marL="0" marR="0" lvl="0" indent="0" algn="l" rtl="0">
                 <a:lnSpc>
                   <a:spcPct val="100000"/>
                 </a:lnSpc>
@@ -12530,10 +12677,7 @@
                 <a:buFont typeface="Arial"/>
                 <a:buNone/>
               </a:pPr>
-              <a:r>
-                <a:t/>
-              </a:r>
-              <a:endParaRPr b="0" i="0" sz="1400" u="none" cap="none" strike="noStrike">
+              <a:endParaRPr sz="1400" b="0" i="0" u="none" strike="noStrike" cap="none">
                 <a:solidFill>
                   <a:srgbClr val="000000"/>
                 </a:solidFill>
@@ -12557,9 +12701,13 @@
               <a:ext cx="102600" cy="22625"/>
             </a:xfrm>
             <a:custGeom>
-              <a:rect b="b" l="l" r="r" t="t"/>
+              <a:avLst/>
+              <a:gdLst/>
+              <a:ahLst/>
+              <a:cxnLst/>
+              <a:rect l="l" t="t" r="r" b="b"/>
               <a:pathLst>
-                <a:path extrusionOk="0" h="905" w="4104">
+                <a:path w="4104" h="905" extrusionOk="0">
                   <a:moveTo>
                     <a:pt x="1" y="1"/>
                   </a:moveTo>
@@ -12584,12 +12732,12 @@
             </a:ln>
           </p:spPr>
           <p:txBody>
-            <a:bodyPr anchorCtr="0" anchor="ctr" bIns="91425" lIns="91425" spcFirstLastPara="1" rIns="91425" wrap="square" tIns="91425">
+            <a:bodyPr spcFirstLastPara="1" wrap="square" lIns="91425" tIns="91425" rIns="91425" bIns="91425" anchor="ctr" anchorCtr="0">
               <a:noAutofit/>
             </a:bodyPr>
             <a:lstStyle/>
             <a:p>
-              <a:pPr indent="0" lvl="0" marL="0" marR="0" rtl="0" algn="l">
+              <a:pPr marL="0" marR="0" lvl="0" indent="0" algn="l" rtl="0">
                 <a:lnSpc>
                   <a:spcPct val="100000"/>
                 </a:lnSpc>
@@ -12606,10 +12754,7 @@
                 <a:buFont typeface="Arial"/>
                 <a:buNone/>
               </a:pPr>
-              <a:r>
-                <a:t/>
-              </a:r>
-              <a:endParaRPr b="0" i="0" sz="1400" u="none" cap="none" strike="noStrike">
+              <a:endParaRPr sz="1400" b="0" i="0" u="none" strike="noStrike" cap="none">
                 <a:solidFill>
                   <a:srgbClr val="000000"/>
                 </a:solidFill>
@@ -12633,9 +12778,13 @@
               <a:ext cx="102600" cy="29925"/>
             </a:xfrm>
             <a:custGeom>
-              <a:rect b="b" l="l" r="r" t="t"/>
+              <a:avLst/>
+              <a:gdLst/>
+              <a:ahLst/>
+              <a:cxnLst/>
+              <a:rect l="l" t="t" r="r" b="b"/>
               <a:pathLst>
-                <a:path extrusionOk="0" h="1197" w="4104">
+                <a:path w="4104" h="1197" extrusionOk="0">
                   <a:moveTo>
                     <a:pt x="1" y="0"/>
                   </a:moveTo>
@@ -12693,12 +12842,12 @@
             </a:ln>
           </p:spPr>
           <p:txBody>
-            <a:bodyPr anchorCtr="0" anchor="ctr" bIns="91425" lIns="91425" spcFirstLastPara="1" rIns="91425" wrap="square" tIns="91425">
+            <a:bodyPr spcFirstLastPara="1" wrap="square" lIns="91425" tIns="91425" rIns="91425" bIns="91425" anchor="ctr" anchorCtr="0">
               <a:noAutofit/>
             </a:bodyPr>
             <a:lstStyle/>
             <a:p>
-              <a:pPr indent="0" lvl="0" marL="0" marR="0" rtl="0" algn="l">
+              <a:pPr marL="0" marR="0" lvl="0" indent="0" algn="l" rtl="0">
                 <a:lnSpc>
                   <a:spcPct val="100000"/>
                 </a:lnSpc>
@@ -12715,10 +12864,7 @@
                 <a:buFont typeface="Arial"/>
                 <a:buNone/>
               </a:pPr>
-              <a:r>
-                <a:t/>
-              </a:r>
-              <a:endParaRPr b="0" i="0" sz="1400" u="none" cap="none" strike="noStrike">
+              <a:endParaRPr sz="1400" b="0" i="0" u="none" strike="noStrike" cap="none">
                 <a:solidFill>
                   <a:srgbClr val="000000"/>
                 </a:solidFill>
@@ -12742,9 +12888,13 @@
               <a:ext cx="95275" cy="160600"/>
             </a:xfrm>
             <a:custGeom>
-              <a:rect b="b" l="l" r="r" t="t"/>
+              <a:avLst/>
+              <a:gdLst/>
+              <a:ahLst/>
+              <a:cxnLst/>
+              <a:rect l="l" t="t" r="r" b="b"/>
               <a:pathLst>
-                <a:path extrusionOk="0" h="6424" w="3811">
+                <a:path w="3811" h="6424" extrusionOk="0">
                   <a:moveTo>
                     <a:pt x="1905" y="0"/>
                   </a:moveTo>
@@ -12805,12 +12955,12 @@
             </a:ln>
           </p:spPr>
           <p:txBody>
-            <a:bodyPr anchorCtr="0" anchor="ctr" bIns="91425" lIns="91425" spcFirstLastPara="1" rIns="91425" wrap="square" tIns="91425">
+            <a:bodyPr spcFirstLastPara="1" wrap="square" lIns="91425" tIns="91425" rIns="91425" bIns="91425" anchor="ctr" anchorCtr="0">
               <a:noAutofit/>
             </a:bodyPr>
             <a:lstStyle/>
             <a:p>
-              <a:pPr indent="0" lvl="0" marL="0" marR="0" rtl="0" algn="l">
+              <a:pPr marL="0" marR="0" lvl="0" indent="0" algn="l" rtl="0">
                 <a:lnSpc>
                   <a:spcPct val="100000"/>
                 </a:lnSpc>
@@ -12827,10 +12977,7 @@
                 <a:buFont typeface="Arial"/>
                 <a:buNone/>
               </a:pPr>
-              <a:r>
-                <a:t/>
-              </a:r>
-              <a:endParaRPr b="0" i="0" sz="1400" u="none" cap="none" strike="noStrike">
+              <a:endParaRPr sz="1400" b="0" i="0" u="none" strike="noStrike" cap="none">
                 <a:solidFill>
                   <a:srgbClr val="000000"/>
                 </a:solidFill>
@@ -12854,9 +13001,13 @@
               <a:ext cx="257700" cy="308375"/>
             </a:xfrm>
             <a:custGeom>
-              <a:rect b="b" l="l" r="r" t="t"/>
+              <a:avLst/>
+              <a:gdLst/>
+              <a:ahLst/>
+              <a:cxnLst/>
+              <a:rect l="l" t="t" r="r" b="b"/>
               <a:pathLst>
-                <a:path extrusionOk="0" h="12335" w="10308">
+                <a:path w="10308" h="12335" extrusionOk="0">
                   <a:moveTo>
                     <a:pt x="5154" y="1"/>
                   </a:moveTo>
@@ -13139,12 +13290,12 @@
             </a:ln>
           </p:spPr>
           <p:txBody>
-            <a:bodyPr anchorCtr="0" anchor="ctr" bIns="91425" lIns="91425" spcFirstLastPara="1" rIns="91425" wrap="square" tIns="91425">
+            <a:bodyPr spcFirstLastPara="1" wrap="square" lIns="91425" tIns="91425" rIns="91425" bIns="91425" anchor="ctr" anchorCtr="0">
               <a:noAutofit/>
             </a:bodyPr>
             <a:lstStyle/>
             <a:p>
-              <a:pPr indent="0" lvl="0" marL="0" marR="0" rtl="0" algn="l">
+              <a:pPr marL="0" marR="0" lvl="0" indent="0" algn="l" rtl="0">
                 <a:lnSpc>
                   <a:spcPct val="100000"/>
                 </a:lnSpc>
@@ -13161,10 +13312,7 @@
                 <a:buFont typeface="Arial"/>
                 <a:buNone/>
               </a:pPr>
-              <a:r>
-                <a:t/>
-              </a:r>
-              <a:endParaRPr b="0" i="0" sz="1400" u="none" cap="none" strike="noStrike">
+              <a:endParaRPr sz="1400" b="0" i="0" u="none" strike="noStrike" cap="none">
                 <a:solidFill>
                   <a:srgbClr val="000000"/>
                 </a:solidFill>
@@ -13186,11 +13334,11 @@
 </file>
 
 <file path=ppt/slides/slide6.xml><?xml version="1.0" encoding="utf-8"?>
-<p:sld xmlns:a="http://schemas.openxmlformats.org/drawingml/2006/main" xmlns:r="http://schemas.openxmlformats.org/officeDocument/2006/relationships" xmlns:mc="http://schemas.openxmlformats.org/markup-compatibility/2006" xmlns:mv="urn:schemas-microsoft-com:mac:vml" xmlns:p="http://schemas.openxmlformats.org/presentationml/2006/main" xmlns:c="http://schemas.openxmlformats.org/drawingml/2006/chart" xmlns:dgm="http://schemas.openxmlformats.org/drawingml/2006/diagram" xmlns:o="urn:schemas-microsoft-com:office:office" xmlns:v="urn:schemas-microsoft-com:vml" xmlns:pvml="urn:schemas-microsoft-com:office:powerpoint" xmlns:com="http://schemas.openxmlformats.org/drawingml/2006/compatibility" xmlns:p14="http://schemas.microsoft.com/office/powerpoint/2010/main" xmlns:p15="http://schemas.microsoft.com/office/powerpoint/2012/main" xmlns:ahyp="http://schemas.microsoft.com/office/drawing/2018/hyperlinkcolor">
+<p:sld xmlns:a="http://schemas.openxmlformats.org/drawingml/2006/main" xmlns:r="http://schemas.openxmlformats.org/officeDocument/2006/relationships" xmlns:p="http://schemas.openxmlformats.org/presentationml/2006/main">
   <p:cSld>
     <p:spTree>
       <p:nvGrpSpPr>
-        <p:cNvPr id="97" name="Shape 97"/>
+        <p:cNvPr id="1" name="Shape 97"/>
         <p:cNvGrpSpPr/>
         <p:nvPr/>
       </p:nvGrpSpPr>
@@ -13205,7 +13353,9 @@
       <p:sp>
         <p:nvSpPr>
           <p:cNvPr id="98" name="Google Shape;98;p13"/>
-          <p:cNvSpPr txBox="1"/>
+          <p:cNvSpPr txBox="1">
+            <a:spLocks noGrp="1"/>
+          </p:cNvSpPr>
           <p:nvPr>
             <p:ph type="title"/>
           </p:nvPr>
@@ -13224,12 +13374,12 @@
           </a:ln>
         </p:spPr>
         <p:txBody>
-          <a:bodyPr anchorCtr="0" anchor="t" bIns="91425" lIns="91425" spcFirstLastPara="1" rIns="91425" wrap="square" tIns="91425">
+          <a:bodyPr spcFirstLastPara="1" wrap="square" lIns="91425" tIns="91425" rIns="91425" bIns="91425" anchor="t" anchorCtr="0">
             <a:noAutofit/>
           </a:bodyPr>
           <a:lstStyle/>
           <a:p>
-            <a:pPr indent="0" lvl="0" marL="0" rtl="0" algn="l">
+            <a:pPr marL="0" lvl="0" indent="0" algn="l" rtl="0">
               <a:lnSpc>
                 <a:spcPct val="100000"/>
               </a:lnSpc>
@@ -13253,9 +13403,11 @@
       <p:sp>
         <p:nvSpPr>
           <p:cNvPr id="99" name="Google Shape;99;p13"/>
-          <p:cNvSpPr txBox="1"/>
+          <p:cNvSpPr txBox="1">
+            <a:spLocks noGrp="1"/>
+          </p:cNvSpPr>
           <p:nvPr>
-            <p:ph idx="1" type="body"/>
+            <p:ph type="body" idx="1"/>
           </p:nvPr>
         </p:nvSpPr>
         <p:spPr>
@@ -13272,12 +13424,12 @@
           </a:ln>
         </p:spPr>
         <p:txBody>
-          <a:bodyPr anchorCtr="0" anchor="t" bIns="91425" lIns="91425" spcFirstLastPara="1" rIns="91425" wrap="square" tIns="91425">
+          <a:bodyPr spcFirstLastPara="1" wrap="square" lIns="91425" tIns="91425" rIns="91425" bIns="91425" anchor="t" anchorCtr="0">
             <a:noAutofit/>
           </a:bodyPr>
           <a:lstStyle/>
           <a:p>
-            <a:pPr indent="0" lvl="0" marL="0" rtl="0" algn="l">
+            <a:pPr marL="0" lvl="0" indent="0" algn="l" rtl="0">
               <a:lnSpc>
                 <a:spcPct val="100000"/>
               </a:lnSpc>
@@ -13300,7 +13452,7 @@
       </p:sp>
       <p:pic>
         <p:nvPicPr>
-          <p:cNvPr descr="photo-1481456384069-0effc539ab7e" id="100" name="Google Shape;100;p13"/>
+          <p:cNvPr id="100" name="Google Shape;100;p13" descr="photo-1481456384069-0effc539ab7e"/>
           <p:cNvPicPr preferRelativeResize="0"/>
           <p:nvPr/>
         </p:nvPicPr>
@@ -13308,7 +13460,7 @@
           <a:blip r:embed="rId3">
             <a:alphaModFix/>
           </a:blip>
-          <a:srcRect b="0" l="16647" r="16654" t="0"/>
+          <a:srcRect l="16647" r="16654"/>
           <a:stretch/>
         </p:blipFill>
         <p:spPr>
@@ -13328,9 +13480,11 @@
       <p:sp>
         <p:nvSpPr>
           <p:cNvPr id="101" name="Google Shape;101;p13"/>
-          <p:cNvSpPr txBox="1"/>
+          <p:cNvSpPr txBox="1">
+            <a:spLocks noGrp="1"/>
+          </p:cNvSpPr>
           <p:nvPr>
-            <p:ph idx="12" type="sldNum"/>
+            <p:ph type="sldNum" idx="12"/>
           </p:nvPr>
         </p:nvSpPr>
         <p:spPr>
@@ -13347,12 +13501,12 @@
           </a:ln>
         </p:spPr>
         <p:txBody>
-          <a:bodyPr anchorCtr="0" anchor="ctr" bIns="91425" lIns="91425" spcFirstLastPara="1" rIns="91425" wrap="square" tIns="91425">
+          <a:bodyPr spcFirstLastPara="1" wrap="square" lIns="91425" tIns="91425" rIns="91425" bIns="91425" anchor="ctr" anchorCtr="0">
             <a:noAutofit/>
           </a:bodyPr>
           <a:lstStyle/>
           <a:p>
-            <a:pPr indent="0" lvl="0" marL="0" rtl="0" algn="ctr">
+            <a:pPr marL="0" lvl="0" indent="0" algn="ctr" rtl="0">
               <a:lnSpc>
                 <a:spcPct val="100000"/>
               </a:lnSpc>
@@ -13367,7 +13521,7 @@
             </a:pPr>
             <a:fld id="{00000000-1234-1234-1234-123412341234}" type="slidenum">
               <a:rPr lang="en-US"/>
-              <a:t>‹#›</a:t>
+              <a:t>6</a:t>
             </a:fld>
             <a:endParaRPr/>
           </a:p>
@@ -13399,9 +13553,13 @@
               <a:ext cx="425000" cy="373700"/>
             </a:xfrm>
             <a:custGeom>
-              <a:rect b="b" l="l" r="r" t="t"/>
+              <a:avLst/>
+              <a:gdLst/>
+              <a:ahLst/>
+              <a:cxnLst/>
+              <a:rect l="l" t="t" r="r" b="b"/>
               <a:pathLst>
-                <a:path extrusionOk="0" h="14948" w="17000">
+                <a:path w="17000" h="14948" extrusionOk="0">
                   <a:moveTo>
                     <a:pt x="16022" y="978"/>
                   </a:moveTo>
@@ -13535,12 +13693,12 @@
             </a:ln>
           </p:spPr>
           <p:txBody>
-            <a:bodyPr anchorCtr="0" anchor="ctr" bIns="91425" lIns="91425" spcFirstLastPara="1" rIns="91425" wrap="square" tIns="91425">
+            <a:bodyPr spcFirstLastPara="1" wrap="square" lIns="91425" tIns="91425" rIns="91425" bIns="91425" anchor="ctr" anchorCtr="0">
               <a:noAutofit/>
             </a:bodyPr>
             <a:lstStyle/>
             <a:p>
-              <a:pPr indent="0" lvl="0" marL="0" marR="0" rtl="0" algn="l">
+              <a:pPr marL="0" marR="0" lvl="0" indent="0" algn="l" rtl="0">
                 <a:lnSpc>
                   <a:spcPct val="100000"/>
                 </a:lnSpc>
@@ -13557,10 +13715,7 @@
                 <a:buFont typeface="Arial"/>
                 <a:buNone/>
               </a:pPr>
-              <a:r>
-                <a:t/>
-              </a:r>
-              <a:endParaRPr b="0" i="0" sz="1400" u="none" cap="none" strike="noStrike">
+              <a:endParaRPr sz="1400" b="0" i="0" u="none" strike="noStrike" cap="none">
                 <a:solidFill>
                   <a:srgbClr val="000000"/>
                 </a:solidFill>
@@ -13584,9 +13739,13 @@
               <a:ext cx="351700" cy="300425"/>
             </a:xfrm>
             <a:custGeom>
-              <a:rect b="b" l="l" r="r" t="t"/>
+              <a:avLst/>
+              <a:gdLst/>
+              <a:ahLst/>
+              <a:cxnLst/>
+              <a:rect l="l" t="t" r="r" b="b"/>
               <a:pathLst>
-                <a:path extrusionOk="0" h="12017" w="14068">
+                <a:path w="14068" h="12017" extrusionOk="0">
                   <a:moveTo>
                     <a:pt x="10111" y="1563"/>
                   </a:moveTo>
@@ -13873,12 +14032,12 @@
             </a:ln>
           </p:spPr>
           <p:txBody>
-            <a:bodyPr anchorCtr="0" anchor="ctr" bIns="91425" lIns="91425" spcFirstLastPara="1" rIns="91425" wrap="square" tIns="91425">
+            <a:bodyPr spcFirstLastPara="1" wrap="square" lIns="91425" tIns="91425" rIns="91425" bIns="91425" anchor="ctr" anchorCtr="0">
               <a:noAutofit/>
             </a:bodyPr>
             <a:lstStyle/>
             <a:p>
-              <a:pPr indent="0" lvl="0" marL="0" marR="0" rtl="0" algn="l">
+              <a:pPr marL="0" marR="0" lvl="0" indent="0" algn="l" rtl="0">
                 <a:lnSpc>
                   <a:spcPct val="100000"/>
                 </a:lnSpc>
@@ -13895,10 +14054,7 @@
                 <a:buFont typeface="Arial"/>
                 <a:buNone/>
               </a:pPr>
-              <a:r>
-                <a:t/>
-              </a:r>
-              <a:endParaRPr b="0" i="0" sz="1400" u="none" cap="none" strike="noStrike">
+              <a:endParaRPr sz="1400" b="0" i="0" u="none" strike="noStrike" cap="none">
                 <a:solidFill>
                   <a:srgbClr val="000000"/>
                 </a:solidFill>
@@ -13920,11 +14076,11 @@
 </file>
 
 <file path=ppt/slides/slide7.xml><?xml version="1.0" encoding="utf-8"?>
-<p:sld xmlns:a="http://schemas.openxmlformats.org/drawingml/2006/main" xmlns:r="http://schemas.openxmlformats.org/officeDocument/2006/relationships" xmlns:mc="http://schemas.openxmlformats.org/markup-compatibility/2006" xmlns:mv="urn:schemas-microsoft-com:mac:vml" xmlns:p="http://schemas.openxmlformats.org/presentationml/2006/main" xmlns:c="http://schemas.openxmlformats.org/drawingml/2006/chart" xmlns:dgm="http://schemas.openxmlformats.org/drawingml/2006/diagram" xmlns:o="urn:schemas-microsoft-com:office:office" xmlns:v="urn:schemas-microsoft-com:vml" xmlns:pvml="urn:schemas-microsoft-com:office:powerpoint" xmlns:com="http://schemas.openxmlformats.org/drawingml/2006/compatibility" xmlns:p14="http://schemas.microsoft.com/office/powerpoint/2010/main" xmlns:p15="http://schemas.microsoft.com/office/powerpoint/2012/main" xmlns:ahyp="http://schemas.microsoft.com/office/drawing/2018/hyperlinkcolor">
+<p:sld xmlns:a="http://schemas.openxmlformats.org/drawingml/2006/main" xmlns:r="http://schemas.openxmlformats.org/officeDocument/2006/relationships" xmlns:p="http://schemas.openxmlformats.org/presentationml/2006/main">
   <p:cSld>
     <p:spTree>
       <p:nvGrpSpPr>
-        <p:cNvPr id="108" name="Shape 108"/>
+        <p:cNvPr id="1" name="Shape 108"/>
         <p:cNvGrpSpPr/>
         <p:nvPr/>
       </p:nvGrpSpPr>
@@ -13939,9 +14095,11 @@
       <p:sp>
         <p:nvSpPr>
           <p:cNvPr id="109" name="Google Shape;109;p14"/>
-          <p:cNvSpPr txBox="1"/>
+          <p:cNvSpPr txBox="1">
+            <a:spLocks noGrp="1"/>
+          </p:cNvSpPr>
           <p:nvPr>
-            <p:ph idx="12" type="sldNum"/>
+            <p:ph type="sldNum" idx="12"/>
           </p:nvPr>
         </p:nvSpPr>
         <p:spPr>
@@ -13958,12 +14116,12 @@
           </a:ln>
         </p:spPr>
         <p:txBody>
-          <a:bodyPr anchorCtr="0" anchor="ctr" bIns="91425" lIns="91425" spcFirstLastPara="1" rIns="91425" wrap="square" tIns="91425">
+          <a:bodyPr spcFirstLastPara="1" wrap="square" lIns="91425" tIns="91425" rIns="91425" bIns="91425" anchor="ctr" anchorCtr="0">
             <a:noAutofit/>
           </a:bodyPr>
           <a:lstStyle/>
           <a:p>
-            <a:pPr indent="0" lvl="0" marL="0" rtl="0" algn="ctr">
+            <a:pPr marL="0" lvl="0" indent="0" algn="ctr" rtl="0">
               <a:lnSpc>
                 <a:spcPct val="100000"/>
               </a:lnSpc>
@@ -13978,7 +14136,7 @@
             </a:pPr>
             <a:fld id="{00000000-1234-1234-1234-123412341234}" type="slidenum">
               <a:rPr lang="en-US"/>
-              <a:t>‹#›</a:t>
+              <a:t>7</a:t>
             </a:fld>
             <a:endParaRPr/>
           </a:p>
@@ -13987,9 +14145,11 @@
       <p:sp>
         <p:nvSpPr>
           <p:cNvPr id="110" name="Google Shape;110;p14"/>
-          <p:cNvSpPr txBox="1"/>
+          <p:cNvSpPr txBox="1">
+            <a:spLocks noGrp="1"/>
+          </p:cNvSpPr>
           <p:nvPr>
-            <p:ph idx="4294967295" type="ctrTitle"/>
+            <p:ph type="ctrTitle" idx="4294967295"/>
           </p:nvPr>
         </p:nvSpPr>
         <p:spPr>
@@ -14006,12 +14166,12 @@
           </a:ln>
         </p:spPr>
         <p:txBody>
-          <a:bodyPr anchorCtr="0" anchor="t" bIns="91425" lIns="91425" spcFirstLastPara="1" rIns="91425" wrap="square" tIns="91425">
+          <a:bodyPr spcFirstLastPara="1" wrap="square" lIns="91425" tIns="91425" rIns="91425" bIns="91425" anchor="t" anchorCtr="0">
             <a:noAutofit/>
           </a:bodyPr>
           <a:lstStyle/>
           <a:p>
-            <a:pPr indent="0" lvl="0" marL="0" marR="0" rtl="0" algn="l">
+            <a:pPr marL="0" marR="0" lvl="0" indent="0" algn="l" rtl="0">
               <a:lnSpc>
                 <a:spcPct val="100000"/>
               </a:lnSpc>
@@ -14029,7 +14189,7 @@
               <a:buNone/>
             </a:pPr>
             <a:r>
-              <a:rPr b="0" i="0" lang="en-US" sz="9600" u="none" cap="none" strike="noStrike">
+              <a:rPr lang="en-US" sz="9600" b="0" i="0" u="none" strike="noStrike" cap="none">
                 <a:solidFill>
                   <a:schemeClr val="accent1"/>
                 </a:solidFill>
@@ -14040,7 +14200,7 @@
               </a:rPr>
               <a:t>Thanks!</a:t>
             </a:r>
-            <a:endParaRPr b="0" i="0" sz="9600" u="none" cap="none" strike="noStrike">
+            <a:endParaRPr sz="9600" b="0" i="0" u="none" strike="noStrike" cap="none">
               <a:solidFill>
                 <a:schemeClr val="accent1"/>
               </a:solidFill>
@@ -14055,9 +14215,11 @@
       <p:sp>
         <p:nvSpPr>
           <p:cNvPr id="111" name="Google Shape;111;p14"/>
-          <p:cNvSpPr txBox="1"/>
+          <p:cNvSpPr txBox="1">
+            <a:spLocks noGrp="1"/>
+          </p:cNvSpPr>
           <p:nvPr>
-            <p:ph idx="4294967295" type="subTitle"/>
+            <p:ph type="subTitle" idx="4294967295"/>
           </p:nvPr>
         </p:nvSpPr>
         <p:spPr>
@@ -14074,12 +14236,12 @@
           </a:ln>
         </p:spPr>
         <p:txBody>
-          <a:bodyPr anchorCtr="0" anchor="t" bIns="91425" lIns="91425" spcFirstLastPara="1" rIns="91425" wrap="square" tIns="91425">
+          <a:bodyPr spcFirstLastPara="1" wrap="square" lIns="91425" tIns="91425" rIns="91425" bIns="91425" anchor="t" anchorCtr="0">
             <a:noAutofit/>
           </a:bodyPr>
           <a:lstStyle/>
           <a:p>
-            <a:pPr indent="0" lvl="0" marL="0" marR="0" rtl="0" algn="l">
+            <a:pPr marL="0" marR="0" lvl="0" indent="0" algn="l" rtl="0">
               <a:lnSpc>
                 <a:spcPct val="100000"/>
               </a:lnSpc>
@@ -14097,7 +14259,7 @@
               <a:buNone/>
             </a:pPr>
             <a:r>
-              <a:rPr b="1" i="0" lang="en-US" sz="3600" u="none" cap="none" strike="noStrike">
+              <a:rPr lang="en-US" sz="3600" b="1" i="0" u="none" strike="noStrike" cap="none">
                 <a:solidFill>
                   <a:schemeClr val="dk2"/>
                 </a:solidFill>
@@ -14108,7 +14270,7 @@
               </a:rPr>
               <a:t>Any questions?</a:t>
             </a:r>
-            <a:endParaRPr b="1" i="0" sz="3600" u="none" cap="none" strike="noStrike">
+            <a:endParaRPr sz="3600" b="1" i="0" u="none" strike="noStrike" cap="none">
               <a:solidFill>
                 <a:schemeClr val="dk2"/>
               </a:solidFill>
@@ -14132,9 +14294,13 @@
             <a:ext cx="798007" cy="725835"/>
           </a:xfrm>
           <a:custGeom>
-            <a:rect b="b" l="l" r="r" t="t"/>
+            <a:avLst/>
+            <a:gdLst/>
+            <a:ahLst/>
+            <a:cxnLst/>
+            <a:rect l="l" t="t" r="r" b="b"/>
             <a:pathLst>
-              <a:path extrusionOk="0" h="14752" w="16218">
+              <a:path w="16218" h="14752" extrusionOk="0">
                 <a:moveTo>
                   <a:pt x="7694" y="0"/>
                 </a:moveTo>
@@ -14570,12 +14736,12 @@
           </a:ln>
         </p:spPr>
         <p:txBody>
-          <a:bodyPr anchorCtr="0" anchor="ctr" bIns="91425" lIns="91425" spcFirstLastPara="1" rIns="91425" wrap="square" tIns="91425">
+          <a:bodyPr spcFirstLastPara="1" wrap="square" lIns="91425" tIns="91425" rIns="91425" bIns="91425" anchor="ctr" anchorCtr="0">
             <a:noAutofit/>
           </a:bodyPr>
           <a:lstStyle/>
           <a:p>
-            <a:pPr indent="0" lvl="0" marL="0" marR="0" rtl="0" algn="l">
+            <a:pPr marL="0" marR="0" lvl="0" indent="0" algn="l" rtl="0">
               <a:lnSpc>
                 <a:spcPct val="100000"/>
               </a:lnSpc>
@@ -14592,10 +14758,7 @@
               <a:buFont typeface="Arial"/>
               <a:buNone/>
             </a:pPr>
-            <a:r>
-              <a:t/>
-            </a:r>
-            <a:endParaRPr b="0" i="0" sz="1400" u="none" cap="none" strike="noStrike">
+            <a:endParaRPr sz="1400" b="0" i="0" u="none" strike="noStrike" cap="none">
               <a:solidFill>
                 <a:srgbClr val="000000"/>
               </a:solidFill>
@@ -14616,7 +14779,288 @@
 </file>
 
 <file path=ppt/theme/theme1.xml><?xml version="1.0" encoding="utf-8"?>
-<a:theme xmlns:a="http://schemas.openxmlformats.org/drawingml/2006/main" xmlns:r="http://schemas.openxmlformats.org/officeDocument/2006/relationships">
+<a:theme xmlns:a="http://schemas.openxmlformats.org/drawingml/2006/main" name="Olivia template">
+  <a:themeElements>
+    <a:clrScheme name="Custom 347">
+      <a:dk1>
+        <a:srgbClr val="434343"/>
+      </a:dk1>
+      <a:lt1>
+        <a:srgbClr val="FFFFFF"/>
+      </a:lt1>
+      <a:dk2>
+        <a:srgbClr val="666666"/>
+      </a:dk2>
+      <a:lt2>
+        <a:srgbClr val="ECE9E6"/>
+      </a:lt2>
+      <a:accent1>
+        <a:srgbClr val="FFB600"/>
+      </a:accent1>
+      <a:accent2>
+        <a:srgbClr val="FF8400"/>
+      </a:accent2>
+      <a:accent3>
+        <a:srgbClr val="FA5E5E"/>
+      </a:accent3>
+      <a:accent4>
+        <a:srgbClr val="E42A87"/>
+      </a:accent4>
+      <a:accent5>
+        <a:srgbClr val="B143C7"/>
+      </a:accent5>
+      <a:accent6>
+        <a:srgbClr val="7241B4"/>
+      </a:accent6>
+      <a:hlink>
+        <a:srgbClr val="434343"/>
+      </a:hlink>
+      <a:folHlink>
+        <a:srgbClr val="6611CC"/>
+      </a:folHlink>
+    </a:clrScheme>
+    <a:fontScheme name="Office">
+      <a:majorFont>
+        <a:latin typeface="Arial"/>
+        <a:ea typeface=""/>
+        <a:cs typeface=""/>
+        <a:font script="Jpan" typeface="ＭＳ Ｐゴシック"/>
+        <a:font script="Hang" typeface="맑은 고딕"/>
+        <a:font script="Hans" typeface="宋体"/>
+        <a:font script="Hant" typeface="新細明體"/>
+        <a:font script="Arab" typeface="Times New Roman"/>
+        <a:font script="Hebr" typeface="Times New Roman"/>
+        <a:font script="Thai" typeface="Angsana New"/>
+        <a:font script="Ethi" typeface="Nyala"/>
+        <a:font script="Beng" typeface="Vrinda"/>
+        <a:font script="Gujr" typeface="Shruti"/>
+        <a:font script="Khmr" typeface="MoolBoran"/>
+        <a:font script="Knda" typeface="Tunga"/>
+        <a:font script="Guru" typeface="Raavi"/>
+        <a:font script="Cans" typeface="Euphemia"/>
+        <a:font script="Cher" typeface="Plantagenet Cherokee"/>
+        <a:font script="Yiii" typeface="Microsoft Yi Baiti"/>
+        <a:font script="Tibt" typeface="Microsoft Himalaya"/>
+        <a:font script="Thaa" typeface="MV Boli"/>
+        <a:font script="Deva" typeface="Mangal"/>
+        <a:font script="Telu" typeface="Gautami"/>
+        <a:font script="Taml" typeface="Latha"/>
+        <a:font script="Syrc" typeface="Estrangelo Edessa"/>
+        <a:font script="Orya" typeface="Kalinga"/>
+        <a:font script="Mlym" typeface="Kartika"/>
+        <a:font script="Laoo" typeface="DokChampa"/>
+        <a:font script="Sinh" typeface="Iskoola Pota"/>
+        <a:font script="Mong" typeface="Mongolian Baiti"/>
+        <a:font script="Viet" typeface="Times New Roman"/>
+        <a:font script="Uigh" typeface="Microsoft Uighur"/>
+        <a:font script="Geor" typeface="Sylfaen"/>
+      </a:majorFont>
+      <a:minorFont>
+        <a:latin typeface="Arial"/>
+        <a:ea typeface=""/>
+        <a:cs typeface=""/>
+        <a:font script="Jpan" typeface="ＭＳ Ｐゴシック"/>
+        <a:font script="Hang" typeface="맑은 고딕"/>
+        <a:font script="Hans" typeface="宋体"/>
+        <a:font script="Hant" typeface="新細明體"/>
+        <a:font script="Arab" typeface="Arial"/>
+        <a:font script="Hebr" typeface="Arial"/>
+        <a:font script="Thai" typeface="Cordia New"/>
+        <a:font script="Ethi" typeface="Nyala"/>
+        <a:font script="Beng" typeface="Vrinda"/>
+        <a:font script="Gujr" typeface="Shruti"/>
+        <a:font script="Khmr" typeface="DaunPenh"/>
+        <a:font script="Knda" typeface="Tunga"/>
+        <a:font script="Guru" typeface="Raavi"/>
+        <a:font script="Cans" typeface="Euphemia"/>
+        <a:font script="Cher" typeface="Plantagenet Cherokee"/>
+        <a:font script="Yiii" typeface="Microsoft Yi Baiti"/>
+        <a:font script="Tibt" typeface="Microsoft Himalaya"/>
+        <a:font script="Thaa" typeface="MV Boli"/>
+        <a:font script="Deva" typeface="Mangal"/>
+        <a:font script="Telu" typeface="Gautami"/>
+        <a:font script="Taml" typeface="Latha"/>
+        <a:font script="Syrc" typeface="Estrangelo Edessa"/>
+        <a:font script="Orya" typeface="Kalinga"/>
+        <a:font script="Mlym" typeface="Kartika"/>
+        <a:font script="Laoo" typeface="DokChampa"/>
+        <a:font script="Sinh" typeface="Iskoola Pota"/>
+        <a:font script="Mong" typeface="Mongolian Baiti"/>
+        <a:font script="Viet" typeface="Arial"/>
+        <a:font script="Uigh" typeface="Microsoft Uighur"/>
+        <a:font script="Geor" typeface="Sylfaen"/>
+      </a:minorFont>
+    </a:fontScheme>
+    <a:fmtScheme name="Office">
+      <a:fillStyleLst>
+        <a:solidFill>
+          <a:schemeClr val="phClr"/>
+        </a:solidFill>
+        <a:gradFill rotWithShape="1">
+          <a:gsLst>
+            <a:gs pos="0">
+              <a:schemeClr val="phClr">
+                <a:tint val="50000"/>
+                <a:satMod val="300000"/>
+              </a:schemeClr>
+            </a:gs>
+            <a:gs pos="35000">
+              <a:schemeClr val="phClr">
+                <a:tint val="37000"/>
+                <a:satMod val="300000"/>
+              </a:schemeClr>
+            </a:gs>
+            <a:gs pos="100000">
+              <a:schemeClr val="phClr">
+                <a:tint val="15000"/>
+                <a:satMod val="350000"/>
+              </a:schemeClr>
+            </a:gs>
+          </a:gsLst>
+          <a:lin ang="16200000" scaled="1"/>
+        </a:gradFill>
+        <a:gradFill rotWithShape="1">
+          <a:gsLst>
+            <a:gs pos="0">
+              <a:schemeClr val="phClr">
+                <a:tint val="100000"/>
+                <a:shade val="100000"/>
+                <a:satMod val="130000"/>
+              </a:schemeClr>
+            </a:gs>
+            <a:gs pos="100000">
+              <a:schemeClr val="phClr">
+                <a:tint val="50000"/>
+                <a:shade val="100000"/>
+                <a:satMod val="350000"/>
+              </a:schemeClr>
+            </a:gs>
+          </a:gsLst>
+          <a:lin ang="16200000" scaled="0"/>
+        </a:gradFill>
+      </a:fillStyleLst>
+      <a:lnStyleLst>
+        <a:ln w="9525" cap="flat" cmpd="sng" algn="ctr">
+          <a:solidFill>
+            <a:schemeClr val="phClr">
+              <a:shade val="95000"/>
+              <a:satMod val="105000"/>
+            </a:schemeClr>
+          </a:solidFill>
+          <a:prstDash val="solid"/>
+        </a:ln>
+        <a:ln w="25400" cap="flat" cmpd="sng" algn="ctr">
+          <a:solidFill>
+            <a:schemeClr val="phClr"/>
+          </a:solidFill>
+          <a:prstDash val="solid"/>
+        </a:ln>
+        <a:ln w="38100" cap="flat" cmpd="sng" algn="ctr">
+          <a:solidFill>
+            <a:schemeClr val="phClr"/>
+          </a:solidFill>
+          <a:prstDash val="solid"/>
+        </a:ln>
+      </a:lnStyleLst>
+      <a:effectStyleLst>
+        <a:effectStyle>
+          <a:effectLst>
+            <a:outerShdw blurRad="40000" dist="20000" dir="5400000" rotWithShape="0">
+              <a:srgbClr val="000000">
+                <a:alpha val="38000"/>
+              </a:srgbClr>
+            </a:outerShdw>
+          </a:effectLst>
+        </a:effectStyle>
+        <a:effectStyle>
+          <a:effectLst>
+            <a:outerShdw blurRad="40000" dist="23000" dir="5400000" rotWithShape="0">
+              <a:srgbClr val="000000">
+                <a:alpha val="35000"/>
+              </a:srgbClr>
+            </a:outerShdw>
+          </a:effectLst>
+        </a:effectStyle>
+        <a:effectStyle>
+          <a:effectLst>
+            <a:outerShdw blurRad="40000" dist="23000" dir="5400000" rotWithShape="0">
+              <a:srgbClr val="000000">
+                <a:alpha val="35000"/>
+              </a:srgbClr>
+            </a:outerShdw>
+          </a:effectLst>
+          <a:scene3d>
+            <a:camera prst="orthographicFront">
+              <a:rot lat="0" lon="0" rev="0"/>
+            </a:camera>
+            <a:lightRig rig="threePt" dir="t">
+              <a:rot lat="0" lon="0" rev="1200000"/>
+            </a:lightRig>
+          </a:scene3d>
+          <a:sp3d>
+            <a:bevelT w="63500" h="25400"/>
+          </a:sp3d>
+        </a:effectStyle>
+      </a:effectStyleLst>
+      <a:bgFillStyleLst>
+        <a:solidFill>
+          <a:schemeClr val="phClr"/>
+        </a:solidFill>
+        <a:gradFill rotWithShape="1">
+          <a:gsLst>
+            <a:gs pos="0">
+              <a:schemeClr val="phClr">
+                <a:tint val="40000"/>
+                <a:satMod val="350000"/>
+              </a:schemeClr>
+            </a:gs>
+            <a:gs pos="40000">
+              <a:schemeClr val="phClr">
+                <a:tint val="45000"/>
+                <a:shade val="99000"/>
+                <a:satMod val="350000"/>
+              </a:schemeClr>
+            </a:gs>
+            <a:gs pos="100000">
+              <a:schemeClr val="phClr">
+                <a:shade val="20000"/>
+                <a:satMod val="255000"/>
+              </a:schemeClr>
+            </a:gs>
+          </a:gsLst>
+          <a:path path="circle">
+            <a:fillToRect l="50000" t="-80000" r="50000" b="180000"/>
+          </a:path>
+        </a:gradFill>
+        <a:gradFill rotWithShape="1">
+          <a:gsLst>
+            <a:gs pos="0">
+              <a:schemeClr val="phClr">
+                <a:tint val="80000"/>
+                <a:satMod val="300000"/>
+              </a:schemeClr>
+            </a:gs>
+            <a:gs pos="100000">
+              <a:schemeClr val="phClr">
+                <a:shade val="30000"/>
+                <a:satMod val="200000"/>
+              </a:schemeClr>
+            </a:gs>
+          </a:gsLst>
+          <a:path path="circle">
+            <a:fillToRect l="50000" t="50000" r="50000" b="50000"/>
+          </a:path>
+        </a:gradFill>
+      </a:bgFillStyleLst>
+    </a:fmtScheme>
+  </a:themeElements>
+  <a:objectDefaults/>
+  <a:extraClrSchemeLst/>
+</a:theme>
+</file>
+
+<file path=ppt/theme/theme2.xml><?xml version="1.0" encoding="utf-8"?>
+<a:theme xmlns:a="http://schemas.openxmlformats.org/drawingml/2006/main">
   <a:themeElements>
     <a:clrScheme name="Default">
       <a:dk1>
@@ -14891,284 +15335,7 @@
       </a:bgFillStyleLst>
     </a:fmtScheme>
   </a:themeElements>
-</a:theme>
-</file>
-
-<file path=ppt/theme/theme2.xml><?xml version="1.0" encoding="utf-8"?>
-<a:theme xmlns:a="http://schemas.openxmlformats.org/drawingml/2006/main" xmlns:r="http://schemas.openxmlformats.org/officeDocument/2006/relationships" name="Olivia template">
-  <a:themeElements>
-    <a:clrScheme name="Custom 347">
-      <a:dk1>
-        <a:srgbClr val="434343"/>
-      </a:dk1>
-      <a:lt1>
-        <a:srgbClr val="FFFFFF"/>
-      </a:lt1>
-      <a:dk2>
-        <a:srgbClr val="666666"/>
-      </a:dk2>
-      <a:lt2>
-        <a:srgbClr val="ECE9E6"/>
-      </a:lt2>
-      <a:accent1>
-        <a:srgbClr val="FFB600"/>
-      </a:accent1>
-      <a:accent2>
-        <a:srgbClr val="FF8400"/>
-      </a:accent2>
-      <a:accent3>
-        <a:srgbClr val="FA5E5E"/>
-      </a:accent3>
-      <a:accent4>
-        <a:srgbClr val="E42A87"/>
-      </a:accent4>
-      <a:accent5>
-        <a:srgbClr val="B143C7"/>
-      </a:accent5>
-      <a:accent6>
-        <a:srgbClr val="7241B4"/>
-      </a:accent6>
-      <a:hlink>
-        <a:srgbClr val="434343"/>
-      </a:hlink>
-      <a:folHlink>
-        <a:srgbClr val="6611CC"/>
-      </a:folHlink>
-    </a:clrScheme>
-    <a:fontScheme name="Office">
-      <a:majorFont>
-        <a:latin typeface="Arial"/>
-        <a:ea typeface=""/>
-        <a:cs typeface=""/>
-        <a:font script="Jpan" typeface="ＭＳ Ｐゴシック"/>
-        <a:font script="Hang" typeface="맑은 고딕"/>
-        <a:font script="Hans" typeface="宋体"/>
-        <a:font script="Hant" typeface="新細明體"/>
-        <a:font script="Arab" typeface="Times New Roman"/>
-        <a:font script="Hebr" typeface="Times New Roman"/>
-        <a:font script="Thai" typeface="Angsana New"/>
-        <a:font script="Ethi" typeface="Nyala"/>
-        <a:font script="Beng" typeface="Vrinda"/>
-        <a:font script="Gujr" typeface="Shruti"/>
-        <a:font script="Khmr" typeface="MoolBoran"/>
-        <a:font script="Knda" typeface="Tunga"/>
-        <a:font script="Guru" typeface="Raavi"/>
-        <a:font script="Cans" typeface="Euphemia"/>
-        <a:font script="Cher" typeface="Plantagenet Cherokee"/>
-        <a:font script="Yiii" typeface="Microsoft Yi Baiti"/>
-        <a:font script="Tibt" typeface="Microsoft Himalaya"/>
-        <a:font script="Thaa" typeface="MV Boli"/>
-        <a:font script="Deva" typeface="Mangal"/>
-        <a:font script="Telu" typeface="Gautami"/>
-        <a:font script="Taml" typeface="Latha"/>
-        <a:font script="Syrc" typeface="Estrangelo Edessa"/>
-        <a:font script="Orya" typeface="Kalinga"/>
-        <a:font script="Mlym" typeface="Kartika"/>
-        <a:font script="Laoo" typeface="DokChampa"/>
-        <a:font script="Sinh" typeface="Iskoola Pota"/>
-        <a:font script="Mong" typeface="Mongolian Baiti"/>
-        <a:font script="Viet" typeface="Times New Roman"/>
-        <a:font script="Uigh" typeface="Microsoft Uighur"/>
-        <a:font script="Geor" typeface="Sylfaen"/>
-      </a:majorFont>
-      <a:minorFont>
-        <a:latin typeface="Arial"/>
-        <a:ea typeface=""/>
-        <a:cs typeface=""/>
-        <a:font script="Jpan" typeface="ＭＳ Ｐゴシック"/>
-        <a:font script="Hang" typeface="맑은 고딕"/>
-        <a:font script="Hans" typeface="宋体"/>
-        <a:font script="Hant" typeface="新細明體"/>
-        <a:font script="Arab" typeface="Arial"/>
-        <a:font script="Hebr" typeface="Arial"/>
-        <a:font script="Thai" typeface="Cordia New"/>
-        <a:font script="Ethi" typeface="Nyala"/>
-        <a:font script="Beng" typeface="Vrinda"/>
-        <a:font script="Gujr" typeface="Shruti"/>
-        <a:font script="Khmr" typeface="DaunPenh"/>
-        <a:font script="Knda" typeface="Tunga"/>
-        <a:font script="Guru" typeface="Raavi"/>
-        <a:font script="Cans" typeface="Euphemia"/>
-        <a:font script="Cher" typeface="Plantagenet Cherokee"/>
-        <a:font script="Yiii" typeface="Microsoft Yi Baiti"/>
-        <a:font script="Tibt" typeface="Microsoft Himalaya"/>
-        <a:font script="Thaa" typeface="MV Boli"/>
-        <a:font script="Deva" typeface="Mangal"/>
-        <a:font script="Telu" typeface="Gautami"/>
-        <a:font script="Taml" typeface="Latha"/>
-        <a:font script="Syrc" typeface="Estrangelo Edessa"/>
-        <a:font script="Orya" typeface="Kalinga"/>
-        <a:font script="Mlym" typeface="Kartika"/>
-        <a:font script="Laoo" typeface="DokChampa"/>
-        <a:font script="Sinh" typeface="Iskoola Pota"/>
-        <a:font script="Mong" typeface="Mongolian Baiti"/>
-        <a:font script="Viet" typeface="Arial"/>
-        <a:font script="Uigh" typeface="Microsoft Uighur"/>
-        <a:font script="Geor" typeface="Sylfaen"/>
-      </a:minorFont>
-    </a:fontScheme>
-    <a:fmtScheme name="Office">
-      <a:fillStyleLst>
-        <a:solidFill>
-          <a:schemeClr val="phClr"/>
-        </a:solidFill>
-        <a:gradFill rotWithShape="1">
-          <a:gsLst>
-            <a:gs pos="0">
-              <a:schemeClr val="phClr">
-                <a:tint val="50000"/>
-                <a:satMod val="300000"/>
-              </a:schemeClr>
-            </a:gs>
-            <a:gs pos="35000">
-              <a:schemeClr val="phClr">
-                <a:tint val="37000"/>
-                <a:satMod val="300000"/>
-              </a:schemeClr>
-            </a:gs>
-            <a:gs pos="100000">
-              <a:schemeClr val="phClr">
-                <a:tint val="15000"/>
-                <a:satMod val="350000"/>
-              </a:schemeClr>
-            </a:gs>
-          </a:gsLst>
-          <a:lin ang="16200000" scaled="1"/>
-        </a:gradFill>
-        <a:gradFill rotWithShape="1">
-          <a:gsLst>
-            <a:gs pos="0">
-              <a:schemeClr val="phClr">
-                <a:tint val="100000"/>
-                <a:shade val="100000"/>
-                <a:satMod val="130000"/>
-              </a:schemeClr>
-            </a:gs>
-            <a:gs pos="100000">
-              <a:schemeClr val="phClr">
-                <a:tint val="50000"/>
-                <a:shade val="100000"/>
-                <a:satMod val="350000"/>
-              </a:schemeClr>
-            </a:gs>
-          </a:gsLst>
-          <a:lin ang="16200000" scaled="0"/>
-        </a:gradFill>
-      </a:fillStyleLst>
-      <a:lnStyleLst>
-        <a:ln w="9525" cap="flat" cmpd="sng" algn="ctr">
-          <a:solidFill>
-            <a:schemeClr val="phClr">
-              <a:shade val="95000"/>
-              <a:satMod val="105000"/>
-            </a:schemeClr>
-          </a:solidFill>
-          <a:prstDash val="solid"/>
-        </a:ln>
-        <a:ln w="25400" cap="flat" cmpd="sng" algn="ctr">
-          <a:solidFill>
-            <a:schemeClr val="phClr"/>
-          </a:solidFill>
-          <a:prstDash val="solid"/>
-        </a:ln>
-        <a:ln w="38100" cap="flat" cmpd="sng" algn="ctr">
-          <a:solidFill>
-            <a:schemeClr val="phClr"/>
-          </a:solidFill>
-          <a:prstDash val="solid"/>
-        </a:ln>
-      </a:lnStyleLst>
-      <a:effectStyleLst>
-        <a:effectStyle>
-          <a:effectLst>
-            <a:outerShdw blurRad="40000" dist="20000" dir="5400000" rotWithShape="0">
-              <a:srgbClr val="000000">
-                <a:alpha val="38000"/>
-              </a:srgbClr>
-            </a:outerShdw>
-          </a:effectLst>
-        </a:effectStyle>
-        <a:effectStyle>
-          <a:effectLst>
-            <a:outerShdw blurRad="40000" dist="23000" dir="5400000" rotWithShape="0">
-              <a:srgbClr val="000000">
-                <a:alpha val="35000"/>
-              </a:srgbClr>
-            </a:outerShdw>
-          </a:effectLst>
-        </a:effectStyle>
-        <a:effectStyle>
-          <a:effectLst>
-            <a:outerShdw blurRad="40000" dist="23000" dir="5400000" rotWithShape="0">
-              <a:srgbClr val="000000">
-                <a:alpha val="35000"/>
-              </a:srgbClr>
-            </a:outerShdw>
-          </a:effectLst>
-          <a:scene3d>
-            <a:camera prst="orthographicFront">
-              <a:rot lat="0" lon="0" rev="0"/>
-            </a:camera>
-            <a:lightRig rig="threePt" dir="t">
-              <a:rot lat="0" lon="0" rev="1200000"/>
-            </a:lightRig>
-          </a:scene3d>
-          <a:sp3d>
-            <a:bevelT w="63500" h="25400"/>
-          </a:sp3d>
-        </a:effectStyle>
-      </a:effectStyleLst>
-      <a:bgFillStyleLst>
-        <a:solidFill>
-          <a:schemeClr val="phClr"/>
-        </a:solidFill>
-        <a:gradFill rotWithShape="1">
-          <a:gsLst>
-            <a:gs pos="0">
-              <a:schemeClr val="phClr">
-                <a:tint val="40000"/>
-                <a:satMod val="350000"/>
-              </a:schemeClr>
-            </a:gs>
-            <a:gs pos="40000">
-              <a:schemeClr val="phClr">
-                <a:tint val="45000"/>
-                <a:shade val="99000"/>
-                <a:satMod val="350000"/>
-              </a:schemeClr>
-            </a:gs>
-            <a:gs pos="100000">
-              <a:schemeClr val="phClr">
-                <a:shade val="20000"/>
-                <a:satMod val="255000"/>
-              </a:schemeClr>
-            </a:gs>
-          </a:gsLst>
-          <a:path path="circle">
-            <a:fillToRect l="50000" t="-80000" r="50000" b="180000"/>
-          </a:path>
-        </a:gradFill>
-        <a:gradFill rotWithShape="1">
-          <a:gsLst>
-            <a:gs pos="0">
-              <a:schemeClr val="phClr">
-                <a:tint val="80000"/>
-                <a:satMod val="300000"/>
-              </a:schemeClr>
-            </a:gs>
-            <a:gs pos="100000">
-              <a:schemeClr val="phClr">
-                <a:shade val="30000"/>
-                <a:satMod val="200000"/>
-              </a:schemeClr>
-            </a:gs>
-          </a:gsLst>
-          <a:path path="circle">
-            <a:fillToRect l="50000" t="50000" r="50000" b="50000"/>
-          </a:path>
-        </a:gradFill>
-      </a:bgFillStyleLst>
-    </a:fmtScheme>
-  </a:themeElements>
+  <a:objectDefaults/>
+  <a:extraClrSchemeLst/>
 </a:theme>
 </file>